--- a/Plan de negocios.pptx
+++ b/Plan de negocios.pptx
@@ -15,7 +15,9 @@
     <p:sldId id="265" r:id="rId9"/>
     <p:sldId id="262" r:id="rId10"/>
     <p:sldId id="263" r:id="rId11"/>
-    <p:sldId id="264" r:id="rId12"/>
+    <p:sldId id="268" r:id="rId12"/>
+    <p:sldId id="267" r:id="rId13"/>
+    <p:sldId id="264" r:id="rId14"/>
   </p:sldIdLst>
   <p:sldSz cx="12192000" cy="6858000"/>
   <p:notesSz cx="6858000" cy="9144000"/>
@@ -12797,7 +12799,7 @@
           <a:p>
             <a:fld id="{6AD6EE87-EBD5-4F12-A48A-63ACA297AC8F}" type="datetimeFigureOut">
               <a:rPr lang="en-US" dirty="0"/>
-              <a:t>8/8/2017</a:t>
+              <a:t>8/15/2017</a:t>
             </a:fld>
             <a:endParaRPr lang="en-US" dirty="0"/>
           </a:p>
@@ -12999,7 +13001,7 @@
           <a:p>
             <a:fld id="{4CD73815-2707-4475-8F1A-B873CB631BB4}" type="datetimeFigureOut">
               <a:rPr lang="en-US" dirty="0"/>
-              <a:t>8/8/2017</a:t>
+              <a:t>8/15/2017</a:t>
             </a:fld>
             <a:endParaRPr lang="en-US" dirty="0"/>
           </a:p>
@@ -13174,7 +13176,7 @@
           <a:p>
             <a:fld id="{2A4AFB99-0EAB-4182-AFF8-E214C82A68F6}" type="datetimeFigureOut">
               <a:rPr lang="en-US" dirty="0"/>
-              <a:t>8/8/2017</a:t>
+              <a:t>8/15/2017</a:t>
             </a:fld>
             <a:endParaRPr lang="en-US" dirty="0"/>
           </a:p>
@@ -13374,7 +13376,7 @@
           <a:p>
             <a:fld id="{A5D3794B-289A-4A80-97D7-111025398D45}" type="datetimeFigureOut">
               <a:rPr lang="en-US" dirty="0"/>
-              <a:t>8/8/2017</a:t>
+              <a:t>8/15/2017</a:t>
             </a:fld>
             <a:endParaRPr lang="en-US" dirty="0"/>
           </a:p>
@@ -22267,7 +22269,7 @@
           <a:p>
             <a:fld id="{5A61015F-7CC6-4D0A-9D87-873EA4C304CC}" type="datetimeFigureOut">
               <a:rPr lang="en-US" dirty="0"/>
-              <a:t>8/8/2017</a:t>
+              <a:t>8/15/2017</a:t>
             </a:fld>
             <a:endParaRPr lang="en-US" dirty="0"/>
           </a:p>
@@ -22536,7 +22538,7 @@
           <a:p>
             <a:fld id="{93C6A301-0538-44EC-B09D-202E1042A48B}" type="datetimeFigureOut">
               <a:rPr lang="en-US" dirty="0"/>
-              <a:t>8/8/2017</a:t>
+              <a:t>8/15/2017</a:t>
             </a:fld>
             <a:endParaRPr lang="en-US" dirty="0"/>
           </a:p>
@@ -22929,7 +22931,7 @@
           <a:p>
             <a:fld id="{D789574A-8875-45EF-8EA2-3CAA0F7ABC4C}" type="datetimeFigureOut">
               <a:rPr lang="en-US" dirty="0"/>
-              <a:t>8/8/2017</a:t>
+              <a:t>8/15/2017</a:t>
             </a:fld>
             <a:endParaRPr lang="en-US" dirty="0"/>
           </a:p>
@@ -23042,7 +23044,7 @@
           <a:p>
             <a:fld id="{67EF4D4C-5367-4C26-9E2B-D8088D7FCA81}" type="datetimeFigureOut">
               <a:rPr lang="en-US" dirty="0"/>
-              <a:t>8/8/2017</a:t>
+              <a:t>8/15/2017</a:t>
             </a:fld>
             <a:endParaRPr lang="en-US" dirty="0"/>
           </a:p>
@@ -23132,7 +23134,7 @@
           <a:p>
             <a:fld id="{56E91E96-98B0-4413-9547-46F3504108EF}" type="datetimeFigureOut">
               <a:rPr lang="en-US" dirty="0"/>
-              <a:t>8/8/2017</a:t>
+              <a:t>8/15/2017</a:t>
             </a:fld>
             <a:endParaRPr lang="en-US" dirty="0"/>
           </a:p>
@@ -23417,7 +23419,7 @@
           <a:p>
             <a:fld id="{05C68B11-C5A8-448C-8CE9-B1A273C79CFC}" type="datetimeFigureOut">
               <a:rPr lang="en-US" dirty="0"/>
-              <a:t>8/8/2017</a:t>
+              <a:t>8/15/2017</a:t>
             </a:fld>
             <a:endParaRPr lang="en-US" dirty="0"/>
           </a:p>
@@ -23692,7 +23694,7 @@
           <a:p>
             <a:fld id="{C7616CA0-919D-4A49-9C8A-62FDFB3A5183}" type="datetimeFigureOut">
               <a:rPr lang="en-US" dirty="0"/>
-              <a:t>8/8/2017</a:t>
+              <a:t>8/15/2017</a:t>
             </a:fld>
             <a:endParaRPr lang="en-US" dirty="0"/>
           </a:p>
@@ -23938,7 +23940,7 @@
             <a:fld id="{90298CD5-6C1E-4009-B41F-6DF62E31D3BE}" type="datetimeFigureOut">
               <a:rPr lang="en-US" dirty="0"/>
               <a:pPr/>
-              <a:t>8/8/2017</a:t>
+              <a:t>8/15/2017</a:t>
             </a:fld>
             <a:endParaRPr lang="en-US" dirty="0"/>
           </a:p>
@@ -24545,7 +24547,12 @@
             <p:ph type="title"/>
           </p:nvPr>
         </p:nvSpPr>
-        <p:spPr/>
+        <p:spPr>
+          <a:xfrm>
+            <a:off x="1024128" y="585216"/>
+            <a:ext cx="9720072" cy="982650"/>
+          </a:xfrm>
+        </p:spPr>
         <p:txBody>
           <a:bodyPr/>
           <a:lstStyle/>
@@ -24570,8 +24577,8 @@
         </p:nvSpPr>
         <p:spPr>
           <a:xfrm>
-            <a:off x="678986" y="2019944"/>
-            <a:ext cx="4256084" cy="477885"/>
+            <a:off x="1024128" y="1442698"/>
+            <a:ext cx="4256084" cy="400300"/>
           </a:xfrm>
         </p:spPr>
         <p:txBody>
@@ -24581,72 +24588,6 @@
             <a:r>
               <a:rPr lang="es-ES" dirty="0" smtClean="0"/>
               <a:t>Determinación del precio venta (PV)</a:t>
-            </a:r>
-            <a:endParaRPr lang="es-ES" dirty="0"/>
-          </a:p>
-        </p:txBody>
-      </p:sp>
-      <p:sp>
-        <p:nvSpPr>
-          <p:cNvPr id="5" name="Rectángulo 4"/>
-          <p:cNvSpPr/>
-          <p:nvPr/>
-        </p:nvSpPr>
-        <p:spPr>
-          <a:xfrm>
-            <a:off x="6953973" y="2128497"/>
-            <a:ext cx="1843774" cy="369332"/>
-          </a:xfrm>
-          <a:prstGeom prst="rect">
-            <a:avLst/>
-          </a:prstGeom>
-        </p:spPr>
-        <p:txBody>
-          <a:bodyPr wrap="none">
-            <a:spAutoFit/>
-          </a:bodyPr>
-          <a:lstStyle/>
-          <a:p>
-            <a:r>
-              <a:rPr lang="es-ES" dirty="0" smtClean="0"/>
-              <a:t>PV = CU + T + G</a:t>
-            </a:r>
-            <a:endParaRPr lang="es-ES" dirty="0"/>
-          </a:p>
-        </p:txBody>
-      </p:sp>
-      <p:sp>
-        <p:nvSpPr>
-          <p:cNvPr id="6" name="Rectángulo 5"/>
-          <p:cNvSpPr/>
-          <p:nvPr/>
-        </p:nvSpPr>
-        <p:spPr>
-          <a:xfrm>
-            <a:off x="6654222" y="4747151"/>
-            <a:ext cx="3219151" cy="369332"/>
-          </a:xfrm>
-          <a:prstGeom prst="rect">
-            <a:avLst/>
-          </a:prstGeom>
-        </p:spPr>
-        <p:txBody>
-          <a:bodyPr wrap="none">
-            <a:spAutoFit/>
-          </a:bodyPr>
-          <a:lstStyle/>
-          <a:p>
-            <a:r>
-              <a:rPr lang="es-ES" dirty="0" smtClean="0"/>
-              <a:t>PV = </a:t>
-            </a:r>
-            <a:r>
-              <a:rPr lang="es-ES" b="1" dirty="0" smtClean="0"/>
-              <a:t>42,81 + 1</a:t>
-            </a:r>
-            <a:r>
-              <a:rPr lang="es-ES" dirty="0" smtClean="0"/>
-              <a:t> + 14,99 = 58,8</a:t>
             </a:r>
             <a:endParaRPr lang="es-ES" dirty="0"/>
           </a:p>
@@ -24675,8 +24616,8 @@
         </p:blipFill>
         <p:spPr bwMode="auto">
           <a:xfrm>
-            <a:off x="1496895" y="2585624"/>
-            <a:ext cx="3798885" cy="3732405"/>
+            <a:off x="824200" y="1748690"/>
+            <a:ext cx="4722443" cy="4639801"/>
           </a:xfrm>
           <a:prstGeom prst="rect">
             <a:avLst/>
@@ -24695,56 +24636,13 @@
       </p:pic>
       <p:sp>
         <p:nvSpPr>
-          <p:cNvPr id="7" name="Rectángulo 6"/>
-          <p:cNvSpPr/>
-          <p:nvPr/>
-        </p:nvSpPr>
-        <p:spPr>
-          <a:xfrm>
-            <a:off x="6715740" y="3143755"/>
-            <a:ext cx="2925801" cy="369332"/>
-          </a:xfrm>
-          <a:prstGeom prst="rect">
-            <a:avLst/>
-          </a:prstGeom>
-        </p:spPr>
-        <p:txBody>
-          <a:bodyPr wrap="none">
-            <a:spAutoFit/>
-          </a:bodyPr>
-          <a:lstStyle/>
-          <a:p>
-            <a:r>
-              <a:rPr lang="es-ES" b="1" dirty="0">
-                <a:solidFill>
-                  <a:srgbClr val="000066"/>
-                </a:solidFill>
-                <a:latin typeface="verdana" panose="020B0604030504040204" pitchFamily="34" charset="0"/>
-              </a:rPr>
-              <a:t>S/. 42.81</a:t>
-            </a:r>
-            <a:r>
-              <a:rPr lang="es-ES" dirty="0">
-                <a:solidFill>
-                  <a:srgbClr val="000066"/>
-                </a:solidFill>
-                <a:latin typeface="verdana" panose="020B0604030504040204" pitchFamily="34" charset="0"/>
-              </a:rPr>
-              <a:t> Incluido IGV</a:t>
-            </a:r>
-            <a:endParaRPr lang="es-ES" dirty="0"/>
-          </a:p>
-        </p:txBody>
-      </p:sp>
-      <p:sp>
-        <p:nvSpPr>
           <p:cNvPr id="8" name="Rectángulo 7"/>
           <p:cNvSpPr/>
           <p:nvPr/>
         </p:nvSpPr>
         <p:spPr>
           <a:xfrm>
-            <a:off x="6231646" y="2785714"/>
+            <a:off x="6888348" y="2785714"/>
             <a:ext cx="1605376" cy="369332"/>
           </a:xfrm>
           <a:prstGeom prst="rect">
@@ -24777,7 +24675,7 @@
         </p:nvSpPr>
         <p:spPr>
           <a:xfrm>
-            <a:off x="6317053" y="5367745"/>
+            <a:off x="6973755" y="5367745"/>
             <a:ext cx="1422954" cy="369332"/>
           </a:xfrm>
           <a:prstGeom prst="rect">
@@ -24810,7 +24708,7 @@
         </p:nvSpPr>
         <p:spPr>
           <a:xfrm>
-            <a:off x="6968194" y="5825003"/>
+            <a:off x="7583331" y="5825003"/>
             <a:ext cx="3126065" cy="400110"/>
           </a:xfrm>
           <a:prstGeom prst="rect">
@@ -24826,7 +24724,7 @@
             <a:r>
               <a:rPr lang="es-ES" sz="2000" b="1" dirty="0">
                 <a:solidFill>
-                  <a:srgbClr val="000066"/>
+                  <a:srgbClr val="FF0000"/>
                 </a:solidFill>
                 <a:latin typeface="verdana" panose="020B0604030504040204" pitchFamily="34" charset="0"/>
               </a:rPr>
@@ -24835,7 +24733,7 @@
             <a:r>
               <a:rPr lang="es-ES" sz="2000" b="1" dirty="0" smtClean="0">
                 <a:solidFill>
-                  <a:srgbClr val="000066"/>
+                  <a:srgbClr val="FF0000"/>
                 </a:solidFill>
                 <a:latin typeface="verdana" panose="020B0604030504040204" pitchFamily="34" charset="0"/>
               </a:rPr>
@@ -24844,13 +24742,17 @@
             <a:r>
               <a:rPr lang="es-ES" sz="2000" dirty="0">
                 <a:solidFill>
-                  <a:srgbClr val="000066"/>
+                  <a:srgbClr val="FF0000"/>
                 </a:solidFill>
                 <a:latin typeface="verdana" panose="020B0604030504040204" pitchFamily="34" charset="0"/>
               </a:rPr>
               <a:t> Incluido IGV</a:t>
             </a:r>
-            <a:endParaRPr lang="es-ES" sz="2000" dirty="0"/>
+            <a:endParaRPr lang="es-ES" sz="2000" dirty="0">
+              <a:solidFill>
+                <a:srgbClr val="FF0000"/>
+              </a:solidFill>
+            </a:endParaRPr>
           </a:p>
         </p:txBody>
       </p:sp>
@@ -24862,7 +24764,7 @@
         </p:nvSpPr>
         <p:spPr>
           <a:xfrm>
-            <a:off x="6654222" y="4267161"/>
+            <a:off x="7310924" y="4267161"/>
             <a:ext cx="2501006" cy="369332"/>
           </a:xfrm>
           <a:prstGeom prst="rect">
@@ -24891,7 +24793,7 @@
         </p:nvSpPr>
         <p:spPr>
           <a:xfrm>
-            <a:off x="6231646" y="3780565"/>
+            <a:off x="6888348" y="3780565"/>
             <a:ext cx="2117696" cy="369332"/>
           </a:xfrm>
           <a:prstGeom prst="rect">
@@ -24920,7 +24822,7 @@
         </p:nvSpPr>
         <p:spPr>
           <a:xfrm>
-            <a:off x="1687625" y="6225113"/>
+            <a:off x="1089108" y="6294182"/>
             <a:ext cx="2574744" cy="307777"/>
           </a:xfrm>
           <a:prstGeom prst="rect">
@@ -24946,6 +24848,165 @@
                 <a:schemeClr val="dk1"/>
               </a:solidFill>
             </a:endParaRPr>
+          </a:p>
+        </p:txBody>
+      </p:sp>
+      <p:sp>
+        <p:nvSpPr>
+          <p:cNvPr id="4" name="Rectángulo 3"/>
+          <p:cNvSpPr/>
+          <p:nvPr/>
+        </p:nvSpPr>
+        <p:spPr>
+          <a:xfrm>
+            <a:off x="6968194" y="2000937"/>
+            <a:ext cx="3556319" cy="565680"/>
+          </a:xfrm>
+          <a:prstGeom prst="rect">
+            <a:avLst/>
+          </a:prstGeom>
+        </p:spPr>
+        <p:style>
+          <a:lnRef idx="1">
+            <a:schemeClr val="accent1"/>
+          </a:lnRef>
+          <a:fillRef idx="2">
+            <a:schemeClr val="accent1"/>
+          </a:fillRef>
+          <a:effectRef idx="1">
+            <a:schemeClr val="accent1"/>
+          </a:effectRef>
+          <a:fontRef idx="minor">
+            <a:schemeClr val="dk1"/>
+          </a:fontRef>
+        </p:style>
+        <p:txBody>
+          <a:bodyPr rtlCol="0" anchor="ctr"/>
+          <a:lstStyle/>
+          <a:p>
+            <a:pPr algn="ctr"/>
+            <a:r>
+              <a:rPr lang="es-ES" b="1" dirty="0"/>
+              <a:t>PV</a:t>
+            </a:r>
+            <a:r>
+              <a:rPr lang="es-ES" dirty="0"/>
+              <a:t> = CU + T + G</a:t>
+            </a:r>
+          </a:p>
+        </p:txBody>
+      </p:sp>
+      <p:sp>
+        <p:nvSpPr>
+          <p:cNvPr id="15" name="Rectángulo 14"/>
+          <p:cNvSpPr/>
+          <p:nvPr/>
+        </p:nvSpPr>
+        <p:spPr>
+          <a:xfrm>
+            <a:off x="9047202" y="1245204"/>
+            <a:ext cx="1107996" cy="369332"/>
+          </a:xfrm>
+          <a:prstGeom prst="rect">
+            <a:avLst/>
+          </a:prstGeom>
+        </p:spPr>
+        <p:txBody>
+          <a:bodyPr wrap="none">
+            <a:spAutoFit/>
+          </a:bodyPr>
+          <a:lstStyle/>
+          <a:p>
+            <a:r>
+              <a:rPr lang="es-ES" dirty="0">
+                <a:solidFill>
+                  <a:srgbClr val="2D72AD"/>
+                </a:solidFill>
+                <a:latin typeface="Arial" panose="020B0604020202020204" pitchFamily="34" charset="0"/>
+              </a:rPr>
+              <a:t>S/. 20.92</a:t>
+            </a:r>
+            <a:endParaRPr lang="es-ES" dirty="0"/>
+          </a:p>
+        </p:txBody>
+      </p:sp>
+      <p:sp>
+        <p:nvSpPr>
+          <p:cNvPr id="18" name="Rectángulo 17"/>
+          <p:cNvSpPr/>
+          <p:nvPr/>
+        </p:nvSpPr>
+        <p:spPr>
+          <a:xfrm>
+            <a:off x="7302611" y="4747151"/>
+            <a:ext cx="3219151" cy="369332"/>
+          </a:xfrm>
+          <a:prstGeom prst="rect">
+            <a:avLst/>
+          </a:prstGeom>
+        </p:spPr>
+        <p:txBody>
+          <a:bodyPr wrap="none">
+            <a:spAutoFit/>
+          </a:bodyPr>
+          <a:lstStyle/>
+          <a:p>
+            <a:r>
+              <a:rPr lang="es-ES" dirty="0" smtClean="0"/>
+              <a:t>PV = </a:t>
+            </a:r>
+            <a:r>
+              <a:rPr lang="es-ES" b="1" dirty="0" smtClean="0"/>
+              <a:t>42,81 + 1</a:t>
+            </a:r>
+            <a:r>
+              <a:rPr lang="es-ES" dirty="0" smtClean="0"/>
+              <a:t> + 14,99 = 58,8</a:t>
+            </a:r>
+            <a:endParaRPr lang="es-ES" dirty="0"/>
+          </a:p>
+        </p:txBody>
+      </p:sp>
+      <p:sp>
+        <p:nvSpPr>
+          <p:cNvPr id="19" name="Rectángulo 18"/>
+          <p:cNvSpPr/>
+          <p:nvPr/>
+        </p:nvSpPr>
+        <p:spPr>
+          <a:xfrm>
+            <a:off x="7372442" y="3143755"/>
+            <a:ext cx="2925801" cy="369332"/>
+          </a:xfrm>
+          <a:prstGeom prst="rect">
+            <a:avLst/>
+          </a:prstGeom>
+        </p:spPr>
+        <p:txBody>
+          <a:bodyPr wrap="none">
+            <a:spAutoFit/>
+          </a:bodyPr>
+          <a:lstStyle/>
+          <a:p>
+            <a:r>
+              <a:rPr lang="es-ES" b="1" dirty="0">
+                <a:solidFill>
+                  <a:srgbClr val="000066"/>
+                </a:solidFill>
+                <a:latin typeface="verdana" panose="020B0604030504040204" pitchFamily="34" charset="0"/>
+              </a:rPr>
+              <a:t>S/. 42.81</a:t>
+            </a:r>
+            <a:r>
+              <a:rPr lang="es-ES" dirty="0">
+                <a:solidFill>
+                  <a:srgbClr val="000066"/>
+                </a:solidFill>
+                <a:latin typeface="verdana" panose="020B0604030504040204" pitchFamily="34" charset="0"/>
+              </a:rPr>
+              <a:t> Incluido IGV</a:t>
+            </a:r>
+            <a:endParaRPr lang="es-ES" dirty="0"/>
           </a:p>
         </p:txBody>
       </p:sp>
@@ -25020,6 +25081,576 @@
     </p:spTree>
     <p:extLst>
       <p:ext uri="{BB962C8B-B14F-4D97-AF65-F5344CB8AC3E}">
+        <p14:creationId xmlns:p14="http://schemas.microsoft.com/office/powerpoint/2010/main" val="403849574"/>
+      </p:ext>
+    </p:extLst>
+  </p:cSld>
+  <p:clrMapOvr>
+    <a:masterClrMapping/>
+  </p:clrMapOvr>
+  <p:timing>
+    <p:tnLst>
+      <p:par>
+        <p:cTn id="1" dur="indefinite" restart="never" nodeType="tmRoot"/>
+      </p:par>
+    </p:tnLst>
+  </p:timing>
+</p:sld>
+</file>
+
+<file path=ppt/slides/slide12.xml><?xml version="1.0" encoding="utf-8"?>
+<p:sld xmlns:a="http://schemas.openxmlformats.org/drawingml/2006/main" xmlns:r="http://schemas.openxmlformats.org/officeDocument/2006/relationships" xmlns:p="http://schemas.openxmlformats.org/presentationml/2006/main">
+  <p:cSld>
+    <p:spTree>
+      <p:nvGrpSpPr>
+        <p:cNvPr id="1" name=""/>
+        <p:cNvGrpSpPr/>
+        <p:nvPr/>
+      </p:nvGrpSpPr>
+      <p:grpSpPr>
+        <a:xfrm>
+          <a:off x="0" y="0"/>
+          <a:ext cx="0" cy="0"/>
+          <a:chOff x="0" y="0"/>
+          <a:chExt cx="0" cy="0"/>
+        </a:xfrm>
+      </p:grpSpPr>
+      <p:sp>
+        <p:nvSpPr>
+          <p:cNvPr id="2" name="Título 1"/>
+          <p:cNvSpPr>
+            <a:spLocks noGrp="1"/>
+          </p:cNvSpPr>
+          <p:nvPr>
+            <p:ph type="title"/>
+          </p:nvPr>
+        </p:nvSpPr>
+        <p:spPr>
+          <a:xfrm>
+            <a:off x="1024128" y="783089"/>
+            <a:ext cx="9720072" cy="844486"/>
+          </a:xfrm>
+        </p:spPr>
+        <p:txBody>
+          <a:bodyPr/>
+          <a:lstStyle/>
+          <a:p>
+            <a:endParaRPr lang="es-ES" dirty="0"/>
+          </a:p>
+        </p:txBody>
+      </p:sp>
+      <p:sp>
+        <p:nvSpPr>
+          <p:cNvPr id="4" name="Rectángulo 3"/>
+          <p:cNvSpPr/>
+          <p:nvPr/>
+        </p:nvSpPr>
+        <p:spPr>
+          <a:xfrm>
+            <a:off x="941606" y="1530666"/>
+            <a:ext cx="2577950" cy="369332"/>
+          </a:xfrm>
+          <a:prstGeom prst="rect">
+            <a:avLst/>
+          </a:prstGeom>
+        </p:spPr>
+        <p:txBody>
+          <a:bodyPr wrap="none">
+            <a:spAutoFit/>
+          </a:bodyPr>
+          <a:lstStyle/>
+          <a:p>
+            <a:r>
+              <a:rPr lang="es-ES" dirty="0">
+                <a:solidFill>
+                  <a:schemeClr val="dk1"/>
+                </a:solidFill>
+              </a:rPr>
+              <a:t>KING USB DTSE9H/16GB</a:t>
+            </a:r>
+            <a:endParaRPr lang="es-ES" dirty="0"/>
+          </a:p>
+        </p:txBody>
+      </p:sp>
+      <p:sp>
+        <p:nvSpPr>
+          <p:cNvPr id="7" name="Rectángulo 6"/>
+          <p:cNvSpPr/>
+          <p:nvPr/>
+        </p:nvSpPr>
+        <p:spPr>
+          <a:xfrm>
+            <a:off x="6888348" y="2785714"/>
+            <a:ext cx="1605376" cy="369332"/>
+          </a:xfrm>
+          <a:prstGeom prst="rect">
+            <a:avLst/>
+          </a:prstGeom>
+        </p:spPr>
+        <p:txBody>
+          <a:bodyPr wrap="none">
+            <a:spAutoFit/>
+          </a:bodyPr>
+          <a:lstStyle/>
+          <a:p>
+            <a:r>
+              <a:rPr lang="es-ES" b="1" dirty="0"/>
+              <a:t>P</a:t>
+            </a:r>
+            <a:r>
+              <a:rPr lang="es-ES" b="1" dirty="0" smtClean="0"/>
+              <a:t>recio compra </a:t>
+            </a:r>
+            <a:endParaRPr lang="es-ES" b="1" dirty="0"/>
+          </a:p>
+        </p:txBody>
+      </p:sp>
+      <p:sp>
+        <p:nvSpPr>
+          <p:cNvPr id="8" name="Rectángulo 7"/>
+          <p:cNvSpPr/>
+          <p:nvPr/>
+        </p:nvSpPr>
+        <p:spPr>
+          <a:xfrm>
+            <a:off x="6973755" y="5367745"/>
+            <a:ext cx="1422954" cy="369332"/>
+          </a:xfrm>
+          <a:prstGeom prst="rect">
+            <a:avLst/>
+          </a:prstGeom>
+        </p:spPr>
+        <p:txBody>
+          <a:bodyPr wrap="none">
+            <a:spAutoFit/>
+          </a:bodyPr>
+          <a:lstStyle/>
+          <a:p>
+            <a:r>
+              <a:rPr lang="es-ES" b="1" dirty="0"/>
+              <a:t>P</a:t>
+            </a:r>
+            <a:r>
+              <a:rPr lang="es-ES" b="1" dirty="0" smtClean="0"/>
+              <a:t>recio venta </a:t>
+            </a:r>
+            <a:endParaRPr lang="es-ES" b="1" dirty="0"/>
+          </a:p>
+        </p:txBody>
+      </p:sp>
+      <p:sp>
+        <p:nvSpPr>
+          <p:cNvPr id="9" name="Rectángulo 8"/>
+          <p:cNvSpPr/>
+          <p:nvPr/>
+        </p:nvSpPr>
+        <p:spPr>
+          <a:xfrm>
+            <a:off x="7583331" y="5825003"/>
+            <a:ext cx="3322967" cy="400110"/>
+          </a:xfrm>
+          <a:prstGeom prst="rect">
+            <a:avLst/>
+          </a:prstGeom>
+        </p:spPr>
+        <p:txBody>
+          <a:bodyPr wrap="square">
+            <a:spAutoFit/>
+          </a:bodyPr>
+          <a:lstStyle/>
+          <a:p>
+            <a:r>
+              <a:rPr lang="es-ES" sz="2000" b="1" dirty="0">
+                <a:solidFill>
+                  <a:srgbClr val="FF0000"/>
+                </a:solidFill>
+                <a:latin typeface="verdana" panose="020B0604030504040204" pitchFamily="34" charset="0"/>
+              </a:rPr>
+              <a:t>S/. </a:t>
+            </a:r>
+            <a:r>
+              <a:rPr lang="es-ES" sz="2000" b="1" dirty="0" smtClean="0">
+                <a:solidFill>
+                  <a:srgbClr val="FF0000"/>
+                </a:solidFill>
+                <a:latin typeface="verdana" panose="020B0604030504040204" pitchFamily="34" charset="0"/>
+              </a:rPr>
+              <a:t>28,60 </a:t>
+            </a:r>
+            <a:r>
+              <a:rPr lang="es-ES" sz="2000" dirty="0" smtClean="0">
+                <a:solidFill>
+                  <a:srgbClr val="FF0000"/>
+                </a:solidFill>
+                <a:latin typeface="verdana" panose="020B0604030504040204" pitchFamily="34" charset="0"/>
+              </a:rPr>
+              <a:t>Incluido </a:t>
+            </a:r>
+            <a:r>
+              <a:rPr lang="es-ES" sz="2000" dirty="0">
+                <a:solidFill>
+                  <a:srgbClr val="FF0000"/>
+                </a:solidFill>
+                <a:latin typeface="verdana" panose="020B0604030504040204" pitchFamily="34" charset="0"/>
+              </a:rPr>
+              <a:t>IGV</a:t>
+            </a:r>
+            <a:endParaRPr lang="es-ES" sz="2000" dirty="0">
+              <a:solidFill>
+                <a:srgbClr val="FF0000"/>
+              </a:solidFill>
+            </a:endParaRPr>
+          </a:p>
+        </p:txBody>
+      </p:sp>
+      <p:sp>
+        <p:nvSpPr>
+          <p:cNvPr id="10" name="Rectángulo 9"/>
+          <p:cNvSpPr/>
+          <p:nvPr/>
+        </p:nvSpPr>
+        <p:spPr>
+          <a:xfrm>
+            <a:off x="7310924" y="4267161"/>
+            <a:ext cx="2501006" cy="369332"/>
+          </a:xfrm>
+          <a:prstGeom prst="rect">
+            <a:avLst/>
+          </a:prstGeom>
+        </p:spPr>
+        <p:txBody>
+          <a:bodyPr wrap="none">
+            <a:spAutoFit/>
+          </a:bodyPr>
+          <a:lstStyle/>
+          <a:p>
+            <a:r>
+              <a:rPr lang="es-ES" dirty="0" smtClean="0"/>
+              <a:t>PV = CU + T + </a:t>
+            </a:r>
+            <a:r>
+              <a:rPr lang="es-ES" dirty="0" smtClean="0"/>
+              <a:t>0,30(CU</a:t>
+            </a:r>
+            <a:r>
+              <a:rPr lang="es-ES" dirty="0" smtClean="0"/>
+              <a:t>)</a:t>
+            </a:r>
+            <a:endParaRPr lang="es-ES" dirty="0"/>
+          </a:p>
+        </p:txBody>
+      </p:sp>
+      <p:sp>
+        <p:nvSpPr>
+          <p:cNvPr id="11" name="Rectángulo 10"/>
+          <p:cNvSpPr/>
+          <p:nvPr/>
+        </p:nvSpPr>
+        <p:spPr>
+          <a:xfrm>
+            <a:off x="6888348" y="3780565"/>
+            <a:ext cx="2117696" cy="369332"/>
+          </a:xfrm>
+          <a:prstGeom prst="rect">
+            <a:avLst/>
+          </a:prstGeom>
+        </p:spPr>
+        <p:txBody>
+          <a:bodyPr wrap="none">
+            <a:spAutoFit/>
+          </a:bodyPr>
+          <a:lstStyle/>
+          <a:p>
+            <a:r>
+              <a:rPr lang="es-ES" b="1" dirty="0" smtClean="0"/>
+              <a:t>Calculando Fórmula</a:t>
+            </a:r>
+            <a:endParaRPr lang="es-ES" b="1" dirty="0"/>
+          </a:p>
+        </p:txBody>
+      </p:sp>
+      <p:sp>
+        <p:nvSpPr>
+          <p:cNvPr id="12" name="Rectángulo 11"/>
+          <p:cNvSpPr/>
+          <p:nvPr/>
+        </p:nvSpPr>
+        <p:spPr>
+          <a:xfrm>
+            <a:off x="6968194" y="2000937"/>
+            <a:ext cx="3556319" cy="565680"/>
+          </a:xfrm>
+          <a:prstGeom prst="rect">
+            <a:avLst/>
+          </a:prstGeom>
+        </p:spPr>
+        <p:style>
+          <a:lnRef idx="1">
+            <a:schemeClr val="accent1"/>
+          </a:lnRef>
+          <a:fillRef idx="2">
+            <a:schemeClr val="accent1"/>
+          </a:fillRef>
+          <a:effectRef idx="1">
+            <a:schemeClr val="accent1"/>
+          </a:effectRef>
+          <a:fontRef idx="minor">
+            <a:schemeClr val="dk1"/>
+          </a:fontRef>
+        </p:style>
+        <p:txBody>
+          <a:bodyPr rtlCol="0" anchor="ctr"/>
+          <a:lstStyle/>
+          <a:p>
+            <a:pPr algn="ctr"/>
+            <a:r>
+              <a:rPr lang="es-ES" b="1" dirty="0"/>
+              <a:t>PV</a:t>
+            </a:r>
+            <a:r>
+              <a:rPr lang="es-ES" dirty="0"/>
+              <a:t> = CU + T + G</a:t>
+            </a:r>
+          </a:p>
+        </p:txBody>
+      </p:sp>
+      <p:sp>
+        <p:nvSpPr>
+          <p:cNvPr id="13" name="Rectángulo 12"/>
+          <p:cNvSpPr/>
+          <p:nvPr/>
+        </p:nvSpPr>
+        <p:spPr>
+          <a:xfrm>
+            <a:off x="7310924" y="4747151"/>
+            <a:ext cx="3400290" cy="369332"/>
+          </a:xfrm>
+          <a:prstGeom prst="rect">
+            <a:avLst/>
+          </a:prstGeom>
+        </p:spPr>
+        <p:txBody>
+          <a:bodyPr wrap="none">
+            <a:spAutoFit/>
+          </a:bodyPr>
+          <a:lstStyle/>
+          <a:p>
+            <a:r>
+              <a:rPr lang="es-ES" dirty="0" smtClean="0"/>
+              <a:t>PV = </a:t>
+            </a:r>
+            <a:r>
+              <a:rPr lang="es-ES" b="1" dirty="0" smtClean="0"/>
+              <a:t>21,62</a:t>
+            </a:r>
+            <a:r>
+              <a:rPr lang="es-ES" b="1" dirty="0" smtClean="0"/>
+              <a:t> </a:t>
+            </a:r>
+            <a:r>
+              <a:rPr lang="es-ES" b="1" dirty="0" smtClean="0"/>
+              <a:t>+ </a:t>
+            </a:r>
+            <a:r>
+              <a:rPr lang="es-ES" b="1" dirty="0" smtClean="0"/>
+              <a:t>0,5</a:t>
+            </a:r>
+            <a:r>
+              <a:rPr lang="es-ES" dirty="0" smtClean="0"/>
+              <a:t> </a:t>
+            </a:r>
+            <a:r>
+              <a:rPr lang="es-ES" dirty="0" smtClean="0"/>
+              <a:t>+ </a:t>
+            </a:r>
+            <a:r>
+              <a:rPr lang="es-ES" dirty="0" smtClean="0"/>
+              <a:t>6,49 </a:t>
+            </a:r>
+            <a:r>
+              <a:rPr lang="es-ES" dirty="0" smtClean="0"/>
+              <a:t>= </a:t>
+            </a:r>
+            <a:r>
+              <a:rPr lang="es-ES" dirty="0" smtClean="0"/>
+              <a:t>28,60</a:t>
+            </a:r>
+            <a:endParaRPr lang="es-ES" dirty="0"/>
+          </a:p>
+        </p:txBody>
+      </p:sp>
+      <p:sp>
+        <p:nvSpPr>
+          <p:cNvPr id="14" name="Rectángulo 13"/>
+          <p:cNvSpPr/>
+          <p:nvPr/>
+        </p:nvSpPr>
+        <p:spPr>
+          <a:xfrm>
+            <a:off x="7380755" y="3143755"/>
+            <a:ext cx="2922595" cy="369332"/>
+          </a:xfrm>
+          <a:prstGeom prst="rect">
+            <a:avLst/>
+          </a:prstGeom>
+        </p:spPr>
+        <p:txBody>
+          <a:bodyPr wrap="none">
+            <a:spAutoFit/>
+          </a:bodyPr>
+          <a:lstStyle/>
+          <a:p>
+            <a:r>
+              <a:rPr lang="es-ES" b="1" dirty="0">
+                <a:solidFill>
+                  <a:srgbClr val="000066"/>
+                </a:solidFill>
+                <a:latin typeface="verdana" panose="020B0604030504040204" pitchFamily="34" charset="0"/>
+              </a:rPr>
+              <a:t>S</a:t>
+            </a:r>
+            <a:r>
+              <a:rPr lang="es-ES" b="1" dirty="0">
+                <a:solidFill>
+                  <a:srgbClr val="000066"/>
+                </a:solidFill>
+                <a:latin typeface="verdana" panose="020B0604030504040204" pitchFamily="34" charset="0"/>
+              </a:rPr>
+              <a:t>/. </a:t>
+            </a:r>
+            <a:r>
+              <a:rPr lang="es-ES" b="1" dirty="0">
+                <a:solidFill>
+                  <a:srgbClr val="000066"/>
+                </a:solidFill>
+                <a:latin typeface="verdana" panose="020B0604030504040204" pitchFamily="34" charset="0"/>
+              </a:rPr>
+              <a:t>21.62</a:t>
+            </a:r>
+            <a:r>
+              <a:rPr lang="es-ES" b="1" dirty="0">
+                <a:solidFill>
+                  <a:srgbClr val="000066"/>
+                </a:solidFill>
+                <a:latin typeface="verdana" panose="020B0604030504040204" pitchFamily="34" charset="0"/>
+              </a:rPr>
+              <a:t> </a:t>
+            </a:r>
+            <a:r>
+              <a:rPr lang="es-ES" dirty="0">
+                <a:solidFill>
+                  <a:srgbClr val="000066"/>
+                </a:solidFill>
+                <a:latin typeface="verdana" panose="020B0604030504040204" pitchFamily="34" charset="0"/>
+              </a:rPr>
+              <a:t>Incluido IGV</a:t>
+            </a:r>
+            <a:endParaRPr lang="es-ES" dirty="0"/>
+          </a:p>
+        </p:txBody>
+      </p:sp>
+      <p:pic>
+        <p:nvPicPr>
+          <p:cNvPr id="17" name="Imagen 16"/>
+          <p:cNvPicPr>
+            <a:picLocks noChangeAspect="1"/>
+          </p:cNvPicPr>
+          <p:nvPr/>
+        </p:nvPicPr>
+        <p:blipFill>
+          <a:blip r:embed="rId2"/>
+          <a:stretch>
+            <a:fillRect/>
+          </a:stretch>
+        </p:blipFill>
+        <p:spPr>
+          <a:xfrm>
+            <a:off x="817763" y="2172422"/>
+            <a:ext cx="5403587" cy="4052691"/>
+          </a:xfrm>
+          <a:prstGeom prst="rect">
+            <a:avLst/>
+          </a:prstGeom>
+        </p:spPr>
+      </p:pic>
+    </p:spTree>
+    <p:extLst>
+      <p:ext uri="{BB962C8B-B14F-4D97-AF65-F5344CB8AC3E}">
+        <p14:creationId xmlns:p14="http://schemas.microsoft.com/office/powerpoint/2010/main" val="3020621527"/>
+      </p:ext>
+    </p:extLst>
+  </p:cSld>
+  <p:clrMapOvr>
+    <a:masterClrMapping/>
+  </p:clrMapOvr>
+  <p:timing>
+    <p:tnLst>
+      <p:par>
+        <p:cTn id="1" dur="indefinite" restart="never" nodeType="tmRoot"/>
+      </p:par>
+    </p:tnLst>
+  </p:timing>
+</p:sld>
+</file>
+
+<file path=ppt/slides/slide13.xml><?xml version="1.0" encoding="utf-8"?>
+<p:sld xmlns:a="http://schemas.openxmlformats.org/drawingml/2006/main" xmlns:r="http://schemas.openxmlformats.org/officeDocument/2006/relationships" xmlns:p="http://schemas.openxmlformats.org/presentationml/2006/main">
+  <p:cSld>
+    <p:spTree>
+      <p:nvGrpSpPr>
+        <p:cNvPr id="1" name=""/>
+        <p:cNvGrpSpPr/>
+        <p:nvPr/>
+      </p:nvGrpSpPr>
+      <p:grpSpPr>
+        <a:xfrm>
+          <a:off x="0" y="0"/>
+          <a:ext cx="0" cy="0"/>
+          <a:chOff x="0" y="0"/>
+          <a:chExt cx="0" cy="0"/>
+        </a:xfrm>
+      </p:grpSpPr>
+      <p:sp>
+        <p:nvSpPr>
+          <p:cNvPr id="2" name="Título 1"/>
+          <p:cNvSpPr>
+            <a:spLocks noGrp="1"/>
+          </p:cNvSpPr>
+          <p:nvPr>
+            <p:ph type="title"/>
+          </p:nvPr>
+        </p:nvSpPr>
+        <p:spPr/>
+        <p:txBody>
+          <a:bodyPr/>
+          <a:lstStyle/>
+          <a:p>
+            <a:endParaRPr lang="es-ES"/>
+          </a:p>
+        </p:txBody>
+      </p:sp>
+      <p:sp>
+        <p:nvSpPr>
+          <p:cNvPr id="3" name="Marcador de contenido 2"/>
+          <p:cNvSpPr>
+            <a:spLocks noGrp="1"/>
+          </p:cNvSpPr>
+          <p:nvPr>
+            <p:ph idx="1"/>
+          </p:nvPr>
+        </p:nvSpPr>
+        <p:spPr/>
+        <p:txBody>
+          <a:bodyPr/>
+          <a:lstStyle/>
+          <a:p>
+            <a:endParaRPr lang="es-ES"/>
+          </a:p>
+        </p:txBody>
+      </p:sp>
+    </p:spTree>
+    <p:extLst>
+      <p:ext uri="{BB962C8B-B14F-4D97-AF65-F5344CB8AC3E}">
         <p14:creationId xmlns:p14="http://schemas.microsoft.com/office/powerpoint/2010/main" val="3609008978"/>
       </p:ext>
     </p:extLst>
@@ -25027,6 +25658,13 @@
   <p:clrMapOvr>
     <a:masterClrMapping/>
   </p:clrMapOvr>
+  <p:timing>
+    <p:tnLst>
+      <p:par>
+        <p:cTn id="1" dur="indefinite" restart="never" nodeType="tmRoot"/>
+      </p:par>
+    </p:tnLst>
+  </p:timing>
 </p:sld>
 </file>
 
@@ -27541,40 +28179,6 @@
           </a:p>
         </p:txBody>
       </p:sp>
-      <p:sp>
-        <p:nvSpPr>
-          <p:cNvPr id="6" name="Rectángulo 5"/>
-          <p:cNvSpPr/>
-          <p:nvPr/>
-        </p:nvSpPr>
-        <p:spPr>
-          <a:xfrm>
-            <a:off x="9047202" y="1245204"/>
-            <a:ext cx="1107996" cy="369332"/>
-          </a:xfrm>
-          <a:prstGeom prst="rect">
-            <a:avLst/>
-          </a:prstGeom>
-        </p:spPr>
-        <p:txBody>
-          <a:bodyPr wrap="none">
-            <a:spAutoFit/>
-          </a:bodyPr>
-          <a:lstStyle/>
-          <a:p>
-            <a:r>
-              <a:rPr lang="es-ES" dirty="0">
-                <a:solidFill>
-                  <a:srgbClr val="2D72AD"/>
-                </a:solidFill>
-                <a:latin typeface="Arial" panose="020B0604020202020204" pitchFamily="34" charset="0"/>
-              </a:rPr>
-              <a:t>S/. 20.92</a:t>
-            </a:r>
-            <a:endParaRPr lang="es-ES" dirty="0"/>
-          </a:p>
-        </p:txBody>
-      </p:sp>
     </p:spTree>
     <p:extLst>
       <p:ext uri="{BB962C8B-B14F-4D97-AF65-F5344CB8AC3E}">

--- a/Plan de negocios.pptx
+++ b/Plan de negocios.pptx
@@ -8,16 +8,20 @@
     <p:sldId id="256" r:id="rId2"/>
     <p:sldId id="257" r:id="rId3"/>
     <p:sldId id="258" r:id="rId4"/>
-    <p:sldId id="259" r:id="rId5"/>
-    <p:sldId id="266" r:id="rId6"/>
-    <p:sldId id="260" r:id="rId7"/>
-    <p:sldId id="261" r:id="rId8"/>
-    <p:sldId id="265" r:id="rId9"/>
-    <p:sldId id="262" r:id="rId10"/>
-    <p:sldId id="263" r:id="rId11"/>
-    <p:sldId id="268" r:id="rId12"/>
-    <p:sldId id="267" r:id="rId13"/>
-    <p:sldId id="264" r:id="rId14"/>
+    <p:sldId id="269" r:id="rId5"/>
+    <p:sldId id="270" r:id="rId6"/>
+    <p:sldId id="271" r:id="rId7"/>
+    <p:sldId id="272" r:id="rId8"/>
+    <p:sldId id="266" r:id="rId9"/>
+    <p:sldId id="259" r:id="rId10"/>
+    <p:sldId id="260" r:id="rId11"/>
+    <p:sldId id="261" r:id="rId12"/>
+    <p:sldId id="265" r:id="rId13"/>
+    <p:sldId id="268" r:id="rId14"/>
+    <p:sldId id="262" r:id="rId15"/>
+    <p:sldId id="263" r:id="rId16"/>
+    <p:sldId id="267" r:id="rId17"/>
+    <p:sldId id="264" r:id="rId18"/>
   </p:sldIdLst>
   <p:sldSz cx="12192000" cy="6858000"/>
   <p:notesSz cx="6858000" cy="9144000"/>
@@ -24507,6 +24511,39 @@
           </a:p>
         </p:txBody>
       </p:sp>
+      <p:pic>
+        <p:nvPicPr>
+          <p:cNvPr id="4" name="Imagen 3" descr="Resultado de imagen para PLAN DE NEGOCIO"/>
+          <p:cNvPicPr/>
+          <p:nvPr/>
+        </p:nvPicPr>
+        <p:blipFill>
+          <a:blip r:embed="rId2">
+            <a:extLst>
+              <a:ext uri="{28A0092B-C50C-407E-A947-70E740481C1C}">
+                <a14:useLocalDpi xmlns:a14="http://schemas.microsoft.com/office/drawing/2010/main" val="0"/>
+              </a:ext>
+            </a:extLst>
+          </a:blip>
+          <a:srcRect/>
+          <a:stretch>
+            <a:fillRect/>
+          </a:stretch>
+        </p:blipFill>
+        <p:spPr bwMode="auto">
+          <a:xfrm>
+            <a:off x="0" y="0"/>
+            <a:ext cx="12191999" cy="4572000"/>
+          </a:xfrm>
+          <a:prstGeom prst="rect">
+            <a:avLst/>
+          </a:prstGeom>
+          <a:noFill/>
+          <a:ln>
+            <a:noFill/>
+          </a:ln>
+        </p:spPr>
+      </p:pic>
     </p:spTree>
     <p:extLst>
       <p:ext uri="{BB962C8B-B14F-4D97-AF65-F5344CB8AC3E}">
@@ -24517,10 +24554,2243 @@
   <p:clrMapOvr>
     <a:masterClrMapping/>
   </p:clrMapOvr>
+  <p:timing>
+    <p:tnLst>
+      <p:par>
+        <p:cTn id="1" dur="indefinite" restart="never" nodeType="tmRoot"/>
+      </p:par>
+    </p:tnLst>
+  </p:timing>
 </p:sld>
 </file>
 
 <file path=ppt/slides/slide10.xml><?xml version="1.0" encoding="utf-8"?>
+<p:sld xmlns:a="http://schemas.openxmlformats.org/drawingml/2006/main" xmlns:r="http://schemas.openxmlformats.org/officeDocument/2006/relationships" xmlns:p="http://schemas.openxmlformats.org/presentationml/2006/main">
+  <p:cSld>
+    <p:spTree>
+      <p:nvGrpSpPr>
+        <p:cNvPr id="1" name=""/>
+        <p:cNvGrpSpPr/>
+        <p:nvPr/>
+      </p:nvGrpSpPr>
+      <p:grpSpPr>
+        <a:xfrm>
+          <a:off x="0" y="0"/>
+          <a:ext cx="0" cy="0"/>
+          <a:chOff x="0" y="0"/>
+          <a:chExt cx="0" cy="0"/>
+        </a:xfrm>
+      </p:grpSpPr>
+      <p:sp>
+        <p:nvSpPr>
+          <p:cNvPr id="2" name="Título 1"/>
+          <p:cNvSpPr>
+            <a:spLocks noGrp="1"/>
+          </p:cNvSpPr>
+          <p:nvPr>
+            <p:ph type="title"/>
+          </p:nvPr>
+        </p:nvSpPr>
+        <p:spPr/>
+        <p:txBody>
+          <a:bodyPr/>
+          <a:lstStyle/>
+          <a:p>
+            <a:r>
+              <a:rPr lang="es-ES" dirty="0" smtClean="0"/>
+              <a:t>Estructura organizacional</a:t>
+            </a:r>
+            <a:endParaRPr lang="es-ES" dirty="0"/>
+          </a:p>
+        </p:txBody>
+      </p:sp>
+      <p:graphicFrame>
+        <p:nvGraphicFramePr>
+          <p:cNvPr id="5" name="Marcador de contenido 4"/>
+          <p:cNvGraphicFramePr>
+            <a:graphicFrameLocks noGrp="1"/>
+          </p:cNvGraphicFramePr>
+          <p:nvPr>
+            <p:ph idx="1"/>
+            <p:extLst>
+              <p:ext uri="{D42A27DB-BD31-4B8C-83A1-F6EECF244321}">
+                <p14:modId xmlns:p14="http://schemas.microsoft.com/office/powerpoint/2010/main" val="1630307099"/>
+              </p:ext>
+            </p:extLst>
+          </p:nvPr>
+        </p:nvGraphicFramePr>
+        <p:xfrm>
+          <a:off x="1196869" y="2084832"/>
+          <a:ext cx="3424518" cy="3670508"/>
+        </p:xfrm>
+        <a:graphic>
+          <a:graphicData uri="http://schemas.openxmlformats.org/drawingml/2006/diagram">
+            <dgm:relIds xmlns:dgm="http://schemas.openxmlformats.org/drawingml/2006/diagram" xmlns:r="http://schemas.openxmlformats.org/officeDocument/2006/relationships" r:dm="rId2" r:lo="rId3" r:qs="rId4" r:cs="rId5"/>
+          </a:graphicData>
+        </a:graphic>
+      </p:graphicFrame>
+    </p:spTree>
+    <p:extLst>
+      <p:ext uri="{BB962C8B-B14F-4D97-AF65-F5344CB8AC3E}">
+        <p14:creationId xmlns:p14="http://schemas.microsoft.com/office/powerpoint/2010/main" val="3471268421"/>
+      </p:ext>
+    </p:extLst>
+  </p:cSld>
+  <p:clrMapOvr>
+    <a:masterClrMapping/>
+  </p:clrMapOvr>
+</p:sld>
+</file>
+
+<file path=ppt/slides/slide11.xml><?xml version="1.0" encoding="utf-8"?>
+<p:sld xmlns:a="http://schemas.openxmlformats.org/drawingml/2006/main" xmlns:r="http://schemas.openxmlformats.org/officeDocument/2006/relationships" xmlns:p="http://schemas.openxmlformats.org/presentationml/2006/main">
+  <p:cSld>
+    <p:spTree>
+      <p:nvGrpSpPr>
+        <p:cNvPr id="1" name=""/>
+        <p:cNvGrpSpPr/>
+        <p:nvPr/>
+      </p:nvGrpSpPr>
+      <p:grpSpPr>
+        <a:xfrm>
+          <a:off x="0" y="0"/>
+          <a:ext cx="0" cy="0"/>
+          <a:chOff x="0" y="0"/>
+          <a:chExt cx="0" cy="0"/>
+        </a:xfrm>
+      </p:grpSpPr>
+      <p:sp>
+        <p:nvSpPr>
+          <p:cNvPr id="2" name="Título 1"/>
+          <p:cNvSpPr>
+            <a:spLocks noGrp="1"/>
+          </p:cNvSpPr>
+          <p:nvPr>
+            <p:ph type="title"/>
+          </p:nvPr>
+        </p:nvSpPr>
+        <p:spPr/>
+        <p:txBody>
+          <a:bodyPr/>
+          <a:lstStyle/>
+          <a:p>
+            <a:r>
+              <a:rPr lang="es-ES" dirty="0" smtClean="0"/>
+              <a:t>Distribución del espacio en el área de trabajo</a:t>
+            </a:r>
+            <a:endParaRPr lang="es-ES" dirty="0"/>
+          </a:p>
+        </p:txBody>
+      </p:sp>
+      <p:sp>
+        <p:nvSpPr>
+          <p:cNvPr id="3" name="Marcador de contenido 2"/>
+          <p:cNvSpPr>
+            <a:spLocks noGrp="1"/>
+          </p:cNvSpPr>
+          <p:nvPr>
+            <p:ph idx="1"/>
+          </p:nvPr>
+        </p:nvSpPr>
+        <p:spPr/>
+        <p:txBody>
+          <a:bodyPr/>
+          <a:lstStyle/>
+          <a:p>
+            <a:endParaRPr lang="es-ES"/>
+          </a:p>
+        </p:txBody>
+      </p:sp>
+    </p:spTree>
+    <p:extLst>
+      <p:ext uri="{BB962C8B-B14F-4D97-AF65-F5344CB8AC3E}">
+        <p14:creationId xmlns:p14="http://schemas.microsoft.com/office/powerpoint/2010/main" val="3653671176"/>
+      </p:ext>
+    </p:extLst>
+  </p:cSld>
+  <p:clrMapOvr>
+    <a:masterClrMapping/>
+  </p:clrMapOvr>
+</p:sld>
+</file>
+
+<file path=ppt/slides/slide12.xml><?xml version="1.0" encoding="utf-8"?>
+<p:sld xmlns:a="http://schemas.openxmlformats.org/drawingml/2006/main" xmlns:r="http://schemas.openxmlformats.org/officeDocument/2006/relationships" xmlns:p="http://schemas.openxmlformats.org/presentationml/2006/main">
+  <p:cSld>
+    <p:spTree>
+      <p:nvGrpSpPr>
+        <p:cNvPr id="1" name=""/>
+        <p:cNvGrpSpPr/>
+        <p:nvPr/>
+      </p:nvGrpSpPr>
+      <p:grpSpPr>
+        <a:xfrm>
+          <a:off x="0" y="0"/>
+          <a:ext cx="0" cy="0"/>
+          <a:chOff x="0" y="0"/>
+          <a:chExt cx="0" cy="0"/>
+        </a:xfrm>
+      </p:grpSpPr>
+      <p:sp>
+        <p:nvSpPr>
+          <p:cNvPr id="2" name="Título 1"/>
+          <p:cNvSpPr>
+            <a:spLocks noGrp="1"/>
+          </p:cNvSpPr>
+          <p:nvPr>
+            <p:ph type="title"/>
+          </p:nvPr>
+        </p:nvSpPr>
+        <p:spPr/>
+        <p:txBody>
+          <a:bodyPr/>
+          <a:lstStyle/>
+          <a:p>
+            <a:r>
+              <a:rPr lang="es-ES" dirty="0" smtClean="0"/>
+              <a:t>Cálculo de materiales</a:t>
+            </a:r>
+            <a:endParaRPr lang="es-ES" dirty="0"/>
+          </a:p>
+        </p:txBody>
+      </p:sp>
+      <p:sp>
+        <p:nvSpPr>
+          <p:cNvPr id="3" name="Marcador de contenido 2"/>
+          <p:cNvSpPr>
+            <a:spLocks noGrp="1"/>
+          </p:cNvSpPr>
+          <p:nvPr>
+            <p:ph idx="1"/>
+          </p:nvPr>
+        </p:nvSpPr>
+        <p:spPr/>
+        <p:txBody>
+          <a:bodyPr/>
+          <a:lstStyle/>
+          <a:p>
+            <a:r>
+              <a:rPr lang="es-ES" dirty="0" smtClean="0"/>
+              <a:t>Determinación de herramientas, maquinas y equipos</a:t>
+            </a:r>
+          </a:p>
+          <a:p>
+            <a:pPr>
+              <a:buFont typeface="Arial" panose="020B0604020202020204" pitchFamily="34" charset="0"/>
+              <a:buChar char="•"/>
+            </a:pPr>
+            <a:r>
+              <a:rPr lang="es-ES" dirty="0"/>
+              <a:t> </a:t>
+            </a:r>
+            <a:r>
+              <a:rPr lang="es-ES" dirty="0" smtClean="0"/>
+              <a:t>Estanterías</a:t>
+            </a:r>
+          </a:p>
+          <a:p>
+            <a:pPr>
+              <a:buFont typeface="Arial" panose="020B0604020202020204" pitchFamily="34" charset="0"/>
+              <a:buChar char="•"/>
+            </a:pPr>
+            <a:r>
+              <a:rPr lang="es-ES" dirty="0" smtClean="0"/>
+              <a:t> Escritorio</a:t>
+            </a:r>
+          </a:p>
+          <a:p>
+            <a:pPr>
+              <a:buFont typeface="Arial" panose="020B0604020202020204" pitchFamily="34" charset="0"/>
+              <a:buChar char="•"/>
+            </a:pPr>
+            <a:r>
+              <a:rPr lang="es-ES" dirty="0" smtClean="0"/>
+              <a:t> PC de escritorio</a:t>
+            </a:r>
+          </a:p>
+          <a:p>
+            <a:pPr>
+              <a:buFont typeface="Arial" panose="020B0604020202020204" pitchFamily="34" charset="0"/>
+              <a:buChar char="•"/>
+            </a:pPr>
+            <a:r>
+              <a:rPr lang="es-ES" dirty="0"/>
+              <a:t> </a:t>
+            </a:r>
+            <a:r>
+              <a:rPr lang="es-ES" dirty="0" smtClean="0"/>
+              <a:t>Herramientas de ensamblado</a:t>
+            </a:r>
+          </a:p>
+          <a:p>
+            <a:pPr marL="0" indent="0">
+              <a:buNone/>
+            </a:pPr>
+            <a:endParaRPr lang="es-ES" dirty="0" smtClean="0"/>
+          </a:p>
+          <a:p>
+            <a:pPr>
+              <a:buFont typeface="Arial" panose="020B0604020202020204" pitchFamily="34" charset="0"/>
+              <a:buChar char="•"/>
+            </a:pPr>
+            <a:endParaRPr lang="es-ES" dirty="0"/>
+          </a:p>
+        </p:txBody>
+      </p:sp>
+    </p:spTree>
+    <p:extLst>
+      <p:ext uri="{BB962C8B-B14F-4D97-AF65-F5344CB8AC3E}">
+        <p14:creationId xmlns:p14="http://schemas.microsoft.com/office/powerpoint/2010/main" val="1342637746"/>
+      </p:ext>
+    </p:extLst>
+  </p:cSld>
+  <p:clrMapOvr>
+    <a:masterClrMapping/>
+  </p:clrMapOvr>
+</p:sld>
+</file>
+
+<file path=ppt/slides/slide13.xml><?xml version="1.0" encoding="utf-8"?>
+<p:sld xmlns:a="http://schemas.openxmlformats.org/drawingml/2006/main" xmlns:r="http://schemas.openxmlformats.org/officeDocument/2006/relationships" xmlns:p="http://schemas.openxmlformats.org/presentationml/2006/main">
+  <p:cSld>
+    <p:spTree>
+      <p:nvGrpSpPr>
+        <p:cNvPr id="1" name=""/>
+        <p:cNvGrpSpPr/>
+        <p:nvPr/>
+      </p:nvGrpSpPr>
+      <p:grpSpPr>
+        <a:xfrm>
+          <a:off x="0" y="0"/>
+          <a:ext cx="0" cy="0"/>
+          <a:chOff x="0" y="0"/>
+          <a:chExt cx="0" cy="0"/>
+        </a:xfrm>
+      </p:grpSpPr>
+      <p:sp>
+        <p:nvSpPr>
+          <p:cNvPr id="2" name="Título 1"/>
+          <p:cNvSpPr>
+            <a:spLocks noGrp="1"/>
+          </p:cNvSpPr>
+          <p:nvPr>
+            <p:ph type="title"/>
+          </p:nvPr>
+        </p:nvSpPr>
+        <p:spPr/>
+        <p:txBody>
+          <a:bodyPr/>
+          <a:lstStyle/>
+          <a:p>
+            <a:endParaRPr lang="es-ES"/>
+          </a:p>
+        </p:txBody>
+      </p:sp>
+      <p:sp>
+        <p:nvSpPr>
+          <p:cNvPr id="6" name="AutoShape 6" descr="https://http2.mlstatic.com/memoria-usb-kingston-16gb-champagne-dtge916gbz-datatraveler-D_NQ_NP_992976-MPE25633859991_052017-F.webp"/>
+          <p:cNvSpPr>
+            <a:spLocks noGrp="1" noChangeAspect="1" noChangeArrowheads="1"/>
+          </p:cNvSpPr>
+          <p:nvPr>
+            <p:ph idx="1"/>
+          </p:nvPr>
+        </p:nvSpPr>
+        <p:spPr bwMode="auto">
+          <a:prstGeom prst="rect">
+            <a:avLst/>
+          </a:prstGeom>
+          <a:noFill/>
+          <a:extLst>
+            <a:ext uri="{909E8E84-426E-40DD-AFC4-6F175D3DCCD1}">
+              <a14:hiddenFill xmlns:a14="http://schemas.microsoft.com/office/drawing/2010/main">
+                <a:solidFill>
+                  <a:srgbClr val="FFFFFF"/>
+                </a:solidFill>
+              </a14:hiddenFill>
+            </a:ext>
+          </a:extLst>
+        </p:spPr>
+        <p:txBody>
+          <a:bodyPr vert="horz" wrap="square" lIns="91440" tIns="45720" rIns="91440" bIns="45720" numCol="1" anchor="t" anchorCtr="0" compatLnSpc="1">
+            <a:prstTxWarp prst="textNoShape">
+              <a:avLst/>
+            </a:prstTxWarp>
+          </a:bodyPr>
+          <a:lstStyle/>
+          <a:p>
+            <a:endParaRPr lang="es-ES"/>
+          </a:p>
+        </p:txBody>
+      </p:sp>
+    </p:spTree>
+    <p:extLst>
+      <p:ext uri="{BB962C8B-B14F-4D97-AF65-F5344CB8AC3E}">
+        <p14:creationId xmlns:p14="http://schemas.microsoft.com/office/powerpoint/2010/main" val="1453988492"/>
+      </p:ext>
+    </p:extLst>
+  </p:cSld>
+  <p:clrMapOvr>
+    <a:masterClrMapping/>
+  </p:clrMapOvr>
+</p:sld>
+</file>
+
+<file path=ppt/slides/slide14.xml><?xml version="1.0" encoding="utf-8"?>
+<p:sld xmlns:a="http://schemas.openxmlformats.org/drawingml/2006/main" xmlns:r="http://schemas.openxmlformats.org/officeDocument/2006/relationships" xmlns:p="http://schemas.openxmlformats.org/presentationml/2006/main">
+  <p:cSld>
+    <p:spTree>
+      <p:nvGrpSpPr>
+        <p:cNvPr id="1" name=""/>
+        <p:cNvGrpSpPr/>
+        <p:nvPr/>
+      </p:nvGrpSpPr>
+      <p:grpSpPr>
+        <a:xfrm>
+          <a:off x="0" y="0"/>
+          <a:ext cx="0" cy="0"/>
+          <a:chOff x="0" y="0"/>
+          <a:chExt cx="0" cy="0"/>
+        </a:xfrm>
+      </p:grpSpPr>
+      <p:sp>
+        <p:nvSpPr>
+          <p:cNvPr id="2" name="Título 1"/>
+          <p:cNvSpPr>
+            <a:spLocks noGrp="1"/>
+          </p:cNvSpPr>
+          <p:nvPr>
+            <p:ph type="title"/>
+          </p:nvPr>
+        </p:nvSpPr>
+        <p:spPr/>
+        <p:txBody>
+          <a:bodyPr/>
+          <a:lstStyle/>
+          <a:p>
+            <a:r>
+              <a:rPr lang="es-ES" dirty="0" smtClean="0"/>
+              <a:t>Tema 06: Análisis económico</a:t>
+            </a:r>
+            <a:endParaRPr lang="es-ES" dirty="0"/>
+          </a:p>
+        </p:txBody>
+      </p:sp>
+      <p:sp>
+        <p:nvSpPr>
+          <p:cNvPr id="5" name="Rectángulo 4"/>
+          <p:cNvSpPr/>
+          <p:nvPr/>
+        </p:nvSpPr>
+        <p:spPr>
+          <a:xfrm>
+            <a:off x="731316" y="2284213"/>
+            <a:ext cx="3490571" cy="369332"/>
+          </a:xfrm>
+          <a:prstGeom prst="rect">
+            <a:avLst/>
+          </a:prstGeom>
+        </p:spPr>
+        <p:txBody>
+          <a:bodyPr wrap="none">
+            <a:spAutoFit/>
+          </a:bodyPr>
+          <a:lstStyle/>
+          <a:p>
+            <a:r>
+              <a:rPr lang="es-ES" b="1" dirty="0"/>
+              <a:t>Proyección de ventas en unidades:</a:t>
+            </a:r>
+          </a:p>
+        </p:txBody>
+      </p:sp>
+      <p:graphicFrame>
+        <p:nvGraphicFramePr>
+          <p:cNvPr id="7" name="Tabla 6"/>
+          <p:cNvGraphicFramePr>
+            <a:graphicFrameLocks noGrp="1"/>
+          </p:cNvGraphicFramePr>
+          <p:nvPr>
+            <p:extLst>
+              <p:ext uri="{D42A27DB-BD31-4B8C-83A1-F6EECF244321}">
+                <p14:modId xmlns:p14="http://schemas.microsoft.com/office/powerpoint/2010/main" val="3614762247"/>
+              </p:ext>
+            </p:extLst>
+          </p:nvPr>
+        </p:nvGraphicFramePr>
+        <p:xfrm>
+          <a:off x="731316" y="3097568"/>
+          <a:ext cx="10731939" cy="2771216"/>
+        </p:xfrm>
+        <a:graphic>
+          <a:graphicData uri="http://schemas.openxmlformats.org/drawingml/2006/table">
+            <a:tbl>
+              <a:tblPr firstRow="1" bandRow="1">
+                <a:tableStyleId>{5C22544A-7EE6-4342-B048-85BDC9FD1C3A}</a:tableStyleId>
+              </a:tblPr>
+              <a:tblGrid>
+                <a:gridCol w="1579432">
+                  <a:extLst>
+                    <a:ext uri="{9D8B030D-6E8A-4147-A177-3AD203B41FA5}">
+                      <a16:colId xmlns:a16="http://schemas.microsoft.com/office/drawing/2014/main" val="1190967799"/>
+                    </a:ext>
+                  </a:extLst>
+                </a:gridCol>
+                <a:gridCol w="704039">
+                  <a:extLst>
+                    <a:ext uri="{9D8B030D-6E8A-4147-A177-3AD203B41FA5}">
+                      <a16:colId xmlns:a16="http://schemas.microsoft.com/office/drawing/2014/main" val="1163468735"/>
+                    </a:ext>
+                  </a:extLst>
+                </a:gridCol>
+                <a:gridCol w="704039">
+                  <a:extLst>
+                    <a:ext uri="{9D8B030D-6E8A-4147-A177-3AD203B41FA5}">
+                      <a16:colId xmlns:a16="http://schemas.microsoft.com/office/drawing/2014/main" val="3487422738"/>
+                    </a:ext>
+                  </a:extLst>
+                </a:gridCol>
+                <a:gridCol w="704039">
+                  <a:extLst>
+                    <a:ext uri="{9D8B030D-6E8A-4147-A177-3AD203B41FA5}">
+                      <a16:colId xmlns:a16="http://schemas.microsoft.com/office/drawing/2014/main" val="789688482"/>
+                    </a:ext>
+                  </a:extLst>
+                </a:gridCol>
+                <a:gridCol w="704039">
+                  <a:extLst>
+                    <a:ext uri="{9D8B030D-6E8A-4147-A177-3AD203B41FA5}">
+                      <a16:colId xmlns:a16="http://schemas.microsoft.com/office/drawing/2014/main" val="2107897540"/>
+                    </a:ext>
+                  </a:extLst>
+                </a:gridCol>
+                <a:gridCol w="704039">
+                  <a:extLst>
+                    <a:ext uri="{9D8B030D-6E8A-4147-A177-3AD203B41FA5}">
+                      <a16:colId xmlns:a16="http://schemas.microsoft.com/office/drawing/2014/main" val="1533100762"/>
+                    </a:ext>
+                  </a:extLst>
+                </a:gridCol>
+                <a:gridCol w="704039">
+                  <a:extLst>
+                    <a:ext uri="{9D8B030D-6E8A-4147-A177-3AD203B41FA5}">
+                      <a16:colId xmlns:a16="http://schemas.microsoft.com/office/drawing/2014/main" val="2515862655"/>
+                    </a:ext>
+                  </a:extLst>
+                </a:gridCol>
+                <a:gridCol w="704039">
+                  <a:extLst>
+                    <a:ext uri="{9D8B030D-6E8A-4147-A177-3AD203B41FA5}">
+                      <a16:colId xmlns:a16="http://schemas.microsoft.com/office/drawing/2014/main" val="1548725247"/>
+                    </a:ext>
+                  </a:extLst>
+                </a:gridCol>
+                <a:gridCol w="704039">
+                  <a:extLst>
+                    <a:ext uri="{9D8B030D-6E8A-4147-A177-3AD203B41FA5}">
+                      <a16:colId xmlns:a16="http://schemas.microsoft.com/office/drawing/2014/main" val="336036403"/>
+                    </a:ext>
+                  </a:extLst>
+                </a:gridCol>
+                <a:gridCol w="704039">
+                  <a:extLst>
+                    <a:ext uri="{9D8B030D-6E8A-4147-A177-3AD203B41FA5}">
+                      <a16:colId xmlns:a16="http://schemas.microsoft.com/office/drawing/2014/main" val="36062504"/>
+                    </a:ext>
+                  </a:extLst>
+                </a:gridCol>
+                <a:gridCol w="704039">
+                  <a:extLst>
+                    <a:ext uri="{9D8B030D-6E8A-4147-A177-3AD203B41FA5}">
+                      <a16:colId xmlns:a16="http://schemas.microsoft.com/office/drawing/2014/main" val="71150075"/>
+                    </a:ext>
+                  </a:extLst>
+                </a:gridCol>
+                <a:gridCol w="704039">
+                  <a:extLst>
+                    <a:ext uri="{9D8B030D-6E8A-4147-A177-3AD203B41FA5}">
+                      <a16:colId xmlns:a16="http://schemas.microsoft.com/office/drawing/2014/main" val="3904123099"/>
+                    </a:ext>
+                  </a:extLst>
+                </a:gridCol>
+                <a:gridCol w="704039">
+                  <a:extLst>
+                    <a:ext uri="{9D8B030D-6E8A-4147-A177-3AD203B41FA5}">
+                      <a16:colId xmlns:a16="http://schemas.microsoft.com/office/drawing/2014/main" val="1447069934"/>
+                    </a:ext>
+                  </a:extLst>
+                </a:gridCol>
+                <a:gridCol w="704039">
+                  <a:extLst>
+                    <a:ext uri="{9D8B030D-6E8A-4147-A177-3AD203B41FA5}">
+                      <a16:colId xmlns:a16="http://schemas.microsoft.com/office/drawing/2014/main" val="523102021"/>
+                    </a:ext>
+                  </a:extLst>
+                </a:gridCol>
+              </a:tblGrid>
+              <a:tr h="536364">
+                <a:tc>
+                  <a:txBody>
+                    <a:bodyPr/>
+                    <a:lstStyle/>
+                    <a:p>
+                      <a:pPr algn="l" rtl="0" fontAlgn="ctr"/>
+                      <a:r>
+                        <a:rPr lang="es-ES" sz="1200" u="none" strike="noStrike">
+                          <a:effectLst/>
+                        </a:rPr>
+                        <a:t>Producto</a:t>
+                      </a:r>
+                      <a:endParaRPr lang="es-ES" sz="1200" b="1" i="0" u="none" strike="noStrike">
+                        <a:solidFill>
+                          <a:srgbClr val="FFFFFF"/>
+                        </a:solidFill>
+                        <a:effectLst/>
+                        <a:latin typeface="Calibri" panose="020F0502020204030204" pitchFamily="34" charset="0"/>
+                      </a:endParaRPr>
+                    </a:p>
+                  </a:txBody>
+                  <a:tcPr marL="85725" marR="9525" marT="9525" marB="0" anchor="ctr"/>
+                </a:tc>
+                <a:tc>
+                  <a:txBody>
+                    <a:bodyPr/>
+                    <a:lstStyle/>
+                    <a:p>
+                      <a:pPr algn="l" rtl="0" fontAlgn="ctr"/>
+                      <a:r>
+                        <a:rPr lang="es-ES" sz="1200" u="none" strike="noStrike">
+                          <a:effectLst/>
+                        </a:rPr>
+                        <a:t>Mes 1</a:t>
+                      </a:r>
+                      <a:endParaRPr lang="es-ES" sz="1200" b="1" i="0" u="none" strike="noStrike">
+                        <a:solidFill>
+                          <a:srgbClr val="FFFFFF"/>
+                        </a:solidFill>
+                        <a:effectLst/>
+                        <a:latin typeface="Calibri" panose="020F0502020204030204" pitchFamily="34" charset="0"/>
+                      </a:endParaRPr>
+                    </a:p>
+                  </a:txBody>
+                  <a:tcPr marL="85725" marR="9525" marT="9525" marB="0" anchor="ctr"/>
+                </a:tc>
+                <a:tc>
+                  <a:txBody>
+                    <a:bodyPr/>
+                    <a:lstStyle/>
+                    <a:p>
+                      <a:pPr algn="l" rtl="0" fontAlgn="ctr"/>
+                      <a:r>
+                        <a:rPr lang="es-ES" sz="1200" u="none" strike="noStrike">
+                          <a:effectLst/>
+                        </a:rPr>
+                        <a:t>Mes 2</a:t>
+                      </a:r>
+                      <a:endParaRPr lang="es-ES" sz="1200" b="1" i="0" u="none" strike="noStrike">
+                        <a:solidFill>
+                          <a:srgbClr val="FFFFFF"/>
+                        </a:solidFill>
+                        <a:effectLst/>
+                        <a:latin typeface="Calibri" panose="020F0502020204030204" pitchFamily="34" charset="0"/>
+                      </a:endParaRPr>
+                    </a:p>
+                  </a:txBody>
+                  <a:tcPr marL="85725" marR="9525" marT="9525" marB="0" anchor="ctr"/>
+                </a:tc>
+                <a:tc>
+                  <a:txBody>
+                    <a:bodyPr/>
+                    <a:lstStyle/>
+                    <a:p>
+                      <a:pPr algn="l" rtl="0" fontAlgn="ctr"/>
+                      <a:r>
+                        <a:rPr lang="es-ES" sz="1200" u="none" strike="noStrike">
+                          <a:effectLst/>
+                        </a:rPr>
+                        <a:t>Mes 3</a:t>
+                      </a:r>
+                      <a:endParaRPr lang="es-ES" sz="1200" b="1" i="0" u="none" strike="noStrike">
+                        <a:solidFill>
+                          <a:srgbClr val="FFFFFF"/>
+                        </a:solidFill>
+                        <a:effectLst/>
+                        <a:latin typeface="Calibri" panose="020F0502020204030204" pitchFamily="34" charset="0"/>
+                      </a:endParaRPr>
+                    </a:p>
+                  </a:txBody>
+                  <a:tcPr marL="85725" marR="9525" marT="9525" marB="0" anchor="ctr"/>
+                </a:tc>
+                <a:tc>
+                  <a:txBody>
+                    <a:bodyPr/>
+                    <a:lstStyle/>
+                    <a:p>
+                      <a:pPr algn="l" rtl="0" fontAlgn="ctr"/>
+                      <a:r>
+                        <a:rPr lang="es-ES" sz="1200" u="none" strike="noStrike">
+                          <a:effectLst/>
+                        </a:rPr>
+                        <a:t>Mes 4</a:t>
+                      </a:r>
+                      <a:endParaRPr lang="es-ES" sz="1200" b="1" i="0" u="none" strike="noStrike">
+                        <a:solidFill>
+                          <a:srgbClr val="FFFFFF"/>
+                        </a:solidFill>
+                        <a:effectLst/>
+                        <a:latin typeface="Calibri" panose="020F0502020204030204" pitchFamily="34" charset="0"/>
+                      </a:endParaRPr>
+                    </a:p>
+                  </a:txBody>
+                  <a:tcPr marL="85725" marR="9525" marT="9525" marB="0" anchor="ctr"/>
+                </a:tc>
+                <a:tc>
+                  <a:txBody>
+                    <a:bodyPr/>
+                    <a:lstStyle/>
+                    <a:p>
+                      <a:pPr algn="l" rtl="0" fontAlgn="ctr"/>
+                      <a:r>
+                        <a:rPr lang="es-ES" sz="1200" u="none" strike="noStrike">
+                          <a:effectLst/>
+                        </a:rPr>
+                        <a:t>Mes 5</a:t>
+                      </a:r>
+                      <a:endParaRPr lang="es-ES" sz="1200" b="1" i="0" u="none" strike="noStrike">
+                        <a:solidFill>
+                          <a:srgbClr val="FFFFFF"/>
+                        </a:solidFill>
+                        <a:effectLst/>
+                        <a:latin typeface="Calibri" panose="020F0502020204030204" pitchFamily="34" charset="0"/>
+                      </a:endParaRPr>
+                    </a:p>
+                  </a:txBody>
+                  <a:tcPr marL="85725" marR="9525" marT="9525" marB="0" anchor="ctr"/>
+                </a:tc>
+                <a:tc>
+                  <a:txBody>
+                    <a:bodyPr/>
+                    <a:lstStyle/>
+                    <a:p>
+                      <a:pPr algn="l" rtl="0" fontAlgn="ctr"/>
+                      <a:r>
+                        <a:rPr lang="es-ES" sz="1200" u="none" strike="noStrike">
+                          <a:effectLst/>
+                        </a:rPr>
+                        <a:t>Mes 6</a:t>
+                      </a:r>
+                      <a:endParaRPr lang="es-ES" sz="1200" b="1" i="0" u="none" strike="noStrike">
+                        <a:solidFill>
+                          <a:srgbClr val="FFFFFF"/>
+                        </a:solidFill>
+                        <a:effectLst/>
+                        <a:latin typeface="Calibri" panose="020F0502020204030204" pitchFamily="34" charset="0"/>
+                      </a:endParaRPr>
+                    </a:p>
+                  </a:txBody>
+                  <a:tcPr marL="85725" marR="9525" marT="9525" marB="0" anchor="ctr"/>
+                </a:tc>
+                <a:tc>
+                  <a:txBody>
+                    <a:bodyPr/>
+                    <a:lstStyle/>
+                    <a:p>
+                      <a:pPr algn="l" rtl="0" fontAlgn="ctr"/>
+                      <a:r>
+                        <a:rPr lang="es-ES" sz="1200" u="none" strike="noStrike">
+                          <a:effectLst/>
+                        </a:rPr>
+                        <a:t>Mes 7</a:t>
+                      </a:r>
+                      <a:endParaRPr lang="es-ES" sz="1200" b="1" i="0" u="none" strike="noStrike">
+                        <a:solidFill>
+                          <a:srgbClr val="FFFFFF"/>
+                        </a:solidFill>
+                        <a:effectLst/>
+                        <a:latin typeface="Calibri" panose="020F0502020204030204" pitchFamily="34" charset="0"/>
+                      </a:endParaRPr>
+                    </a:p>
+                  </a:txBody>
+                  <a:tcPr marL="85725" marR="9525" marT="9525" marB="0" anchor="ctr"/>
+                </a:tc>
+                <a:tc>
+                  <a:txBody>
+                    <a:bodyPr/>
+                    <a:lstStyle/>
+                    <a:p>
+                      <a:pPr algn="l" rtl="0" fontAlgn="ctr"/>
+                      <a:r>
+                        <a:rPr lang="es-ES" sz="1200" u="none" strike="noStrike">
+                          <a:effectLst/>
+                        </a:rPr>
+                        <a:t>Mes 8</a:t>
+                      </a:r>
+                      <a:endParaRPr lang="es-ES" sz="1200" b="1" i="0" u="none" strike="noStrike">
+                        <a:solidFill>
+                          <a:srgbClr val="FFFFFF"/>
+                        </a:solidFill>
+                        <a:effectLst/>
+                        <a:latin typeface="Calibri" panose="020F0502020204030204" pitchFamily="34" charset="0"/>
+                      </a:endParaRPr>
+                    </a:p>
+                  </a:txBody>
+                  <a:tcPr marL="85725" marR="9525" marT="9525" marB="0" anchor="ctr"/>
+                </a:tc>
+                <a:tc>
+                  <a:txBody>
+                    <a:bodyPr/>
+                    <a:lstStyle/>
+                    <a:p>
+                      <a:pPr algn="l" rtl="0" fontAlgn="ctr"/>
+                      <a:r>
+                        <a:rPr lang="es-ES" sz="1200" u="none" strike="noStrike">
+                          <a:effectLst/>
+                        </a:rPr>
+                        <a:t>Mes 9</a:t>
+                      </a:r>
+                      <a:endParaRPr lang="es-ES" sz="1200" b="1" i="0" u="none" strike="noStrike">
+                        <a:solidFill>
+                          <a:srgbClr val="FFFFFF"/>
+                        </a:solidFill>
+                        <a:effectLst/>
+                        <a:latin typeface="Calibri" panose="020F0502020204030204" pitchFamily="34" charset="0"/>
+                      </a:endParaRPr>
+                    </a:p>
+                  </a:txBody>
+                  <a:tcPr marL="85725" marR="9525" marT="9525" marB="0" anchor="ctr"/>
+                </a:tc>
+                <a:tc>
+                  <a:txBody>
+                    <a:bodyPr/>
+                    <a:lstStyle/>
+                    <a:p>
+                      <a:pPr algn="l" rtl="0" fontAlgn="ctr"/>
+                      <a:r>
+                        <a:rPr lang="es-ES" sz="1200" u="none" strike="noStrike">
+                          <a:effectLst/>
+                        </a:rPr>
+                        <a:t>Mes 10</a:t>
+                      </a:r>
+                      <a:endParaRPr lang="es-ES" sz="1200" b="1" i="0" u="none" strike="noStrike">
+                        <a:solidFill>
+                          <a:srgbClr val="FFFFFF"/>
+                        </a:solidFill>
+                        <a:effectLst/>
+                        <a:latin typeface="Calibri" panose="020F0502020204030204" pitchFamily="34" charset="0"/>
+                      </a:endParaRPr>
+                    </a:p>
+                  </a:txBody>
+                  <a:tcPr marL="85725" marR="9525" marT="9525" marB="0" anchor="ctr"/>
+                </a:tc>
+                <a:tc>
+                  <a:txBody>
+                    <a:bodyPr/>
+                    <a:lstStyle/>
+                    <a:p>
+                      <a:pPr algn="l" rtl="0" fontAlgn="ctr"/>
+                      <a:r>
+                        <a:rPr lang="es-ES" sz="1200" u="none" strike="noStrike">
+                          <a:effectLst/>
+                        </a:rPr>
+                        <a:t>Mes 11</a:t>
+                      </a:r>
+                      <a:endParaRPr lang="es-ES" sz="1200" b="1" i="0" u="none" strike="noStrike">
+                        <a:solidFill>
+                          <a:srgbClr val="FFFFFF"/>
+                        </a:solidFill>
+                        <a:effectLst/>
+                        <a:latin typeface="Calibri" panose="020F0502020204030204" pitchFamily="34" charset="0"/>
+                      </a:endParaRPr>
+                    </a:p>
+                  </a:txBody>
+                  <a:tcPr marL="85725" marR="9525" marT="9525" marB="0" anchor="ctr"/>
+                </a:tc>
+                <a:tc>
+                  <a:txBody>
+                    <a:bodyPr/>
+                    <a:lstStyle/>
+                    <a:p>
+                      <a:pPr algn="l" rtl="0" fontAlgn="ctr"/>
+                      <a:r>
+                        <a:rPr lang="es-ES" sz="1200" u="none" strike="noStrike">
+                          <a:effectLst/>
+                        </a:rPr>
+                        <a:t>Mes 12</a:t>
+                      </a:r>
+                      <a:endParaRPr lang="es-ES" sz="1200" b="1" i="0" u="none" strike="noStrike">
+                        <a:solidFill>
+                          <a:srgbClr val="FFFFFF"/>
+                        </a:solidFill>
+                        <a:effectLst/>
+                        <a:latin typeface="Calibri" panose="020F0502020204030204" pitchFamily="34" charset="0"/>
+                      </a:endParaRPr>
+                    </a:p>
+                  </a:txBody>
+                  <a:tcPr marL="85725" marR="9525" marT="9525" marB="0" anchor="ctr"/>
+                </a:tc>
+                <a:tc>
+                  <a:txBody>
+                    <a:bodyPr/>
+                    <a:lstStyle/>
+                    <a:p>
+                      <a:pPr algn="l" rtl="0" fontAlgn="ctr"/>
+                      <a:r>
+                        <a:rPr lang="es-ES" sz="1200" u="none" strike="noStrike">
+                          <a:effectLst/>
+                        </a:rPr>
+                        <a:t>Total</a:t>
+                      </a:r>
+                      <a:endParaRPr lang="es-ES" sz="1200" b="1" i="0" u="none" strike="noStrike">
+                        <a:solidFill>
+                          <a:srgbClr val="FFFFFF"/>
+                        </a:solidFill>
+                        <a:effectLst/>
+                        <a:latin typeface="Calibri" panose="020F0502020204030204" pitchFamily="34" charset="0"/>
+                      </a:endParaRPr>
+                    </a:p>
+                  </a:txBody>
+                  <a:tcPr marL="85725" marR="9525" marT="9525" marB="0" anchor="ctr"/>
+                </a:tc>
+                <a:extLst>
+                  <a:ext uri="{0D108BD9-81ED-4DB2-BD59-A6C34878D82A}">
+                    <a16:rowId xmlns:a16="http://schemas.microsoft.com/office/drawing/2014/main" val="3583761158"/>
+                  </a:ext>
+                </a:extLst>
+              </a:tr>
+              <a:tr h="558713">
+                <a:tc>
+                  <a:txBody>
+                    <a:bodyPr/>
+                    <a:lstStyle/>
+                    <a:p>
+                      <a:pPr algn="l" rtl="0" fontAlgn="ctr"/>
+                      <a:r>
+                        <a:rPr lang="es-ES" sz="1200" u="none" strike="noStrike">
+                          <a:effectLst/>
+                        </a:rPr>
+                        <a:t>DDR EXT 1GB </a:t>
+                      </a:r>
+                      <a:endParaRPr lang="es-ES" sz="1200" b="0" i="0" u="none" strike="noStrike">
+                        <a:solidFill>
+                          <a:srgbClr val="000000"/>
+                        </a:solidFill>
+                        <a:effectLst/>
+                        <a:latin typeface="Calibri" panose="020F0502020204030204" pitchFamily="34" charset="0"/>
+                      </a:endParaRPr>
+                    </a:p>
+                  </a:txBody>
+                  <a:tcPr marL="9525" marR="9525" marT="9525" marB="0" anchor="ctr"/>
+                </a:tc>
+                <a:tc>
+                  <a:txBody>
+                    <a:bodyPr/>
+                    <a:lstStyle/>
+                    <a:p>
+                      <a:pPr algn="r" rtl="0" fontAlgn="ctr"/>
+                      <a:r>
+                        <a:rPr lang="es-ES" sz="1200" u="none" strike="noStrike">
+                          <a:effectLst/>
+                        </a:rPr>
+                        <a:t>3</a:t>
+                      </a:r>
+                      <a:endParaRPr lang="es-ES" sz="1200" b="0" i="0" u="none" strike="noStrike">
+                        <a:solidFill>
+                          <a:srgbClr val="000000"/>
+                        </a:solidFill>
+                        <a:effectLst/>
+                        <a:latin typeface="Calibri" panose="020F0502020204030204" pitchFamily="34" charset="0"/>
+                      </a:endParaRPr>
+                    </a:p>
+                  </a:txBody>
+                  <a:tcPr marL="9525" marR="9525" marT="9525" marB="0" anchor="ctr"/>
+                </a:tc>
+                <a:tc>
+                  <a:txBody>
+                    <a:bodyPr/>
+                    <a:lstStyle/>
+                    <a:p>
+                      <a:pPr algn="r" rtl="0" fontAlgn="ctr"/>
+                      <a:r>
+                        <a:rPr lang="es-ES" sz="1200" u="none" strike="noStrike">
+                          <a:effectLst/>
+                        </a:rPr>
+                        <a:t>4</a:t>
+                      </a:r>
+                      <a:endParaRPr lang="es-ES" sz="1200" b="0" i="0" u="none" strike="noStrike">
+                        <a:solidFill>
+                          <a:srgbClr val="000000"/>
+                        </a:solidFill>
+                        <a:effectLst/>
+                        <a:latin typeface="Calibri" panose="020F0502020204030204" pitchFamily="34" charset="0"/>
+                      </a:endParaRPr>
+                    </a:p>
+                  </a:txBody>
+                  <a:tcPr marL="9525" marR="9525" marT="9525" marB="0" anchor="ctr"/>
+                </a:tc>
+                <a:tc>
+                  <a:txBody>
+                    <a:bodyPr/>
+                    <a:lstStyle/>
+                    <a:p>
+                      <a:pPr algn="r" rtl="0" fontAlgn="ctr"/>
+                      <a:r>
+                        <a:rPr lang="es-ES" sz="1200" u="none" strike="noStrike">
+                          <a:effectLst/>
+                        </a:rPr>
+                        <a:t>7</a:t>
+                      </a:r>
+                      <a:endParaRPr lang="es-ES" sz="1200" b="0" i="0" u="none" strike="noStrike">
+                        <a:solidFill>
+                          <a:srgbClr val="000000"/>
+                        </a:solidFill>
+                        <a:effectLst/>
+                        <a:latin typeface="Calibri" panose="020F0502020204030204" pitchFamily="34" charset="0"/>
+                      </a:endParaRPr>
+                    </a:p>
+                  </a:txBody>
+                  <a:tcPr marL="9525" marR="9525" marT="9525" marB="0" anchor="ctr"/>
+                </a:tc>
+                <a:tc>
+                  <a:txBody>
+                    <a:bodyPr/>
+                    <a:lstStyle/>
+                    <a:p>
+                      <a:pPr algn="r" rtl="0" fontAlgn="ctr"/>
+                      <a:r>
+                        <a:rPr lang="es-ES" sz="1200" u="none" strike="noStrike">
+                          <a:effectLst/>
+                        </a:rPr>
+                        <a:t>9</a:t>
+                      </a:r>
+                      <a:endParaRPr lang="es-ES" sz="1200" b="0" i="0" u="none" strike="noStrike">
+                        <a:solidFill>
+                          <a:srgbClr val="000000"/>
+                        </a:solidFill>
+                        <a:effectLst/>
+                        <a:latin typeface="Calibri" panose="020F0502020204030204" pitchFamily="34" charset="0"/>
+                      </a:endParaRPr>
+                    </a:p>
+                  </a:txBody>
+                  <a:tcPr marL="9525" marR="9525" marT="9525" marB="0" anchor="ctr"/>
+                </a:tc>
+                <a:tc>
+                  <a:txBody>
+                    <a:bodyPr/>
+                    <a:lstStyle/>
+                    <a:p>
+                      <a:pPr algn="r" rtl="0" fontAlgn="ctr"/>
+                      <a:r>
+                        <a:rPr lang="es-ES" sz="1200" u="none" strike="noStrike">
+                          <a:effectLst/>
+                        </a:rPr>
+                        <a:t>5</a:t>
+                      </a:r>
+                      <a:endParaRPr lang="es-ES" sz="1200" b="0" i="0" u="none" strike="noStrike">
+                        <a:solidFill>
+                          <a:srgbClr val="000000"/>
+                        </a:solidFill>
+                        <a:effectLst/>
+                        <a:latin typeface="Calibri" panose="020F0502020204030204" pitchFamily="34" charset="0"/>
+                      </a:endParaRPr>
+                    </a:p>
+                  </a:txBody>
+                  <a:tcPr marL="9525" marR="9525" marT="9525" marB="0" anchor="ctr"/>
+                </a:tc>
+                <a:tc>
+                  <a:txBody>
+                    <a:bodyPr/>
+                    <a:lstStyle/>
+                    <a:p>
+                      <a:pPr algn="r" rtl="0" fontAlgn="ctr"/>
+                      <a:r>
+                        <a:rPr lang="es-ES" sz="1200" u="none" strike="noStrike">
+                          <a:effectLst/>
+                        </a:rPr>
+                        <a:t>5</a:t>
+                      </a:r>
+                      <a:endParaRPr lang="es-ES" sz="1200" b="0" i="0" u="none" strike="noStrike">
+                        <a:solidFill>
+                          <a:srgbClr val="000000"/>
+                        </a:solidFill>
+                        <a:effectLst/>
+                        <a:latin typeface="Calibri" panose="020F0502020204030204" pitchFamily="34" charset="0"/>
+                      </a:endParaRPr>
+                    </a:p>
+                  </a:txBody>
+                  <a:tcPr marL="9525" marR="9525" marT="9525" marB="0" anchor="ctr"/>
+                </a:tc>
+                <a:tc>
+                  <a:txBody>
+                    <a:bodyPr/>
+                    <a:lstStyle/>
+                    <a:p>
+                      <a:pPr algn="r" rtl="0" fontAlgn="ctr"/>
+                      <a:r>
+                        <a:rPr lang="es-ES" sz="1200" u="none" strike="noStrike">
+                          <a:effectLst/>
+                        </a:rPr>
+                        <a:t>3</a:t>
+                      </a:r>
+                      <a:endParaRPr lang="es-ES" sz="1200" b="0" i="0" u="none" strike="noStrike">
+                        <a:solidFill>
+                          <a:srgbClr val="000000"/>
+                        </a:solidFill>
+                        <a:effectLst/>
+                        <a:latin typeface="Calibri" panose="020F0502020204030204" pitchFamily="34" charset="0"/>
+                      </a:endParaRPr>
+                    </a:p>
+                  </a:txBody>
+                  <a:tcPr marL="9525" marR="9525" marT="9525" marB="0" anchor="ctr"/>
+                </a:tc>
+                <a:tc>
+                  <a:txBody>
+                    <a:bodyPr/>
+                    <a:lstStyle/>
+                    <a:p>
+                      <a:pPr algn="r" rtl="0" fontAlgn="ctr"/>
+                      <a:r>
+                        <a:rPr lang="es-ES" sz="1200" u="none" strike="noStrike">
+                          <a:effectLst/>
+                        </a:rPr>
+                        <a:t>2</a:t>
+                      </a:r>
+                      <a:endParaRPr lang="es-ES" sz="1200" b="0" i="0" u="none" strike="noStrike">
+                        <a:solidFill>
+                          <a:srgbClr val="000000"/>
+                        </a:solidFill>
+                        <a:effectLst/>
+                        <a:latin typeface="Calibri" panose="020F0502020204030204" pitchFamily="34" charset="0"/>
+                      </a:endParaRPr>
+                    </a:p>
+                  </a:txBody>
+                  <a:tcPr marL="9525" marR="9525" marT="9525" marB="0" anchor="ctr"/>
+                </a:tc>
+                <a:tc>
+                  <a:txBody>
+                    <a:bodyPr/>
+                    <a:lstStyle/>
+                    <a:p>
+                      <a:pPr algn="r" rtl="0" fontAlgn="ctr"/>
+                      <a:r>
+                        <a:rPr lang="es-ES" sz="1200" u="none" strike="noStrike">
+                          <a:effectLst/>
+                        </a:rPr>
+                        <a:t>7</a:t>
+                      </a:r>
+                      <a:endParaRPr lang="es-ES" sz="1200" b="0" i="0" u="none" strike="noStrike">
+                        <a:solidFill>
+                          <a:srgbClr val="000000"/>
+                        </a:solidFill>
+                        <a:effectLst/>
+                        <a:latin typeface="Calibri" panose="020F0502020204030204" pitchFamily="34" charset="0"/>
+                      </a:endParaRPr>
+                    </a:p>
+                  </a:txBody>
+                  <a:tcPr marL="9525" marR="9525" marT="9525" marB="0" anchor="ctr"/>
+                </a:tc>
+                <a:tc>
+                  <a:txBody>
+                    <a:bodyPr/>
+                    <a:lstStyle/>
+                    <a:p>
+                      <a:pPr algn="r" rtl="0" fontAlgn="ctr"/>
+                      <a:r>
+                        <a:rPr lang="es-ES" sz="1200" u="none" strike="noStrike">
+                          <a:effectLst/>
+                        </a:rPr>
+                        <a:t>5</a:t>
+                      </a:r>
+                      <a:endParaRPr lang="es-ES" sz="1200" b="0" i="0" u="none" strike="noStrike">
+                        <a:solidFill>
+                          <a:srgbClr val="000000"/>
+                        </a:solidFill>
+                        <a:effectLst/>
+                        <a:latin typeface="Calibri" panose="020F0502020204030204" pitchFamily="34" charset="0"/>
+                      </a:endParaRPr>
+                    </a:p>
+                  </a:txBody>
+                  <a:tcPr marL="9525" marR="9525" marT="9525" marB="0" anchor="ctr"/>
+                </a:tc>
+                <a:tc>
+                  <a:txBody>
+                    <a:bodyPr/>
+                    <a:lstStyle/>
+                    <a:p>
+                      <a:pPr algn="r" rtl="0" fontAlgn="ctr"/>
+                      <a:r>
+                        <a:rPr lang="es-ES" sz="1200" u="none" strike="noStrike">
+                          <a:effectLst/>
+                        </a:rPr>
+                        <a:t>11</a:t>
+                      </a:r>
+                      <a:endParaRPr lang="es-ES" sz="1200" b="0" i="0" u="none" strike="noStrike">
+                        <a:solidFill>
+                          <a:srgbClr val="000000"/>
+                        </a:solidFill>
+                        <a:effectLst/>
+                        <a:latin typeface="Calibri" panose="020F0502020204030204" pitchFamily="34" charset="0"/>
+                      </a:endParaRPr>
+                    </a:p>
+                  </a:txBody>
+                  <a:tcPr marL="9525" marR="9525" marT="9525" marB="0" anchor="ctr"/>
+                </a:tc>
+                <a:tc>
+                  <a:txBody>
+                    <a:bodyPr/>
+                    <a:lstStyle/>
+                    <a:p>
+                      <a:pPr algn="r" rtl="0" fontAlgn="ctr"/>
+                      <a:r>
+                        <a:rPr lang="es-ES" sz="1200" u="none" strike="noStrike">
+                          <a:effectLst/>
+                        </a:rPr>
+                        <a:t>6</a:t>
+                      </a:r>
+                      <a:endParaRPr lang="es-ES" sz="1200" b="0" i="0" u="none" strike="noStrike">
+                        <a:solidFill>
+                          <a:srgbClr val="000000"/>
+                        </a:solidFill>
+                        <a:effectLst/>
+                        <a:latin typeface="Calibri" panose="020F0502020204030204" pitchFamily="34" charset="0"/>
+                      </a:endParaRPr>
+                    </a:p>
+                  </a:txBody>
+                  <a:tcPr marL="9525" marR="9525" marT="9525" marB="0" anchor="ctr"/>
+                </a:tc>
+                <a:tc>
+                  <a:txBody>
+                    <a:bodyPr/>
+                    <a:lstStyle/>
+                    <a:p>
+                      <a:pPr algn="r" rtl="0" fontAlgn="ctr"/>
+                      <a:r>
+                        <a:rPr lang="es-ES" sz="1200" u="none" strike="noStrike">
+                          <a:effectLst/>
+                        </a:rPr>
+                        <a:t>67</a:t>
+                      </a:r>
+                      <a:endParaRPr lang="es-ES" sz="1200" b="1" i="0" u="none" strike="noStrike">
+                        <a:solidFill>
+                          <a:srgbClr val="000000"/>
+                        </a:solidFill>
+                        <a:effectLst/>
+                        <a:latin typeface="Calibri" panose="020F0502020204030204" pitchFamily="34" charset="0"/>
+                      </a:endParaRPr>
+                    </a:p>
+                  </a:txBody>
+                  <a:tcPr marL="9525" marR="9525" marT="9525" marB="0" anchor="ctr"/>
+                </a:tc>
+                <a:extLst>
+                  <a:ext uri="{0D108BD9-81ED-4DB2-BD59-A6C34878D82A}">
+                    <a16:rowId xmlns:a16="http://schemas.microsoft.com/office/drawing/2014/main" val="3617716615"/>
+                  </a:ext>
+                </a:extLst>
+              </a:tr>
+              <a:tr h="558713">
+                <a:tc>
+                  <a:txBody>
+                    <a:bodyPr/>
+                    <a:lstStyle/>
+                    <a:p>
+                      <a:pPr algn="l" rtl="0" fontAlgn="ctr"/>
+                      <a:r>
+                        <a:rPr lang="es-ES" sz="1200" u="none" strike="noStrike">
+                          <a:effectLst/>
+                        </a:rPr>
+                        <a:t>KING USB DTSE9H/16GB</a:t>
+                      </a:r>
+                      <a:endParaRPr lang="es-ES" sz="1200" b="0" i="0" u="none" strike="noStrike">
+                        <a:solidFill>
+                          <a:srgbClr val="000000"/>
+                        </a:solidFill>
+                        <a:effectLst/>
+                        <a:latin typeface="Calibri" panose="020F0502020204030204" pitchFamily="34" charset="0"/>
+                      </a:endParaRPr>
+                    </a:p>
+                  </a:txBody>
+                  <a:tcPr marL="9525" marR="9525" marT="9525" marB="0" anchor="ctr"/>
+                </a:tc>
+                <a:tc>
+                  <a:txBody>
+                    <a:bodyPr/>
+                    <a:lstStyle/>
+                    <a:p>
+                      <a:pPr algn="r" rtl="0" fontAlgn="ctr"/>
+                      <a:r>
+                        <a:rPr lang="es-ES" sz="1200" u="none" strike="noStrike">
+                          <a:effectLst/>
+                        </a:rPr>
+                        <a:t>10</a:t>
+                      </a:r>
+                      <a:endParaRPr lang="es-ES" sz="1200" b="0" i="0" u="none" strike="noStrike">
+                        <a:solidFill>
+                          <a:srgbClr val="000000"/>
+                        </a:solidFill>
+                        <a:effectLst/>
+                        <a:latin typeface="Calibri" panose="020F0502020204030204" pitchFamily="34" charset="0"/>
+                      </a:endParaRPr>
+                    </a:p>
+                  </a:txBody>
+                  <a:tcPr marL="9525" marR="9525" marT="9525" marB="0" anchor="ctr"/>
+                </a:tc>
+                <a:tc>
+                  <a:txBody>
+                    <a:bodyPr/>
+                    <a:lstStyle/>
+                    <a:p>
+                      <a:pPr algn="r" rtl="0" fontAlgn="ctr"/>
+                      <a:r>
+                        <a:rPr lang="es-ES" sz="1200" u="none" strike="noStrike">
+                          <a:effectLst/>
+                        </a:rPr>
+                        <a:t>15</a:t>
+                      </a:r>
+                      <a:endParaRPr lang="es-ES" sz="1200" b="0" i="0" u="none" strike="noStrike">
+                        <a:solidFill>
+                          <a:srgbClr val="000000"/>
+                        </a:solidFill>
+                        <a:effectLst/>
+                        <a:latin typeface="Calibri" panose="020F0502020204030204" pitchFamily="34" charset="0"/>
+                      </a:endParaRPr>
+                    </a:p>
+                  </a:txBody>
+                  <a:tcPr marL="9525" marR="9525" marT="9525" marB="0" anchor="ctr"/>
+                </a:tc>
+                <a:tc>
+                  <a:txBody>
+                    <a:bodyPr/>
+                    <a:lstStyle/>
+                    <a:p>
+                      <a:pPr algn="r" rtl="0" fontAlgn="ctr"/>
+                      <a:r>
+                        <a:rPr lang="es-ES" sz="1200" u="none" strike="noStrike">
+                          <a:effectLst/>
+                        </a:rPr>
+                        <a:t>13</a:t>
+                      </a:r>
+                      <a:endParaRPr lang="es-ES" sz="1200" b="0" i="0" u="none" strike="noStrike">
+                        <a:solidFill>
+                          <a:srgbClr val="000000"/>
+                        </a:solidFill>
+                        <a:effectLst/>
+                        <a:latin typeface="Calibri" panose="020F0502020204030204" pitchFamily="34" charset="0"/>
+                      </a:endParaRPr>
+                    </a:p>
+                  </a:txBody>
+                  <a:tcPr marL="9525" marR="9525" marT="9525" marB="0" anchor="ctr"/>
+                </a:tc>
+                <a:tc>
+                  <a:txBody>
+                    <a:bodyPr/>
+                    <a:lstStyle/>
+                    <a:p>
+                      <a:pPr algn="r" rtl="0" fontAlgn="ctr"/>
+                      <a:r>
+                        <a:rPr lang="es-ES" sz="1200" u="none" strike="noStrike">
+                          <a:effectLst/>
+                        </a:rPr>
+                        <a:t>30</a:t>
+                      </a:r>
+                      <a:endParaRPr lang="es-ES" sz="1200" b="0" i="0" u="none" strike="noStrike">
+                        <a:solidFill>
+                          <a:srgbClr val="000000"/>
+                        </a:solidFill>
+                        <a:effectLst/>
+                        <a:latin typeface="Calibri" panose="020F0502020204030204" pitchFamily="34" charset="0"/>
+                      </a:endParaRPr>
+                    </a:p>
+                  </a:txBody>
+                  <a:tcPr marL="9525" marR="9525" marT="9525" marB="0" anchor="ctr"/>
+                </a:tc>
+                <a:tc>
+                  <a:txBody>
+                    <a:bodyPr/>
+                    <a:lstStyle/>
+                    <a:p>
+                      <a:pPr algn="r" rtl="0" fontAlgn="ctr"/>
+                      <a:r>
+                        <a:rPr lang="es-ES" sz="1200" u="none" strike="noStrike">
+                          <a:effectLst/>
+                        </a:rPr>
+                        <a:t>50</a:t>
+                      </a:r>
+                      <a:endParaRPr lang="es-ES" sz="1200" b="0" i="0" u="none" strike="noStrike">
+                        <a:solidFill>
+                          <a:srgbClr val="000000"/>
+                        </a:solidFill>
+                        <a:effectLst/>
+                        <a:latin typeface="Calibri" panose="020F0502020204030204" pitchFamily="34" charset="0"/>
+                      </a:endParaRPr>
+                    </a:p>
+                  </a:txBody>
+                  <a:tcPr marL="9525" marR="9525" marT="9525" marB="0" anchor="ctr"/>
+                </a:tc>
+                <a:tc>
+                  <a:txBody>
+                    <a:bodyPr/>
+                    <a:lstStyle/>
+                    <a:p>
+                      <a:pPr algn="r" rtl="0" fontAlgn="ctr"/>
+                      <a:r>
+                        <a:rPr lang="es-ES" sz="1200" u="none" strike="noStrike">
+                          <a:effectLst/>
+                        </a:rPr>
+                        <a:t>25</a:t>
+                      </a:r>
+                      <a:endParaRPr lang="es-ES" sz="1200" b="0" i="0" u="none" strike="noStrike">
+                        <a:solidFill>
+                          <a:srgbClr val="000000"/>
+                        </a:solidFill>
+                        <a:effectLst/>
+                        <a:latin typeface="Calibri" panose="020F0502020204030204" pitchFamily="34" charset="0"/>
+                      </a:endParaRPr>
+                    </a:p>
+                  </a:txBody>
+                  <a:tcPr marL="9525" marR="9525" marT="9525" marB="0" anchor="ctr"/>
+                </a:tc>
+                <a:tc>
+                  <a:txBody>
+                    <a:bodyPr/>
+                    <a:lstStyle/>
+                    <a:p>
+                      <a:pPr algn="r" rtl="0" fontAlgn="ctr"/>
+                      <a:r>
+                        <a:rPr lang="es-ES" sz="1200" u="none" strike="noStrike">
+                          <a:effectLst/>
+                        </a:rPr>
+                        <a:t>27</a:t>
+                      </a:r>
+                      <a:endParaRPr lang="es-ES" sz="1200" b="0" i="0" u="none" strike="noStrike">
+                        <a:solidFill>
+                          <a:srgbClr val="000000"/>
+                        </a:solidFill>
+                        <a:effectLst/>
+                        <a:latin typeface="Calibri" panose="020F0502020204030204" pitchFamily="34" charset="0"/>
+                      </a:endParaRPr>
+                    </a:p>
+                  </a:txBody>
+                  <a:tcPr marL="9525" marR="9525" marT="9525" marB="0" anchor="ctr"/>
+                </a:tc>
+                <a:tc>
+                  <a:txBody>
+                    <a:bodyPr/>
+                    <a:lstStyle/>
+                    <a:p>
+                      <a:pPr algn="r" rtl="0" fontAlgn="ctr"/>
+                      <a:r>
+                        <a:rPr lang="es-ES" sz="1200" u="none" strike="noStrike">
+                          <a:effectLst/>
+                        </a:rPr>
+                        <a:t>26</a:t>
+                      </a:r>
+                      <a:endParaRPr lang="es-ES" sz="1200" b="0" i="0" u="none" strike="noStrike">
+                        <a:solidFill>
+                          <a:srgbClr val="000000"/>
+                        </a:solidFill>
+                        <a:effectLst/>
+                        <a:latin typeface="Calibri" panose="020F0502020204030204" pitchFamily="34" charset="0"/>
+                      </a:endParaRPr>
+                    </a:p>
+                  </a:txBody>
+                  <a:tcPr marL="9525" marR="9525" marT="9525" marB="0" anchor="ctr"/>
+                </a:tc>
+                <a:tc>
+                  <a:txBody>
+                    <a:bodyPr/>
+                    <a:lstStyle/>
+                    <a:p>
+                      <a:pPr algn="r" rtl="0" fontAlgn="ctr"/>
+                      <a:r>
+                        <a:rPr lang="es-ES" sz="1200" u="none" strike="noStrike">
+                          <a:effectLst/>
+                        </a:rPr>
+                        <a:t>40</a:t>
+                      </a:r>
+                      <a:endParaRPr lang="es-ES" sz="1200" b="0" i="0" u="none" strike="noStrike">
+                        <a:solidFill>
+                          <a:srgbClr val="000000"/>
+                        </a:solidFill>
+                        <a:effectLst/>
+                        <a:latin typeface="Calibri" panose="020F0502020204030204" pitchFamily="34" charset="0"/>
+                      </a:endParaRPr>
+                    </a:p>
+                  </a:txBody>
+                  <a:tcPr marL="9525" marR="9525" marT="9525" marB="0" anchor="ctr"/>
+                </a:tc>
+                <a:tc>
+                  <a:txBody>
+                    <a:bodyPr/>
+                    <a:lstStyle/>
+                    <a:p>
+                      <a:pPr algn="r" rtl="0" fontAlgn="ctr"/>
+                      <a:r>
+                        <a:rPr lang="es-ES" sz="1200" u="none" strike="noStrike">
+                          <a:effectLst/>
+                        </a:rPr>
+                        <a:t>35</a:t>
+                      </a:r>
+                      <a:endParaRPr lang="es-ES" sz="1200" b="0" i="0" u="none" strike="noStrike">
+                        <a:solidFill>
+                          <a:srgbClr val="000000"/>
+                        </a:solidFill>
+                        <a:effectLst/>
+                        <a:latin typeface="Calibri" panose="020F0502020204030204" pitchFamily="34" charset="0"/>
+                      </a:endParaRPr>
+                    </a:p>
+                  </a:txBody>
+                  <a:tcPr marL="9525" marR="9525" marT="9525" marB="0" anchor="ctr"/>
+                </a:tc>
+                <a:tc>
+                  <a:txBody>
+                    <a:bodyPr/>
+                    <a:lstStyle/>
+                    <a:p>
+                      <a:pPr algn="r" rtl="0" fontAlgn="ctr"/>
+                      <a:r>
+                        <a:rPr lang="es-ES" sz="1200" u="none" strike="noStrike">
+                          <a:effectLst/>
+                        </a:rPr>
+                        <a:t>21</a:t>
+                      </a:r>
+                      <a:endParaRPr lang="es-ES" sz="1200" b="0" i="0" u="none" strike="noStrike">
+                        <a:solidFill>
+                          <a:srgbClr val="000000"/>
+                        </a:solidFill>
+                        <a:effectLst/>
+                        <a:latin typeface="Calibri" panose="020F0502020204030204" pitchFamily="34" charset="0"/>
+                      </a:endParaRPr>
+                    </a:p>
+                  </a:txBody>
+                  <a:tcPr marL="9525" marR="9525" marT="9525" marB="0" anchor="ctr"/>
+                </a:tc>
+                <a:tc>
+                  <a:txBody>
+                    <a:bodyPr/>
+                    <a:lstStyle/>
+                    <a:p>
+                      <a:pPr algn="r" rtl="0" fontAlgn="ctr"/>
+                      <a:r>
+                        <a:rPr lang="es-ES" sz="1200" u="none" strike="noStrike">
+                          <a:effectLst/>
+                        </a:rPr>
+                        <a:t>17</a:t>
+                      </a:r>
+                      <a:endParaRPr lang="es-ES" sz="1200" b="0" i="0" u="none" strike="noStrike">
+                        <a:solidFill>
+                          <a:srgbClr val="000000"/>
+                        </a:solidFill>
+                        <a:effectLst/>
+                        <a:latin typeface="Calibri" panose="020F0502020204030204" pitchFamily="34" charset="0"/>
+                      </a:endParaRPr>
+                    </a:p>
+                  </a:txBody>
+                  <a:tcPr marL="9525" marR="9525" marT="9525" marB="0" anchor="ctr"/>
+                </a:tc>
+                <a:tc>
+                  <a:txBody>
+                    <a:bodyPr/>
+                    <a:lstStyle/>
+                    <a:p>
+                      <a:pPr algn="r" rtl="0" fontAlgn="ctr"/>
+                      <a:r>
+                        <a:rPr lang="es-ES" sz="1200" u="none" strike="noStrike">
+                          <a:effectLst/>
+                        </a:rPr>
+                        <a:t>309</a:t>
+                      </a:r>
+                      <a:endParaRPr lang="es-ES" sz="1200" b="1" i="0" u="none" strike="noStrike">
+                        <a:solidFill>
+                          <a:srgbClr val="000000"/>
+                        </a:solidFill>
+                        <a:effectLst/>
+                        <a:latin typeface="Calibri" panose="020F0502020204030204" pitchFamily="34" charset="0"/>
+                      </a:endParaRPr>
+                    </a:p>
+                  </a:txBody>
+                  <a:tcPr marL="9525" marR="9525" marT="9525" marB="0" anchor="ctr"/>
+                </a:tc>
+                <a:extLst>
+                  <a:ext uri="{0D108BD9-81ED-4DB2-BD59-A6C34878D82A}">
+                    <a16:rowId xmlns:a16="http://schemas.microsoft.com/office/drawing/2014/main" val="185653194"/>
+                  </a:ext>
+                </a:extLst>
+              </a:tr>
+              <a:tr h="558713">
+                <a:tc>
+                  <a:txBody>
+                    <a:bodyPr/>
+                    <a:lstStyle/>
+                    <a:p>
+                      <a:pPr algn="l" rtl="0" fontAlgn="ctr"/>
+                      <a:r>
+                        <a:rPr lang="es-ES" sz="1200" u="none" strike="noStrike">
+                          <a:effectLst/>
+                        </a:rPr>
+                        <a:t>HEADSET TEROS S82 1.8MT</a:t>
+                      </a:r>
+                      <a:endParaRPr lang="es-ES" sz="1200" b="0" i="0" u="none" strike="noStrike">
+                        <a:solidFill>
+                          <a:srgbClr val="000000"/>
+                        </a:solidFill>
+                        <a:effectLst/>
+                        <a:latin typeface="Calibri" panose="020F0502020204030204" pitchFamily="34" charset="0"/>
+                      </a:endParaRPr>
+                    </a:p>
+                  </a:txBody>
+                  <a:tcPr marL="9525" marR="9525" marT="9525" marB="0" anchor="ctr"/>
+                </a:tc>
+                <a:tc>
+                  <a:txBody>
+                    <a:bodyPr/>
+                    <a:lstStyle/>
+                    <a:p>
+                      <a:pPr algn="r" rtl="0" fontAlgn="ctr"/>
+                      <a:r>
+                        <a:rPr lang="es-ES" sz="1200" u="none" strike="noStrike">
+                          <a:effectLst/>
+                        </a:rPr>
+                        <a:t>2</a:t>
+                      </a:r>
+                      <a:endParaRPr lang="es-ES" sz="1200" b="0" i="0" u="none" strike="noStrike">
+                        <a:solidFill>
+                          <a:srgbClr val="000000"/>
+                        </a:solidFill>
+                        <a:effectLst/>
+                        <a:latin typeface="Calibri" panose="020F0502020204030204" pitchFamily="34" charset="0"/>
+                      </a:endParaRPr>
+                    </a:p>
+                  </a:txBody>
+                  <a:tcPr marL="9525" marR="9525" marT="9525" marB="0" anchor="ctr"/>
+                </a:tc>
+                <a:tc>
+                  <a:txBody>
+                    <a:bodyPr/>
+                    <a:lstStyle/>
+                    <a:p>
+                      <a:pPr algn="r" rtl="0" fontAlgn="ctr"/>
+                      <a:r>
+                        <a:rPr lang="es-ES" sz="1200" u="none" strike="noStrike">
+                          <a:effectLst/>
+                        </a:rPr>
+                        <a:t>5</a:t>
+                      </a:r>
+                      <a:endParaRPr lang="es-ES" sz="1200" b="0" i="0" u="none" strike="noStrike">
+                        <a:solidFill>
+                          <a:srgbClr val="000000"/>
+                        </a:solidFill>
+                        <a:effectLst/>
+                        <a:latin typeface="Calibri" panose="020F0502020204030204" pitchFamily="34" charset="0"/>
+                      </a:endParaRPr>
+                    </a:p>
+                  </a:txBody>
+                  <a:tcPr marL="9525" marR="9525" marT="9525" marB="0" anchor="ctr"/>
+                </a:tc>
+                <a:tc>
+                  <a:txBody>
+                    <a:bodyPr/>
+                    <a:lstStyle/>
+                    <a:p>
+                      <a:pPr algn="r" rtl="0" fontAlgn="ctr"/>
+                      <a:r>
+                        <a:rPr lang="es-ES" sz="1200" u="none" strike="noStrike">
+                          <a:effectLst/>
+                        </a:rPr>
+                        <a:t>11</a:t>
+                      </a:r>
+                      <a:endParaRPr lang="es-ES" sz="1200" b="0" i="0" u="none" strike="noStrike">
+                        <a:solidFill>
+                          <a:srgbClr val="000000"/>
+                        </a:solidFill>
+                        <a:effectLst/>
+                        <a:latin typeface="Calibri" panose="020F0502020204030204" pitchFamily="34" charset="0"/>
+                      </a:endParaRPr>
+                    </a:p>
+                  </a:txBody>
+                  <a:tcPr marL="9525" marR="9525" marT="9525" marB="0" anchor="ctr"/>
+                </a:tc>
+                <a:tc>
+                  <a:txBody>
+                    <a:bodyPr/>
+                    <a:lstStyle/>
+                    <a:p>
+                      <a:pPr algn="r" rtl="0" fontAlgn="ctr"/>
+                      <a:r>
+                        <a:rPr lang="es-ES" sz="1200" u="none" strike="noStrike">
+                          <a:effectLst/>
+                        </a:rPr>
+                        <a:t>9</a:t>
+                      </a:r>
+                      <a:endParaRPr lang="es-ES" sz="1200" b="0" i="0" u="none" strike="noStrike">
+                        <a:solidFill>
+                          <a:srgbClr val="000000"/>
+                        </a:solidFill>
+                        <a:effectLst/>
+                        <a:latin typeface="Calibri" panose="020F0502020204030204" pitchFamily="34" charset="0"/>
+                      </a:endParaRPr>
+                    </a:p>
+                  </a:txBody>
+                  <a:tcPr marL="9525" marR="9525" marT="9525" marB="0" anchor="ctr"/>
+                </a:tc>
+                <a:tc>
+                  <a:txBody>
+                    <a:bodyPr/>
+                    <a:lstStyle/>
+                    <a:p>
+                      <a:pPr algn="r" rtl="0" fontAlgn="ctr"/>
+                      <a:r>
+                        <a:rPr lang="es-ES" sz="1200" u="none" strike="noStrike">
+                          <a:effectLst/>
+                        </a:rPr>
+                        <a:t>12</a:t>
+                      </a:r>
+                      <a:endParaRPr lang="es-ES" sz="1200" b="0" i="0" u="none" strike="noStrike">
+                        <a:solidFill>
+                          <a:srgbClr val="000000"/>
+                        </a:solidFill>
+                        <a:effectLst/>
+                        <a:latin typeface="Calibri" panose="020F0502020204030204" pitchFamily="34" charset="0"/>
+                      </a:endParaRPr>
+                    </a:p>
+                  </a:txBody>
+                  <a:tcPr marL="9525" marR="9525" marT="9525" marB="0" anchor="ctr"/>
+                </a:tc>
+                <a:tc>
+                  <a:txBody>
+                    <a:bodyPr/>
+                    <a:lstStyle/>
+                    <a:p>
+                      <a:pPr algn="r" rtl="0" fontAlgn="ctr"/>
+                      <a:r>
+                        <a:rPr lang="es-ES" sz="1200" u="none" strike="noStrike">
+                          <a:effectLst/>
+                        </a:rPr>
+                        <a:t>8</a:t>
+                      </a:r>
+                      <a:endParaRPr lang="es-ES" sz="1200" b="0" i="0" u="none" strike="noStrike">
+                        <a:solidFill>
+                          <a:srgbClr val="000000"/>
+                        </a:solidFill>
+                        <a:effectLst/>
+                        <a:latin typeface="Calibri" panose="020F0502020204030204" pitchFamily="34" charset="0"/>
+                      </a:endParaRPr>
+                    </a:p>
+                  </a:txBody>
+                  <a:tcPr marL="9525" marR="9525" marT="9525" marB="0" anchor="ctr"/>
+                </a:tc>
+                <a:tc>
+                  <a:txBody>
+                    <a:bodyPr/>
+                    <a:lstStyle/>
+                    <a:p>
+                      <a:pPr algn="r" rtl="0" fontAlgn="ctr"/>
+                      <a:r>
+                        <a:rPr lang="es-ES" sz="1200" u="none" strike="noStrike">
+                          <a:effectLst/>
+                        </a:rPr>
+                        <a:t>11</a:t>
+                      </a:r>
+                      <a:endParaRPr lang="es-ES" sz="1200" b="0" i="0" u="none" strike="noStrike">
+                        <a:solidFill>
+                          <a:srgbClr val="000000"/>
+                        </a:solidFill>
+                        <a:effectLst/>
+                        <a:latin typeface="Calibri" panose="020F0502020204030204" pitchFamily="34" charset="0"/>
+                      </a:endParaRPr>
+                    </a:p>
+                  </a:txBody>
+                  <a:tcPr marL="9525" marR="9525" marT="9525" marB="0" anchor="ctr"/>
+                </a:tc>
+                <a:tc>
+                  <a:txBody>
+                    <a:bodyPr/>
+                    <a:lstStyle/>
+                    <a:p>
+                      <a:pPr algn="r" rtl="0" fontAlgn="ctr"/>
+                      <a:r>
+                        <a:rPr lang="es-ES" sz="1200" u="none" strike="noStrike">
+                          <a:effectLst/>
+                        </a:rPr>
+                        <a:t>14</a:t>
+                      </a:r>
+                      <a:endParaRPr lang="es-ES" sz="1200" b="0" i="0" u="none" strike="noStrike">
+                        <a:solidFill>
+                          <a:srgbClr val="000000"/>
+                        </a:solidFill>
+                        <a:effectLst/>
+                        <a:latin typeface="Calibri" panose="020F0502020204030204" pitchFamily="34" charset="0"/>
+                      </a:endParaRPr>
+                    </a:p>
+                  </a:txBody>
+                  <a:tcPr marL="9525" marR="9525" marT="9525" marB="0" anchor="ctr"/>
+                </a:tc>
+                <a:tc>
+                  <a:txBody>
+                    <a:bodyPr/>
+                    <a:lstStyle/>
+                    <a:p>
+                      <a:pPr algn="r" rtl="0" fontAlgn="ctr"/>
+                      <a:r>
+                        <a:rPr lang="es-ES" sz="1200" u="none" strike="noStrike">
+                          <a:effectLst/>
+                        </a:rPr>
+                        <a:t>15</a:t>
+                      </a:r>
+                      <a:endParaRPr lang="es-ES" sz="1200" b="0" i="0" u="none" strike="noStrike">
+                        <a:solidFill>
+                          <a:srgbClr val="000000"/>
+                        </a:solidFill>
+                        <a:effectLst/>
+                        <a:latin typeface="Calibri" panose="020F0502020204030204" pitchFamily="34" charset="0"/>
+                      </a:endParaRPr>
+                    </a:p>
+                  </a:txBody>
+                  <a:tcPr marL="9525" marR="9525" marT="9525" marB="0" anchor="ctr"/>
+                </a:tc>
+                <a:tc>
+                  <a:txBody>
+                    <a:bodyPr/>
+                    <a:lstStyle/>
+                    <a:p>
+                      <a:pPr algn="r" rtl="0" fontAlgn="ctr"/>
+                      <a:r>
+                        <a:rPr lang="es-ES" sz="1200" u="none" strike="noStrike">
+                          <a:effectLst/>
+                        </a:rPr>
+                        <a:t>13</a:t>
+                      </a:r>
+                      <a:endParaRPr lang="es-ES" sz="1200" b="0" i="0" u="none" strike="noStrike">
+                        <a:solidFill>
+                          <a:srgbClr val="000000"/>
+                        </a:solidFill>
+                        <a:effectLst/>
+                        <a:latin typeface="Calibri" panose="020F0502020204030204" pitchFamily="34" charset="0"/>
+                      </a:endParaRPr>
+                    </a:p>
+                  </a:txBody>
+                  <a:tcPr marL="9525" marR="9525" marT="9525" marB="0" anchor="ctr"/>
+                </a:tc>
+                <a:tc>
+                  <a:txBody>
+                    <a:bodyPr/>
+                    <a:lstStyle/>
+                    <a:p>
+                      <a:pPr algn="r" rtl="0" fontAlgn="ctr"/>
+                      <a:r>
+                        <a:rPr lang="es-ES" sz="1200" u="none" strike="noStrike">
+                          <a:effectLst/>
+                        </a:rPr>
+                        <a:t>15</a:t>
+                      </a:r>
+                      <a:endParaRPr lang="es-ES" sz="1200" b="0" i="0" u="none" strike="noStrike">
+                        <a:solidFill>
+                          <a:srgbClr val="000000"/>
+                        </a:solidFill>
+                        <a:effectLst/>
+                        <a:latin typeface="Calibri" panose="020F0502020204030204" pitchFamily="34" charset="0"/>
+                      </a:endParaRPr>
+                    </a:p>
+                  </a:txBody>
+                  <a:tcPr marL="9525" marR="9525" marT="9525" marB="0" anchor="ctr"/>
+                </a:tc>
+                <a:tc>
+                  <a:txBody>
+                    <a:bodyPr/>
+                    <a:lstStyle/>
+                    <a:p>
+                      <a:pPr algn="r" rtl="0" fontAlgn="ctr"/>
+                      <a:r>
+                        <a:rPr lang="es-ES" sz="1200" u="none" strike="noStrike">
+                          <a:effectLst/>
+                        </a:rPr>
+                        <a:t>12</a:t>
+                      </a:r>
+                      <a:endParaRPr lang="es-ES" sz="1200" b="0" i="0" u="none" strike="noStrike">
+                        <a:solidFill>
+                          <a:srgbClr val="000000"/>
+                        </a:solidFill>
+                        <a:effectLst/>
+                        <a:latin typeface="Calibri" panose="020F0502020204030204" pitchFamily="34" charset="0"/>
+                      </a:endParaRPr>
+                    </a:p>
+                  </a:txBody>
+                  <a:tcPr marL="9525" marR="9525" marT="9525" marB="0" anchor="ctr"/>
+                </a:tc>
+                <a:tc>
+                  <a:txBody>
+                    <a:bodyPr/>
+                    <a:lstStyle/>
+                    <a:p>
+                      <a:pPr algn="r" rtl="0" fontAlgn="ctr"/>
+                      <a:r>
+                        <a:rPr lang="es-ES" sz="1200" u="none" strike="noStrike">
+                          <a:effectLst/>
+                        </a:rPr>
+                        <a:t>127</a:t>
+                      </a:r>
+                      <a:endParaRPr lang="es-ES" sz="1200" b="1" i="0" u="none" strike="noStrike">
+                        <a:solidFill>
+                          <a:srgbClr val="000000"/>
+                        </a:solidFill>
+                        <a:effectLst/>
+                        <a:latin typeface="Calibri" panose="020F0502020204030204" pitchFamily="34" charset="0"/>
+                      </a:endParaRPr>
+                    </a:p>
+                  </a:txBody>
+                  <a:tcPr marL="9525" marR="9525" marT="9525" marB="0" anchor="ctr"/>
+                </a:tc>
+                <a:extLst>
+                  <a:ext uri="{0D108BD9-81ED-4DB2-BD59-A6C34878D82A}">
+                    <a16:rowId xmlns:a16="http://schemas.microsoft.com/office/drawing/2014/main" val="4125382073"/>
+                  </a:ext>
+                </a:extLst>
+              </a:tr>
+              <a:tr h="558713">
+                <a:tc>
+                  <a:txBody>
+                    <a:bodyPr/>
+                    <a:lstStyle/>
+                    <a:p>
+                      <a:pPr algn="l" rtl="0" fontAlgn="ctr"/>
+                      <a:r>
+                        <a:rPr lang="pt-BR" sz="1200" u="none" strike="noStrike">
+                          <a:effectLst/>
+                        </a:rPr>
+                        <a:t>KB USB SP COMBO TEROS 3000</a:t>
+                      </a:r>
+                      <a:endParaRPr lang="pt-BR" sz="1200" b="0" i="0" u="none" strike="noStrike">
+                        <a:solidFill>
+                          <a:srgbClr val="000000"/>
+                        </a:solidFill>
+                        <a:effectLst/>
+                        <a:latin typeface="Calibri" panose="020F0502020204030204" pitchFamily="34" charset="0"/>
+                      </a:endParaRPr>
+                    </a:p>
+                  </a:txBody>
+                  <a:tcPr marL="9525" marR="9525" marT="9525" marB="0" anchor="ctr"/>
+                </a:tc>
+                <a:tc>
+                  <a:txBody>
+                    <a:bodyPr/>
+                    <a:lstStyle/>
+                    <a:p>
+                      <a:pPr algn="r" rtl="0" fontAlgn="ctr"/>
+                      <a:r>
+                        <a:rPr lang="es-ES" sz="1200" u="none" strike="noStrike">
+                          <a:effectLst/>
+                        </a:rPr>
+                        <a:t>5</a:t>
+                      </a:r>
+                      <a:endParaRPr lang="es-ES" sz="1200" b="0" i="0" u="none" strike="noStrike">
+                        <a:solidFill>
+                          <a:srgbClr val="000000"/>
+                        </a:solidFill>
+                        <a:effectLst/>
+                        <a:latin typeface="Calibri" panose="020F0502020204030204" pitchFamily="34" charset="0"/>
+                      </a:endParaRPr>
+                    </a:p>
+                  </a:txBody>
+                  <a:tcPr marL="9525" marR="9525" marT="9525" marB="0" anchor="ctr"/>
+                </a:tc>
+                <a:tc>
+                  <a:txBody>
+                    <a:bodyPr/>
+                    <a:lstStyle/>
+                    <a:p>
+                      <a:pPr algn="r" rtl="0" fontAlgn="ctr"/>
+                      <a:r>
+                        <a:rPr lang="es-ES" sz="1200" u="none" strike="noStrike">
+                          <a:effectLst/>
+                        </a:rPr>
+                        <a:t>4</a:t>
+                      </a:r>
+                      <a:endParaRPr lang="es-ES" sz="1200" b="0" i="0" u="none" strike="noStrike">
+                        <a:solidFill>
+                          <a:srgbClr val="000000"/>
+                        </a:solidFill>
+                        <a:effectLst/>
+                        <a:latin typeface="Calibri" panose="020F0502020204030204" pitchFamily="34" charset="0"/>
+                      </a:endParaRPr>
+                    </a:p>
+                  </a:txBody>
+                  <a:tcPr marL="9525" marR="9525" marT="9525" marB="0" anchor="ctr"/>
+                </a:tc>
+                <a:tc>
+                  <a:txBody>
+                    <a:bodyPr/>
+                    <a:lstStyle/>
+                    <a:p>
+                      <a:pPr algn="r" rtl="0" fontAlgn="ctr"/>
+                      <a:r>
+                        <a:rPr lang="es-ES" sz="1200" u="none" strike="noStrike">
+                          <a:effectLst/>
+                        </a:rPr>
+                        <a:t>7</a:t>
+                      </a:r>
+                      <a:endParaRPr lang="es-ES" sz="1200" b="0" i="0" u="none" strike="noStrike">
+                        <a:solidFill>
+                          <a:srgbClr val="000000"/>
+                        </a:solidFill>
+                        <a:effectLst/>
+                        <a:latin typeface="Calibri" panose="020F0502020204030204" pitchFamily="34" charset="0"/>
+                      </a:endParaRPr>
+                    </a:p>
+                  </a:txBody>
+                  <a:tcPr marL="9525" marR="9525" marT="9525" marB="0" anchor="ctr"/>
+                </a:tc>
+                <a:tc>
+                  <a:txBody>
+                    <a:bodyPr/>
+                    <a:lstStyle/>
+                    <a:p>
+                      <a:pPr algn="r" rtl="0" fontAlgn="ctr"/>
+                      <a:r>
+                        <a:rPr lang="es-ES" sz="1200" u="none" strike="noStrike">
+                          <a:effectLst/>
+                        </a:rPr>
+                        <a:t>10</a:t>
+                      </a:r>
+                      <a:endParaRPr lang="es-ES" sz="1200" b="0" i="0" u="none" strike="noStrike">
+                        <a:solidFill>
+                          <a:srgbClr val="000000"/>
+                        </a:solidFill>
+                        <a:effectLst/>
+                        <a:latin typeface="Calibri" panose="020F0502020204030204" pitchFamily="34" charset="0"/>
+                      </a:endParaRPr>
+                    </a:p>
+                  </a:txBody>
+                  <a:tcPr marL="9525" marR="9525" marT="9525" marB="0" anchor="ctr"/>
+                </a:tc>
+                <a:tc>
+                  <a:txBody>
+                    <a:bodyPr/>
+                    <a:lstStyle/>
+                    <a:p>
+                      <a:pPr algn="r" rtl="0" fontAlgn="ctr"/>
+                      <a:r>
+                        <a:rPr lang="es-ES" sz="1200" u="none" strike="noStrike">
+                          <a:effectLst/>
+                        </a:rPr>
+                        <a:t>5</a:t>
+                      </a:r>
+                      <a:endParaRPr lang="es-ES" sz="1200" b="0" i="0" u="none" strike="noStrike">
+                        <a:solidFill>
+                          <a:srgbClr val="000000"/>
+                        </a:solidFill>
+                        <a:effectLst/>
+                        <a:latin typeface="Calibri" panose="020F0502020204030204" pitchFamily="34" charset="0"/>
+                      </a:endParaRPr>
+                    </a:p>
+                  </a:txBody>
+                  <a:tcPr marL="9525" marR="9525" marT="9525" marB="0" anchor="ctr"/>
+                </a:tc>
+                <a:tc>
+                  <a:txBody>
+                    <a:bodyPr/>
+                    <a:lstStyle/>
+                    <a:p>
+                      <a:pPr algn="r" rtl="0" fontAlgn="ctr"/>
+                      <a:r>
+                        <a:rPr lang="es-ES" sz="1200" u="none" strike="noStrike">
+                          <a:effectLst/>
+                        </a:rPr>
+                        <a:t>6</a:t>
+                      </a:r>
+                      <a:endParaRPr lang="es-ES" sz="1200" b="0" i="0" u="none" strike="noStrike">
+                        <a:solidFill>
+                          <a:srgbClr val="000000"/>
+                        </a:solidFill>
+                        <a:effectLst/>
+                        <a:latin typeface="Calibri" panose="020F0502020204030204" pitchFamily="34" charset="0"/>
+                      </a:endParaRPr>
+                    </a:p>
+                  </a:txBody>
+                  <a:tcPr marL="9525" marR="9525" marT="9525" marB="0" anchor="ctr"/>
+                </a:tc>
+                <a:tc>
+                  <a:txBody>
+                    <a:bodyPr/>
+                    <a:lstStyle/>
+                    <a:p>
+                      <a:pPr algn="r" rtl="0" fontAlgn="ctr"/>
+                      <a:r>
+                        <a:rPr lang="es-ES" sz="1200" u="none" strike="noStrike">
+                          <a:effectLst/>
+                        </a:rPr>
+                        <a:t>8</a:t>
+                      </a:r>
+                      <a:endParaRPr lang="es-ES" sz="1200" b="0" i="0" u="none" strike="noStrike">
+                        <a:solidFill>
+                          <a:srgbClr val="000000"/>
+                        </a:solidFill>
+                        <a:effectLst/>
+                        <a:latin typeface="Calibri" panose="020F0502020204030204" pitchFamily="34" charset="0"/>
+                      </a:endParaRPr>
+                    </a:p>
+                  </a:txBody>
+                  <a:tcPr marL="9525" marR="9525" marT="9525" marB="0" anchor="ctr"/>
+                </a:tc>
+                <a:tc>
+                  <a:txBody>
+                    <a:bodyPr/>
+                    <a:lstStyle/>
+                    <a:p>
+                      <a:pPr algn="r" rtl="0" fontAlgn="ctr"/>
+                      <a:r>
+                        <a:rPr lang="es-ES" sz="1200" u="none" strike="noStrike">
+                          <a:effectLst/>
+                        </a:rPr>
+                        <a:t>25</a:t>
+                      </a:r>
+                      <a:endParaRPr lang="es-ES" sz="1200" b="0" i="0" u="none" strike="noStrike">
+                        <a:solidFill>
+                          <a:srgbClr val="000000"/>
+                        </a:solidFill>
+                        <a:effectLst/>
+                        <a:latin typeface="Calibri" panose="020F0502020204030204" pitchFamily="34" charset="0"/>
+                      </a:endParaRPr>
+                    </a:p>
+                  </a:txBody>
+                  <a:tcPr marL="9525" marR="9525" marT="9525" marB="0" anchor="ctr"/>
+                </a:tc>
+                <a:tc>
+                  <a:txBody>
+                    <a:bodyPr/>
+                    <a:lstStyle/>
+                    <a:p>
+                      <a:pPr algn="r" rtl="0" fontAlgn="ctr"/>
+                      <a:r>
+                        <a:rPr lang="es-ES" sz="1200" u="none" strike="noStrike">
+                          <a:effectLst/>
+                        </a:rPr>
+                        <a:t>56</a:t>
+                      </a:r>
+                      <a:endParaRPr lang="es-ES" sz="1200" b="0" i="0" u="none" strike="noStrike">
+                        <a:solidFill>
+                          <a:srgbClr val="000000"/>
+                        </a:solidFill>
+                        <a:effectLst/>
+                        <a:latin typeface="Calibri" panose="020F0502020204030204" pitchFamily="34" charset="0"/>
+                      </a:endParaRPr>
+                    </a:p>
+                  </a:txBody>
+                  <a:tcPr marL="9525" marR="9525" marT="9525" marB="0" anchor="ctr"/>
+                </a:tc>
+                <a:tc>
+                  <a:txBody>
+                    <a:bodyPr/>
+                    <a:lstStyle/>
+                    <a:p>
+                      <a:pPr algn="r" rtl="0" fontAlgn="ctr"/>
+                      <a:r>
+                        <a:rPr lang="es-ES" sz="1200" u="none" strike="noStrike">
+                          <a:effectLst/>
+                        </a:rPr>
+                        <a:t>41</a:t>
+                      </a:r>
+                      <a:endParaRPr lang="es-ES" sz="1200" b="0" i="0" u="none" strike="noStrike">
+                        <a:solidFill>
+                          <a:srgbClr val="000000"/>
+                        </a:solidFill>
+                        <a:effectLst/>
+                        <a:latin typeface="Calibri" panose="020F0502020204030204" pitchFamily="34" charset="0"/>
+                      </a:endParaRPr>
+                    </a:p>
+                  </a:txBody>
+                  <a:tcPr marL="9525" marR="9525" marT="9525" marB="0" anchor="ctr"/>
+                </a:tc>
+                <a:tc>
+                  <a:txBody>
+                    <a:bodyPr/>
+                    <a:lstStyle/>
+                    <a:p>
+                      <a:pPr algn="r" rtl="0" fontAlgn="ctr"/>
+                      <a:r>
+                        <a:rPr lang="es-ES" sz="1200" u="none" strike="noStrike">
+                          <a:effectLst/>
+                        </a:rPr>
+                        <a:t>19</a:t>
+                      </a:r>
+                      <a:endParaRPr lang="es-ES" sz="1200" b="0" i="0" u="none" strike="noStrike">
+                        <a:solidFill>
+                          <a:srgbClr val="000000"/>
+                        </a:solidFill>
+                        <a:effectLst/>
+                        <a:latin typeface="Calibri" panose="020F0502020204030204" pitchFamily="34" charset="0"/>
+                      </a:endParaRPr>
+                    </a:p>
+                  </a:txBody>
+                  <a:tcPr marL="9525" marR="9525" marT="9525" marB="0" anchor="ctr"/>
+                </a:tc>
+                <a:tc>
+                  <a:txBody>
+                    <a:bodyPr/>
+                    <a:lstStyle/>
+                    <a:p>
+                      <a:pPr algn="r" rtl="0" fontAlgn="ctr"/>
+                      <a:r>
+                        <a:rPr lang="es-ES" sz="1200" u="none" strike="noStrike">
+                          <a:effectLst/>
+                        </a:rPr>
+                        <a:t>21</a:t>
+                      </a:r>
+                      <a:endParaRPr lang="es-ES" sz="1200" b="0" i="0" u="none" strike="noStrike">
+                        <a:solidFill>
+                          <a:srgbClr val="000000"/>
+                        </a:solidFill>
+                        <a:effectLst/>
+                        <a:latin typeface="Calibri" panose="020F0502020204030204" pitchFamily="34" charset="0"/>
+                      </a:endParaRPr>
+                    </a:p>
+                  </a:txBody>
+                  <a:tcPr marL="9525" marR="9525" marT="9525" marB="0" anchor="ctr"/>
+                </a:tc>
+                <a:tc>
+                  <a:txBody>
+                    <a:bodyPr/>
+                    <a:lstStyle/>
+                    <a:p>
+                      <a:pPr algn="r" rtl="0" fontAlgn="ctr"/>
+                      <a:r>
+                        <a:rPr lang="es-ES" sz="1200" u="none" strike="noStrike" dirty="0">
+                          <a:effectLst/>
+                        </a:rPr>
+                        <a:t>207</a:t>
+                      </a:r>
+                      <a:endParaRPr lang="es-ES" sz="1200" b="1" i="0" u="none" strike="noStrike" dirty="0">
+                        <a:solidFill>
+                          <a:srgbClr val="000000"/>
+                        </a:solidFill>
+                        <a:effectLst/>
+                        <a:latin typeface="Calibri" panose="020F0502020204030204" pitchFamily="34" charset="0"/>
+                      </a:endParaRPr>
+                    </a:p>
+                  </a:txBody>
+                  <a:tcPr marL="9525" marR="9525" marT="9525" marB="0" anchor="ctr"/>
+                </a:tc>
+                <a:extLst>
+                  <a:ext uri="{0D108BD9-81ED-4DB2-BD59-A6C34878D82A}">
+                    <a16:rowId xmlns:a16="http://schemas.microsoft.com/office/drawing/2014/main" val="3003013179"/>
+                  </a:ext>
+                </a:extLst>
+              </a:tr>
+            </a:tbl>
+          </a:graphicData>
+        </a:graphic>
+      </p:graphicFrame>
+    </p:spTree>
+    <p:extLst>
+      <p:ext uri="{BB962C8B-B14F-4D97-AF65-F5344CB8AC3E}">
+        <p14:creationId xmlns:p14="http://schemas.microsoft.com/office/powerpoint/2010/main" val="1060474210"/>
+      </p:ext>
+    </p:extLst>
+  </p:cSld>
+  <p:clrMapOvr>
+    <a:masterClrMapping/>
+  </p:clrMapOvr>
+</p:sld>
+</file>
+
+<file path=ppt/slides/slide15.xml><?xml version="1.0" encoding="utf-8"?>
 <p:sld xmlns:a="http://schemas.openxmlformats.org/drawingml/2006/main" xmlns:r="http://schemas.openxmlformats.org/officeDocument/2006/relationships" xmlns:p="http://schemas.openxmlformats.org/presentationml/2006/main">
   <p:cSld>
     <p:spTree>
@@ -25023,82 +27293,7 @@
 </p:sld>
 </file>
 
-<file path=ppt/slides/slide11.xml><?xml version="1.0" encoding="utf-8"?>
-<p:sld xmlns:a="http://schemas.openxmlformats.org/drawingml/2006/main" xmlns:r="http://schemas.openxmlformats.org/officeDocument/2006/relationships" xmlns:p="http://schemas.openxmlformats.org/presentationml/2006/main">
-  <p:cSld>
-    <p:spTree>
-      <p:nvGrpSpPr>
-        <p:cNvPr id="1" name=""/>
-        <p:cNvGrpSpPr/>
-        <p:nvPr/>
-      </p:nvGrpSpPr>
-      <p:grpSpPr>
-        <a:xfrm>
-          <a:off x="0" y="0"/>
-          <a:ext cx="0" cy="0"/>
-          <a:chOff x="0" y="0"/>
-          <a:chExt cx="0" cy="0"/>
-        </a:xfrm>
-      </p:grpSpPr>
-      <p:sp>
-        <p:nvSpPr>
-          <p:cNvPr id="2" name="Título 1"/>
-          <p:cNvSpPr>
-            <a:spLocks noGrp="1"/>
-          </p:cNvSpPr>
-          <p:nvPr>
-            <p:ph type="title"/>
-          </p:nvPr>
-        </p:nvSpPr>
-        <p:spPr/>
-        <p:txBody>
-          <a:bodyPr/>
-          <a:lstStyle/>
-          <a:p>
-            <a:endParaRPr lang="es-ES"/>
-          </a:p>
-        </p:txBody>
-      </p:sp>
-      <p:sp>
-        <p:nvSpPr>
-          <p:cNvPr id="3" name="Marcador de contenido 2"/>
-          <p:cNvSpPr>
-            <a:spLocks noGrp="1"/>
-          </p:cNvSpPr>
-          <p:nvPr>
-            <p:ph idx="1"/>
-          </p:nvPr>
-        </p:nvSpPr>
-        <p:spPr/>
-        <p:txBody>
-          <a:bodyPr/>
-          <a:lstStyle/>
-          <a:p>
-            <a:endParaRPr lang="es-ES"/>
-          </a:p>
-        </p:txBody>
-      </p:sp>
-    </p:spTree>
-    <p:extLst>
-      <p:ext uri="{BB962C8B-B14F-4D97-AF65-F5344CB8AC3E}">
-        <p14:creationId xmlns:p14="http://schemas.microsoft.com/office/powerpoint/2010/main" val="403849574"/>
-      </p:ext>
-    </p:extLst>
-  </p:cSld>
-  <p:clrMapOvr>
-    <a:masterClrMapping/>
-  </p:clrMapOvr>
-  <p:timing>
-    <p:tnLst>
-      <p:par>
-        <p:cTn id="1" dur="indefinite" restart="never" nodeType="tmRoot"/>
-      </p:par>
-    </p:tnLst>
-  </p:timing>
-</p:sld>
-</file>
-
-<file path=ppt/slides/slide12.xml><?xml version="1.0" encoding="utf-8"?>
+<file path=ppt/slides/slide16.xml><?xml version="1.0" encoding="utf-8"?>
 <p:sld xmlns:a="http://schemas.openxmlformats.org/drawingml/2006/main" xmlns:r="http://schemas.openxmlformats.org/officeDocument/2006/relationships" xmlns:p="http://schemas.openxmlformats.org/presentationml/2006/main">
   <p:cSld>
     <p:spTree>
@@ -25593,7 +27788,7 @@
 </p:sld>
 </file>
 
-<file path=ppt/slides/slide13.xml><?xml version="1.0" encoding="utf-8"?>
+<file path=ppt/slides/slide17.xml><?xml version="1.0" encoding="utf-8"?>
 <p:sld xmlns:a="http://schemas.openxmlformats.org/drawingml/2006/main" xmlns:r="http://schemas.openxmlformats.org/officeDocument/2006/relationships" xmlns:p="http://schemas.openxmlformats.org/presentationml/2006/main">
   <p:cSld>
     <p:spTree>
@@ -25780,6 +27975,39 @@
           </a:p>
         </p:txBody>
       </p:sp>
+      <p:pic>
+        <p:nvPicPr>
+          <p:cNvPr id="9" name="Imagen 8" descr="Resultado de imagen para PLAN DE NEGOCIO"/>
+          <p:cNvPicPr/>
+          <p:nvPr/>
+        </p:nvPicPr>
+        <p:blipFill>
+          <a:blip r:embed="rId2">
+            <a:extLst>
+              <a:ext uri="{28A0092B-C50C-407E-A947-70E740481C1C}">
+                <a14:useLocalDpi xmlns:a14="http://schemas.microsoft.com/office/drawing/2010/main" val="0"/>
+              </a:ext>
+            </a:extLst>
+          </a:blip>
+          <a:srcRect/>
+          <a:stretch>
+            <a:fillRect/>
+          </a:stretch>
+        </p:blipFill>
+        <p:spPr bwMode="auto">
+          <a:xfrm>
+            <a:off x="1024128" y="585216"/>
+            <a:ext cx="9720072" cy="3246951"/>
+          </a:xfrm>
+          <a:prstGeom prst="rect">
+            <a:avLst/>
+          </a:prstGeom>
+          <a:noFill/>
+          <a:ln>
+            <a:noFill/>
+          </a:ln>
+        </p:spPr>
+      </p:pic>
     </p:spTree>
     <p:extLst>
       <p:ext uri="{BB962C8B-B14F-4D97-AF65-F5344CB8AC3E}">
@@ -25790,6 +28018,13 @@
   <p:clrMapOvr>
     <a:masterClrMapping/>
   </p:clrMapOvr>
+  <p:timing>
+    <p:tnLst>
+      <p:par>
+        <p:cTn id="1" dur="indefinite" restart="never" nodeType="tmRoot"/>
+      </p:par>
+    </p:tnLst>
+  </p:timing>
 </p:sld>
 </file>
 
@@ -25812,7 +28047,26 @@
       </p:grpSpPr>
       <p:sp>
         <p:nvSpPr>
-          <p:cNvPr id="8" name="Marcador de contenido 7"/>
+          <p:cNvPr id="2" name="Marcador de contenido 1"/>
+          <p:cNvSpPr>
+            <a:spLocks noGrp="1"/>
+          </p:cNvSpPr>
+          <p:nvPr>
+            <p:ph sz="half" idx="2"/>
+          </p:nvPr>
+        </p:nvSpPr>
+        <p:spPr/>
+        <p:txBody>
+          <a:bodyPr/>
+          <a:lstStyle/>
+          <a:p>
+            <a:endParaRPr lang="es-ES"/>
+          </a:p>
+        </p:txBody>
+      </p:sp>
+      <p:sp>
+        <p:nvSpPr>
+          <p:cNvPr id="4" name="Marcador de contenido 3"/>
           <p:cNvSpPr>
             <a:spLocks noGrp="1"/>
           </p:cNvSpPr>
@@ -25822,250 +28076,45 @@
         </p:nvSpPr>
         <p:spPr/>
         <p:txBody>
-          <a:bodyPr>
-            <a:noAutofit/>
-          </a:bodyPr>
+          <a:bodyPr/>
           <a:lstStyle/>
           <a:p>
-            <a:r>
-              <a:rPr lang="es-ES" sz="1400" dirty="0"/>
-              <a:t>1.	GENERALIDADES DEL PLAN DE </a:t>
-            </a:r>
-            <a:r>
-              <a:rPr lang="es-ES" sz="1400" dirty="0" smtClean="0"/>
-              <a:t>NEGOCIO</a:t>
-            </a:r>
-          </a:p>
-          <a:p>
-            <a:pPr lvl="1"/>
-            <a:r>
-              <a:rPr lang="es-ES" sz="1000" dirty="0" smtClean="0"/>
-              <a:t>1.1</a:t>
-            </a:r>
-            <a:r>
-              <a:rPr lang="es-ES" sz="1000" dirty="0"/>
-              <a:t>.	IDEA Y ALCANCE DEL PLAN DE NEGOCIO	</a:t>
-            </a:r>
-          </a:p>
-          <a:p>
-            <a:pPr lvl="1"/>
-            <a:r>
-              <a:rPr lang="es-ES" sz="1000" dirty="0"/>
-              <a:t>1.2.	ANTECEDENTES	</a:t>
-            </a:r>
-          </a:p>
-          <a:p>
-            <a:pPr lvl="1"/>
-            <a:r>
-              <a:rPr lang="es-ES" sz="1000" dirty="0"/>
-              <a:t>1.3.	MERCADO A </a:t>
-            </a:r>
-            <a:r>
-              <a:rPr lang="es-ES" sz="1000" dirty="0" smtClean="0"/>
-              <a:t>ATENDER</a:t>
-            </a:r>
-          </a:p>
-          <a:p>
-            <a:pPr lvl="1"/>
-            <a:r>
-              <a:rPr lang="es-ES" sz="1000" dirty="0" smtClean="0"/>
-              <a:t>1.4</a:t>
-            </a:r>
-            <a:r>
-              <a:rPr lang="es-ES" sz="1000" dirty="0"/>
-              <a:t>.	VENTAJAS DEL PLAN </a:t>
-            </a:r>
-            <a:r>
-              <a:rPr lang="es-ES" sz="1000" dirty="0" smtClean="0"/>
-              <a:t>NEGOCIO</a:t>
-            </a:r>
-          </a:p>
-          <a:p>
-            <a:r>
-              <a:rPr lang="es-ES" sz="1400" dirty="0" smtClean="0"/>
-              <a:t>2</a:t>
-            </a:r>
-            <a:r>
-              <a:rPr lang="es-ES" sz="1400" dirty="0"/>
-              <a:t>.	FORMULACION Y EVALUACION DEL NEGOCIO	</a:t>
-            </a:r>
-          </a:p>
-          <a:p>
-            <a:pPr lvl="1"/>
-            <a:r>
-              <a:rPr lang="es-ES" sz="1000" dirty="0"/>
-              <a:t>2.1.	ESTUDIO DEL </a:t>
-            </a:r>
-            <a:r>
-              <a:rPr lang="es-ES" sz="1000" dirty="0" smtClean="0"/>
-              <a:t>MERCADO</a:t>
-            </a:r>
-            <a:endParaRPr lang="es-ES" sz="1000" dirty="0"/>
-          </a:p>
-          <a:p>
-            <a:pPr lvl="1"/>
-            <a:r>
-              <a:rPr lang="es-ES" sz="1000" dirty="0"/>
-              <a:t>2.2.	OBJETIVO DEL ESTUDIO DE MERCADO	</a:t>
-            </a:r>
-          </a:p>
-          <a:p>
-            <a:pPr lvl="1"/>
-            <a:r>
-              <a:rPr lang="es-ES" sz="1000" dirty="0"/>
-              <a:t>2.3.	FUENTES DE </a:t>
-            </a:r>
-            <a:r>
-              <a:rPr lang="es-ES" sz="1000" dirty="0" smtClean="0"/>
-              <a:t>INFORMACION</a:t>
-            </a:r>
-            <a:endParaRPr lang="es-ES" sz="1000" dirty="0"/>
-          </a:p>
-          <a:p>
-            <a:pPr lvl="1"/>
-            <a:r>
-              <a:rPr lang="es-ES" sz="1000" dirty="0"/>
-              <a:t>2.4.	ESTUDIO DE LA </a:t>
-            </a:r>
-            <a:r>
-              <a:rPr lang="es-ES" sz="1000" dirty="0" smtClean="0"/>
-              <a:t>DEMANDA</a:t>
-            </a:r>
-            <a:endParaRPr lang="es-ES" sz="1000" dirty="0"/>
-          </a:p>
-          <a:p>
-            <a:endParaRPr lang="es-ES" sz="1400" dirty="0"/>
-          </a:p>
-          <a:p>
-            <a:endParaRPr lang="es-ES" sz="1400" dirty="0"/>
+            <a:endParaRPr lang="es-ES"/>
           </a:p>
         </p:txBody>
       </p:sp>
       <p:sp>
         <p:nvSpPr>
-          <p:cNvPr id="3" name="Rectángulo 2"/>
-          <p:cNvSpPr/>
-          <p:nvPr/>
+          <p:cNvPr id="7" name="Título 1"/>
+          <p:cNvSpPr>
+            <a:spLocks noGrp="1"/>
+          </p:cNvSpPr>
+          <p:nvPr>
+            <p:ph type="title"/>
+          </p:nvPr>
         </p:nvSpPr>
         <p:spPr>
           <a:xfrm>
-            <a:off x="1551023" y="5940028"/>
-            <a:ext cx="2167581" cy="369332"/>
+            <a:off x="1024127" y="751472"/>
+            <a:ext cx="9300281" cy="977577"/>
           </a:xfrm>
-          <a:prstGeom prst="rect">
-            <a:avLst/>
-          </a:prstGeom>
         </p:spPr>
         <p:txBody>
-          <a:bodyPr wrap="none">
-            <a:spAutoFit/>
-          </a:bodyPr>
+          <a:bodyPr/>
           <a:lstStyle/>
           <a:p>
             <a:r>
-              <a:rPr lang="es-PE" sz="1600" dirty="0">
-                <a:latin typeface="Calibri" panose="020F0502020204030204" pitchFamily="34" charset="0"/>
-                <a:ea typeface="Calibri" panose="020F0502020204030204" pitchFamily="34" charset="0"/>
-                <a:cs typeface="Times New Roman" panose="02020603050405020304" pitchFamily="18" charset="0"/>
-              </a:rPr>
-              <a:t> </a:t>
+              <a:rPr lang="es-ES" dirty="0"/>
+              <a:t>ESTUDIO DE LA </a:t>
             </a:r>
             <a:r>
-              <a:rPr lang="es-PE" dirty="0" err="1">
-                <a:solidFill>
-                  <a:srgbClr val="252525"/>
-                </a:solidFill>
-                <a:latin typeface="Arial" panose="020B0604020202020204" pitchFamily="34" charset="0"/>
-                <a:ea typeface="Calibri" panose="020F0502020204030204" pitchFamily="34" charset="0"/>
-                <a:cs typeface="Times New Roman" panose="02020603050405020304" pitchFamily="18" charset="0"/>
-              </a:rPr>
-              <a:t>Gc</a:t>
-            </a:r>
-            <a:r>
-              <a:rPr lang="es-PE" dirty="0">
-                <a:solidFill>
-                  <a:srgbClr val="252525"/>
-                </a:solidFill>
-                <a:latin typeface="Arial" panose="020B0604020202020204" pitchFamily="34" charset="0"/>
-                <a:ea typeface="Calibri" panose="020F0502020204030204" pitchFamily="34" charset="0"/>
-                <a:cs typeface="Times New Roman" panose="02020603050405020304" pitchFamily="18" charset="0"/>
-              </a:rPr>
-              <a:t> </a:t>
-            </a:r>
-            <a:r>
-              <a:rPr lang="es-PE" dirty="0" err="1" smtClean="0">
-                <a:solidFill>
-                  <a:srgbClr val="252525"/>
-                </a:solidFill>
-                <a:latin typeface="Arial" panose="020B0604020202020204" pitchFamily="34" charset="0"/>
-                <a:ea typeface="Calibri" panose="020F0502020204030204" pitchFamily="34" charset="0"/>
-                <a:cs typeface="Times New Roman" panose="02020603050405020304" pitchFamily="18" charset="0"/>
-              </a:rPr>
-              <a:t>informatic</a:t>
-            </a:r>
-            <a:r>
-              <a:rPr lang="es-PE" dirty="0" smtClean="0">
-                <a:solidFill>
-                  <a:srgbClr val="252525"/>
-                </a:solidFill>
-                <a:latin typeface="Arial" panose="020B0604020202020204" pitchFamily="34" charset="0"/>
-                <a:ea typeface="Calibri" panose="020F0502020204030204" pitchFamily="34" charset="0"/>
-                <a:cs typeface="Times New Roman" panose="02020603050405020304" pitchFamily="18" charset="0"/>
-              </a:rPr>
-              <a:t> </a:t>
-            </a:r>
-            <a:r>
-              <a:rPr lang="es-PE" dirty="0">
-                <a:solidFill>
-                  <a:srgbClr val="252525"/>
-                </a:solidFill>
-                <a:latin typeface="Arial" panose="020B0604020202020204" pitchFamily="34" charset="0"/>
-                <a:ea typeface="Calibri" panose="020F0502020204030204" pitchFamily="34" charset="0"/>
-                <a:cs typeface="Times New Roman" panose="02020603050405020304" pitchFamily="18" charset="0"/>
-              </a:rPr>
-              <a:t>S.A.</a:t>
+              <a:rPr lang="es-ES" dirty="0" smtClean="0"/>
+              <a:t>DEMANDA</a:t>
             </a:r>
             <a:endParaRPr lang="es-ES" dirty="0"/>
           </a:p>
         </p:txBody>
       </p:sp>
-      <p:pic>
-        <p:nvPicPr>
-          <p:cNvPr id="10" name="Marcador de contenido 9" descr="C:\Users\Alexs\AppData\Local\Microsoft\Windows\INetCache\Content.Word\Logomakr_4fASNX.PNG"/>
-          <p:cNvPicPr>
-            <a:picLocks noGrp="1"/>
-          </p:cNvPicPr>
-          <p:nvPr>
-            <p:ph sz="half" idx="2"/>
-          </p:nvPr>
-        </p:nvPicPr>
-        <p:blipFill>
-          <a:blip r:embed="rId2">
-            <a:extLst>
-              <a:ext uri="{28A0092B-C50C-407E-A947-70E740481C1C}">
-                <a14:useLocalDpi xmlns:a14="http://schemas.microsoft.com/office/drawing/2010/main" val="0"/>
-              </a:ext>
-            </a:extLst>
-          </a:blip>
-          <a:srcRect/>
-          <a:stretch>
-            <a:fillRect/>
-          </a:stretch>
-        </p:blipFill>
-        <p:spPr bwMode="auto">
-          <a:xfrm>
-            <a:off x="1197482" y="1030778"/>
-            <a:ext cx="4581525" cy="723900"/>
-          </a:xfrm>
-          <a:prstGeom prst="rect">
-            <a:avLst/>
-          </a:prstGeom>
-          <a:noFill/>
-          <a:ln>
-            <a:noFill/>
-          </a:ln>
-        </p:spPr>
-      </p:pic>
     </p:spTree>
     <p:extLst>
       <p:ext uri="{BB962C8B-B14F-4D97-AF65-F5344CB8AC3E}">
@@ -26098,7 +28147,7 @@
       </p:grpSpPr>
       <p:sp>
         <p:nvSpPr>
-          <p:cNvPr id="7" name="Título 6"/>
+          <p:cNvPr id="5" name="Título 4"/>
           <p:cNvSpPr>
             <a:spLocks noGrp="1"/>
           </p:cNvSpPr>
@@ -26106,14 +28155,31 @@
             <p:ph type="title"/>
           </p:nvPr>
         </p:nvSpPr>
-        <p:spPr/>
+        <p:spPr>
+          <a:xfrm>
+            <a:off x="1024128" y="743160"/>
+            <a:ext cx="9720072" cy="852886"/>
+          </a:xfrm>
+        </p:spPr>
         <p:txBody>
           <a:bodyPr/>
           <a:lstStyle/>
           <a:p>
             <a:r>
+              <a:rPr lang="es-ES" dirty="0"/>
+              <a:t>Tema </a:t>
+            </a:r>
+            <a:r>
               <a:rPr lang="es-ES" dirty="0" smtClean="0"/>
-              <a:t>Tema 3: definiendo el negocio</a:t>
+              <a:t>1: GENERALIDADES </a:t>
+            </a:r>
+            <a:r>
+              <a:rPr lang="es-ES" dirty="0"/>
+              <a:t>DEL PLAN DE </a:t>
+            </a:r>
+            <a:r>
+              <a:rPr lang="es-ES" dirty="0" smtClean="0"/>
+              <a:t>NEGOCIO</a:t>
             </a:r>
             <a:endParaRPr lang="es-ES" dirty="0"/>
           </a:p>
@@ -26121,7 +28187,7 @@
       </p:sp>
       <p:sp>
         <p:nvSpPr>
-          <p:cNvPr id="8" name="Marcador de contenido 7"/>
+          <p:cNvPr id="6" name="Marcador de contenido 5"/>
           <p:cNvSpPr>
             <a:spLocks noGrp="1"/>
           </p:cNvSpPr>
@@ -26131,112 +28197,187 @@
         </p:nvSpPr>
         <p:spPr>
           <a:xfrm>
-            <a:off x="1024128" y="2088776"/>
-            <a:ext cx="9720073" cy="4023360"/>
+            <a:off x="1024128" y="1903618"/>
+            <a:ext cx="9923734" cy="4929447"/>
           </a:xfrm>
         </p:spPr>
         <p:txBody>
           <a:bodyPr>
-            <a:normAutofit fontScale="92500" lnSpcReduction="10000"/>
+            <a:normAutofit fontScale="85000" lnSpcReduction="20000"/>
           </a:bodyPr>
           <a:lstStyle/>
           <a:p>
+            <a:pPr lvl="1"/>
             <a:r>
-              <a:rPr lang="es-ES" b="1" dirty="0" smtClean="0"/>
-              <a:t>Razón Social:</a:t>
+              <a:rPr lang="es-PE" sz="2400" b="1" dirty="0"/>
+              <a:t>IDEA Y ALCANCE DEL PLAN DE NEGOCIO</a:t>
             </a:r>
-            <a:endParaRPr lang="es-ES" dirty="0"/>
+            <a:endParaRPr lang="es-ES" sz="2400" b="1" dirty="0"/>
           </a:p>
           <a:p>
             <a:r>
-              <a:rPr lang="es-ES" b="1" dirty="0" smtClean="0"/>
-              <a:t>Visión del negocio:</a:t>
+              <a:rPr lang="es-PE" sz="2400" dirty="0" smtClean="0"/>
+              <a:t>Implementar </a:t>
+            </a:r>
+            <a:r>
+              <a:rPr lang="es-PE" sz="2400" dirty="0"/>
+              <a:t>un lugar comercial donde </a:t>
+            </a:r>
+            <a:r>
+              <a:rPr lang="es-PE" sz="2400" dirty="0" smtClean="0"/>
+              <a:t>se ofrezca artículos </a:t>
+            </a:r>
+            <a:r>
+              <a:rPr lang="es-PE" sz="2400" dirty="0"/>
+              <a:t>electrónicos</a:t>
+            </a:r>
+            <a:r>
+              <a:rPr lang="es-PE" sz="2400" dirty="0" smtClean="0"/>
+              <a:t>, de computo y </a:t>
+            </a:r>
+            <a:r>
+              <a:rPr lang="es-PE" sz="2400" dirty="0"/>
+              <a:t>suministro de componentes y material </a:t>
+            </a:r>
+            <a:r>
+              <a:rPr lang="es-PE" sz="2400" dirty="0" smtClean="0"/>
+              <a:t>tecnológico para </a:t>
+            </a:r>
+            <a:r>
+              <a:rPr lang="es-PE" sz="2400" dirty="0"/>
+              <a:t>la ciudad de puerto Maldonado</a:t>
+            </a:r>
+            <a:r>
+              <a:rPr lang="es-PE" sz="2400" dirty="0" smtClean="0"/>
+              <a:t>.</a:t>
             </a:r>
           </a:p>
           <a:p>
-            <a:endParaRPr lang="es-ES" b="1" dirty="0" smtClean="0"/>
+            <a:endParaRPr lang="es-ES" sz="2400" dirty="0"/>
           </a:p>
           <a:p>
-            <a:endParaRPr lang="es-ES" b="1" dirty="0" smtClean="0"/>
+            <a:pPr lvl="1"/>
+            <a:r>
+              <a:rPr lang="es-PE" sz="2400" b="1" dirty="0"/>
+              <a:t>ANTECEDENTES</a:t>
+            </a:r>
+            <a:endParaRPr lang="es-ES" sz="2400" b="1" dirty="0"/>
           </a:p>
           <a:p>
             <a:r>
-              <a:rPr lang="es-ES" b="1" dirty="0" smtClean="0"/>
-              <a:t>Misión </a:t>
+              <a:rPr lang="es-PE" sz="2400" dirty="0"/>
+              <a:t>Nos encontramos en </a:t>
             </a:r>
             <a:r>
-              <a:rPr lang="es-ES" b="1" dirty="0"/>
-              <a:t>del negocio:</a:t>
+              <a:rPr lang="es-PE" sz="2400" dirty="0"/>
+              <a:t>auge en lugares comerciales donde ofrezcan </a:t>
+            </a:r>
+            <a:r>
+              <a:rPr lang="es-PE" sz="2400" dirty="0"/>
+              <a:t>productos similares al propuesto, </a:t>
+            </a:r>
+            <a:r>
+              <a:rPr lang="es-PE" sz="2400" dirty="0"/>
+              <a:t>suministro de componentes y </a:t>
+            </a:r>
+            <a:r>
+              <a:rPr lang="es-PE" sz="2400" dirty="0"/>
+              <a:t>artículos de esta categoría. </a:t>
+            </a:r>
+            <a:r>
+              <a:rPr lang="es-PE" sz="2400" dirty="0"/>
+              <a:t>El avance de la tecnología se ve generalizado, cada vez mas personas necesitan de la tecnología</a:t>
+            </a:r>
+            <a:r>
+              <a:rPr lang="es-PE" sz="2400" dirty="0" smtClean="0"/>
+              <a:t>.</a:t>
             </a:r>
           </a:p>
           <a:p>
-            <a:pPr marL="0" indent="0">
+            <a:endParaRPr lang="es-ES" sz="2400" dirty="0"/>
+          </a:p>
+          <a:p>
+            <a:pPr lvl="1"/>
+            <a:r>
+              <a:rPr lang="es-PE" sz="2400" b="1" dirty="0"/>
+              <a:t>MERCADO A ATENDER</a:t>
+            </a:r>
+            <a:endParaRPr lang="es-ES" sz="2400" b="1" dirty="0"/>
+          </a:p>
+          <a:p>
+            <a:pPr marL="128016" lvl="1" indent="0">
               <a:buNone/>
             </a:pPr>
-            <a:endParaRPr lang="es-ES" dirty="0" smtClean="0"/>
-          </a:p>
-          <a:p>
-            <a:pPr marL="0" indent="0">
-              <a:buNone/>
-            </a:pPr>
-            <a:endParaRPr lang="es-ES" dirty="0"/>
-          </a:p>
-          <a:p>
             <a:r>
-              <a:rPr lang="es-ES" b="1" dirty="0" smtClean="0"/>
-              <a:t>Objetivos</a:t>
+              <a:rPr lang="es-PE" sz="2400" dirty="0" smtClean="0"/>
+              <a:t>La ciudad de Puerto </a:t>
             </a:r>
             <a:r>
-              <a:rPr lang="es-ES" dirty="0" smtClean="0"/>
-              <a:t>:</a:t>
+              <a:rPr lang="es-PE" sz="2400" dirty="0"/>
+              <a:t>Maldonado y a futuro para  otras ciudades, </a:t>
+            </a:r>
+            <a:r>
+              <a:rPr lang="es-PE" sz="2400" dirty="0" smtClean="0"/>
+              <a:t>donde dicho </a:t>
+            </a:r>
+            <a:r>
+              <a:rPr lang="es-PE" sz="2400" dirty="0"/>
+              <a:t>producto </a:t>
+            </a:r>
+            <a:r>
+              <a:rPr lang="es-PE" sz="2400" dirty="0" smtClean="0"/>
+              <a:t> se consigue viajando </a:t>
+            </a:r>
+            <a:r>
+              <a:rPr lang="es-PE" sz="2400" dirty="0"/>
+              <a:t>o haciendo </a:t>
+            </a:r>
+            <a:r>
+              <a:rPr lang="es-PE" sz="2400" dirty="0"/>
+              <a:t>pedido</a:t>
+            </a:r>
+            <a:r>
+              <a:rPr lang="es-PE" sz="2400" dirty="0" smtClean="0"/>
+              <a:t>.</a:t>
             </a:r>
           </a:p>
           <a:p>
+            <a:pPr marL="128016" lvl="1" indent="0">
+              <a:buNone/>
+            </a:pPr>
+            <a:endParaRPr lang="es-ES" sz="2400" dirty="0"/>
+          </a:p>
+          <a:p>
+            <a:pPr lvl="1"/>
             <a:r>
-              <a:rPr lang="es-ES" dirty="0" smtClean="0"/>
-              <a:t>Entre nuestros objetivos esta en lograr un crecimiento sostenido en la venta de artículos electrónicos y partes, de buena calidad para su mejor desempeño.</a:t>
+              <a:rPr lang="es-PE" sz="2400" b="1" dirty="0"/>
+              <a:t>VENTAJAS</a:t>
             </a:r>
-            <a:endParaRPr lang="es-ES" dirty="0"/>
+          </a:p>
+          <a:p>
+            <a:pPr marL="310896" lvl="2" indent="0">
+              <a:buNone/>
+            </a:pPr>
+            <a:r>
+              <a:rPr lang="es-PE" sz="2400" dirty="0"/>
+              <a:t>Trato amable, confiable y personalizado,</a:t>
+            </a:r>
+            <a:r>
+              <a:rPr lang="es-PE" sz="2400" dirty="0"/>
+              <a:t> precios competitivos, productos de calidad, variedad de productos, asesoría </a:t>
+            </a:r>
+            <a:r>
+              <a:rPr lang="es-PE" sz="2400" dirty="0" smtClean="0"/>
+              <a:t>personalizada</a:t>
+            </a:r>
+            <a:endParaRPr lang="es-PE" sz="2400" dirty="0"/>
           </a:p>
         </p:txBody>
       </p:sp>
-      <p:pic>
-        <p:nvPicPr>
-          <p:cNvPr id="4" name="Imagen 3" descr="C:\Users\Alexs\AppData\Local\Microsoft\Windows\INetCache\Content.Word\Logomakr_4fASNX.PNG"/>
-          <p:cNvPicPr/>
-          <p:nvPr/>
-        </p:nvPicPr>
-        <p:blipFill>
-          <a:blip r:embed="rId2">
-            <a:extLst>
-              <a:ext uri="{28A0092B-C50C-407E-A947-70E740481C1C}">
-                <a14:useLocalDpi xmlns:a14="http://schemas.microsoft.com/office/drawing/2010/main" val="0"/>
-              </a:ext>
-            </a:extLst>
-          </a:blip>
-          <a:srcRect/>
-          <a:stretch>
-            <a:fillRect/>
-          </a:stretch>
-        </p:blipFill>
-        <p:spPr bwMode="auto">
-          <a:xfrm>
-            <a:off x="3871913" y="1905538"/>
-            <a:ext cx="4581525" cy="723900"/>
-          </a:xfrm>
-          <a:prstGeom prst="rect">
-            <a:avLst/>
-          </a:prstGeom>
-          <a:noFill/>
-          <a:ln>
-            <a:noFill/>
-          </a:ln>
-        </p:spPr>
-      </p:pic>
     </p:spTree>
     <p:extLst>
       <p:ext uri="{BB962C8B-B14F-4D97-AF65-F5344CB8AC3E}">
-        <p14:creationId xmlns:p14="http://schemas.microsoft.com/office/powerpoint/2010/main" val="3417813045"/>
+        <p14:creationId xmlns:p14="http://schemas.microsoft.com/office/powerpoint/2010/main" val="3426156356"/>
       </p:ext>
     </p:extLst>
   </p:cSld>
@@ -26265,6 +28406,52 @@
       </p:grpSpPr>
       <p:sp>
         <p:nvSpPr>
+          <p:cNvPr id="2" name="Título 1"/>
+          <p:cNvSpPr>
+            <a:spLocks noGrp="1"/>
+          </p:cNvSpPr>
+          <p:nvPr>
+            <p:ph type="title"/>
+          </p:nvPr>
+        </p:nvSpPr>
+        <p:spPr>
+          <a:xfrm>
+            <a:off x="1024127" y="684971"/>
+            <a:ext cx="10031799" cy="985889"/>
+          </a:xfrm>
+        </p:spPr>
+        <p:txBody>
+          <a:bodyPr>
+            <a:normAutofit fontScale="90000"/>
+          </a:bodyPr>
+          <a:lstStyle/>
+          <a:p>
+            <a:r>
+              <a:rPr lang="es-ES" dirty="0" smtClean="0"/>
+              <a:t>TEMA 02. FORMULACIÓN </a:t>
+            </a:r>
+            <a:r>
+              <a:rPr lang="es-ES" dirty="0"/>
+              <a:t>Y </a:t>
+            </a:r>
+            <a:r>
+              <a:rPr lang="es-ES" dirty="0" smtClean="0"/>
+              <a:t>EVALUACIÓN </a:t>
+            </a:r>
+            <a:r>
+              <a:rPr lang="es-ES" dirty="0"/>
+              <a:t>DEL </a:t>
+            </a:r>
+            <a:r>
+              <a:rPr lang="es-ES" dirty="0" smtClean="0"/>
+              <a:t>NEGOCIO</a:t>
+            </a:r>
+            <a:endParaRPr lang="es-ES" dirty="0"/>
+          </a:p>
+        </p:txBody>
+      </p:sp>
+      <p:sp>
+        <p:nvSpPr>
           <p:cNvPr id="3" name="Marcador de contenido 2"/>
           <p:cNvSpPr>
             <a:spLocks noGrp="1"/>
@@ -26275,35 +28462,409 @@
         </p:nvSpPr>
         <p:spPr>
           <a:xfrm>
-            <a:off x="889658" y="824753"/>
-            <a:ext cx="3117566" cy="792361"/>
+            <a:off x="1024127" y="1895301"/>
+            <a:ext cx="9720073" cy="4563687"/>
           </a:xfrm>
         </p:spPr>
         <p:txBody>
           <a:bodyPr>
-            <a:normAutofit/>
+            <a:normAutofit fontScale="25000" lnSpcReduction="20000"/>
           </a:bodyPr>
           <a:lstStyle/>
           <a:p>
+            <a:pPr lvl="1"/>
             <a:r>
-              <a:rPr lang="es-ES" sz="3200" b="1" dirty="0" smtClean="0"/>
-              <a:t>Ubicación</a:t>
+              <a:rPr lang="es-PE" sz="8000" b="1" dirty="0" smtClean="0"/>
+              <a:t>ESTUDIO </a:t>
+            </a:r>
+            <a:r>
+              <a:rPr lang="es-PE" sz="8000" b="1" dirty="0"/>
+              <a:t>DEL MERCADO</a:t>
+            </a:r>
+            <a:endParaRPr lang="es-ES" sz="8000" b="1" dirty="0"/>
+          </a:p>
+          <a:p>
+            <a:r>
+              <a:rPr lang="es-PE" sz="8000" dirty="0" smtClean="0"/>
+              <a:t>se </a:t>
+            </a:r>
+            <a:r>
+              <a:rPr lang="es-PE" sz="8000" dirty="0"/>
+              <a:t>pretende obtener información de la oferta y de la demanda referente a la ciudad de puerto Maldonado y de esta manera se realiza un análisis de resultados para la ejecución del plan de negocio</a:t>
+            </a:r>
+            <a:r>
+              <a:rPr lang="es-PE" sz="8000" dirty="0" smtClean="0"/>
+              <a:t>.</a:t>
             </a:r>
           </a:p>
           <a:p>
-            <a:pPr marL="128016" lvl="1" indent="0">
+            <a:endParaRPr lang="es-ES" sz="8000" dirty="0"/>
+          </a:p>
+          <a:p>
+            <a:pPr lvl="1"/>
+            <a:r>
+              <a:rPr lang="es-PE" sz="8000" b="1" dirty="0"/>
+              <a:t>OBJETIVO DEL ESTUDIO DE MERCADO</a:t>
+            </a:r>
+            <a:endParaRPr lang="es-ES" sz="8000" b="1" dirty="0"/>
+          </a:p>
+          <a:p>
+            <a:r>
+              <a:rPr lang="es-PE" sz="8000" dirty="0" smtClean="0"/>
+              <a:t>se </a:t>
+            </a:r>
+            <a:r>
+              <a:rPr lang="es-PE" sz="8000" dirty="0"/>
+              <a:t>busca  determinar el comportamiento de la oferta y la demanda de la ciudad de puerto </a:t>
+            </a:r>
+            <a:r>
+              <a:rPr lang="es-PE" sz="8000" dirty="0" smtClean="0"/>
+              <a:t>Maldonado, </a:t>
+            </a:r>
+            <a:r>
+              <a:rPr lang="es-PE" sz="8000" dirty="0"/>
+              <a:t>de esta manera con la </a:t>
+            </a:r>
+            <a:r>
+              <a:rPr lang="es-PE" sz="8000" dirty="0" smtClean="0"/>
+              <a:t>información </a:t>
+            </a:r>
+            <a:r>
+              <a:rPr lang="es-PE" sz="8000" dirty="0"/>
+              <a:t>obtenida realizar un </a:t>
+            </a:r>
+            <a:r>
+              <a:rPr lang="es-PE" sz="8000" dirty="0" smtClean="0"/>
+              <a:t>análisis  estratégico. </a:t>
+            </a:r>
+            <a:r>
+              <a:rPr lang="es-PE" sz="8000" dirty="0"/>
+              <a:t>Para la  </a:t>
+            </a:r>
+            <a:r>
+              <a:rPr lang="es-PE" sz="8000" dirty="0" smtClean="0"/>
+              <a:t>investigación </a:t>
+            </a:r>
+            <a:r>
+              <a:rPr lang="es-PE" sz="8000" dirty="0"/>
+              <a:t>de este proyecto  se considera a todas las personas </a:t>
+            </a:r>
+            <a:r>
+              <a:rPr lang="es-PE" sz="8000" dirty="0" smtClean="0"/>
+              <a:t>económica-mente activas</a:t>
+            </a:r>
+          </a:p>
+          <a:p>
+            <a:endParaRPr lang="es-PE" sz="8000" dirty="0" smtClean="0"/>
+          </a:p>
+          <a:p>
+            <a:r>
+              <a:rPr lang="es-PE" sz="8000" b="1" dirty="0" smtClean="0"/>
+              <a:t>FUENTES </a:t>
+            </a:r>
+            <a:r>
+              <a:rPr lang="es-PE" sz="8000" b="1" dirty="0"/>
+              <a:t>DE INFORMACION </a:t>
+            </a:r>
+            <a:endParaRPr lang="es-ES" sz="8000" b="1" dirty="0"/>
+          </a:p>
+          <a:p>
+            <a:r>
+              <a:rPr lang="es-PE" sz="8000" dirty="0"/>
+              <a:t>A fin de cuantificar y determinar la existencia de demanda de los productos propuestos hacemos uso de fuentes de </a:t>
+            </a:r>
+            <a:r>
+              <a:rPr lang="es-PE" sz="8000" dirty="0" smtClean="0"/>
+              <a:t>información </a:t>
+            </a:r>
+            <a:r>
+              <a:rPr lang="es-PE" sz="8000" dirty="0"/>
+              <a:t>en este  caso se tomo las necesidades que los clientes  a obtener estos dichos productos viendo folletos, personas que solicitan dicho productos en los mercados y locales comerciales y </a:t>
+            </a:r>
+            <a:r>
+              <a:rPr lang="es-PE" sz="8000" dirty="0" smtClean="0"/>
+              <a:t>también </a:t>
+            </a:r>
+            <a:r>
+              <a:rPr lang="es-PE" sz="8000" dirty="0"/>
+              <a:t>mediante las redes sociales</a:t>
+            </a:r>
+            <a:r>
+              <a:rPr lang="es-PE" sz="8000" dirty="0" smtClean="0"/>
+              <a:t>.</a:t>
+            </a:r>
+            <a:r>
+              <a:rPr lang="es-PE" sz="2400" dirty="0"/>
+              <a:t> </a:t>
+            </a:r>
+            <a:endParaRPr lang="es-ES" sz="2400" dirty="0"/>
+          </a:p>
+          <a:p>
+            <a:r>
+              <a:rPr lang="es-PE" sz="2400" dirty="0"/>
+              <a:t> </a:t>
+            </a:r>
+            <a:endParaRPr lang="es-ES" sz="2400" dirty="0"/>
+          </a:p>
+          <a:p>
+            <a:r>
+              <a:rPr lang="es-PE" sz="2400" dirty="0"/>
+              <a:t> </a:t>
+            </a:r>
+            <a:endParaRPr lang="es-ES" sz="2400" dirty="0"/>
+          </a:p>
+          <a:p>
+            <a:r>
+              <a:rPr lang="es-PE" sz="2400" dirty="0"/>
+              <a:t> </a:t>
+            </a:r>
+            <a:endParaRPr lang="es-ES" sz="2400" dirty="0"/>
+          </a:p>
+          <a:p>
+            <a:r>
+              <a:rPr lang="es-PE" sz="2400" dirty="0"/>
+              <a:t> </a:t>
+            </a:r>
+            <a:endParaRPr lang="es-ES" sz="2400" dirty="0"/>
+          </a:p>
+          <a:p>
+            <a:r>
+              <a:rPr lang="es-PE" sz="2400" dirty="0"/>
+              <a:t> </a:t>
+            </a:r>
+            <a:endParaRPr lang="es-ES" sz="2400" dirty="0"/>
+          </a:p>
+          <a:p>
+            <a:r>
+              <a:rPr lang="es-PE" sz="2400" dirty="0"/>
+              <a:t> </a:t>
+            </a:r>
+            <a:endParaRPr lang="es-ES" sz="2400" dirty="0"/>
+          </a:p>
+          <a:p>
+            <a:r>
+              <a:rPr lang="es-PE" sz="2400" dirty="0"/>
+              <a:t> </a:t>
+            </a:r>
+            <a:endParaRPr lang="es-ES" sz="2400" dirty="0"/>
+          </a:p>
+          <a:p>
+            <a:endParaRPr lang="es-ES" dirty="0"/>
+          </a:p>
+        </p:txBody>
+      </p:sp>
+    </p:spTree>
+    <p:extLst>
+      <p:ext uri="{BB962C8B-B14F-4D97-AF65-F5344CB8AC3E}">
+        <p14:creationId xmlns:p14="http://schemas.microsoft.com/office/powerpoint/2010/main" val="2777765398"/>
+      </p:ext>
+    </p:extLst>
+  </p:cSld>
+  <p:clrMapOvr>
+    <a:masterClrMapping/>
+  </p:clrMapOvr>
+</p:sld>
+</file>
+
+<file path=ppt/slides/slide6.xml><?xml version="1.0" encoding="utf-8"?>
+<p:sld xmlns:a="http://schemas.openxmlformats.org/drawingml/2006/main" xmlns:r="http://schemas.openxmlformats.org/officeDocument/2006/relationships" xmlns:p="http://schemas.openxmlformats.org/presentationml/2006/main">
+  <p:cSld>
+    <p:spTree>
+      <p:nvGrpSpPr>
+        <p:cNvPr id="1" name=""/>
+        <p:cNvGrpSpPr/>
+        <p:nvPr/>
+      </p:nvGrpSpPr>
+      <p:grpSpPr>
+        <a:xfrm>
+          <a:off x="0" y="0"/>
+          <a:ext cx="0" cy="0"/>
+          <a:chOff x="0" y="0"/>
+          <a:chExt cx="0" cy="0"/>
+        </a:xfrm>
+      </p:grpSpPr>
+      <p:sp>
+        <p:nvSpPr>
+          <p:cNvPr id="2" name="Título 1"/>
+          <p:cNvSpPr>
+            <a:spLocks noGrp="1"/>
+          </p:cNvSpPr>
+          <p:nvPr>
+            <p:ph type="title"/>
+          </p:nvPr>
+        </p:nvSpPr>
+        <p:spPr>
+          <a:xfrm>
+            <a:off x="1024127" y="837969"/>
+            <a:ext cx="5509675" cy="977577"/>
+          </a:xfrm>
+        </p:spPr>
+        <p:txBody>
+          <a:bodyPr/>
+          <a:lstStyle/>
+          <a:p>
+            <a:r>
+              <a:rPr lang="es-ES" dirty="0"/>
+              <a:t>ESTUDIO DE LA </a:t>
+            </a:r>
+            <a:r>
+              <a:rPr lang="es-ES" dirty="0" smtClean="0"/>
+              <a:t>DEMANDA</a:t>
+            </a:r>
+            <a:endParaRPr lang="es-ES" dirty="0"/>
+          </a:p>
+        </p:txBody>
+      </p:sp>
+      <p:sp>
+        <p:nvSpPr>
+          <p:cNvPr id="3" name="Marcador de contenido 2"/>
+          <p:cNvSpPr>
+            <a:spLocks noGrp="1"/>
+          </p:cNvSpPr>
+          <p:nvPr>
+            <p:ph idx="1"/>
+          </p:nvPr>
+        </p:nvSpPr>
+        <p:spPr>
+          <a:xfrm>
+            <a:off x="1024127" y="2003368"/>
+            <a:ext cx="9720073" cy="1230283"/>
+          </a:xfrm>
+        </p:spPr>
+        <p:txBody>
+          <a:bodyPr/>
+          <a:lstStyle/>
+          <a:p>
+            <a:pPr marL="0" indent="0">
               <a:buNone/>
             </a:pPr>
+            <a:r>
+              <a:rPr lang="es-ES" dirty="0" smtClean="0"/>
+              <a:t> </a:t>
+            </a:r>
+            <a:r>
+              <a:rPr lang="es-ES" b="1" dirty="0" smtClean="0"/>
+              <a:t>Diseño </a:t>
+            </a:r>
+            <a:r>
+              <a:rPr lang="es-ES" b="1" dirty="0"/>
+              <a:t>de </a:t>
+            </a:r>
+            <a:r>
+              <a:rPr lang="es-ES" b="1" dirty="0" smtClean="0"/>
+              <a:t>encuestas</a:t>
+            </a:r>
             <a:endParaRPr lang="es-ES" b="1" dirty="0"/>
           </a:p>
           <a:p>
-            <a:pPr marL="128016" lvl="1" indent="0">
-              <a:buNone/>
-            </a:pPr>
-            <a:endParaRPr lang="es-ES" b="1" dirty="0"/>
+            <a:r>
+              <a:rPr lang="es-ES" dirty="0"/>
+              <a:t>El objetivo de la presente encuesta es determinar el grado de aceptación de la venta de materiales o componentes y artefactos electrónicos en Puerto Maldonado </a:t>
+            </a:r>
+          </a:p>
+          <a:p>
+            <a:endParaRPr lang="es-ES" dirty="0"/>
           </a:p>
         </p:txBody>
       </p:sp>
+    </p:spTree>
+    <p:extLst>
+      <p:ext uri="{BB962C8B-B14F-4D97-AF65-F5344CB8AC3E}">
+        <p14:creationId xmlns:p14="http://schemas.microsoft.com/office/powerpoint/2010/main" val="2069663630"/>
+      </p:ext>
+    </p:extLst>
+  </p:cSld>
+  <p:clrMapOvr>
+    <a:masterClrMapping/>
+  </p:clrMapOvr>
+</p:sld>
+</file>
+
+<file path=ppt/slides/slide7.xml><?xml version="1.0" encoding="utf-8"?>
+<p:sld xmlns:a="http://schemas.openxmlformats.org/drawingml/2006/main" xmlns:r="http://schemas.openxmlformats.org/officeDocument/2006/relationships" xmlns:p="http://schemas.openxmlformats.org/presentationml/2006/main">
+  <p:cSld>
+    <p:spTree>
+      <p:nvGrpSpPr>
+        <p:cNvPr id="1" name=""/>
+        <p:cNvGrpSpPr/>
+        <p:nvPr/>
+      </p:nvGrpSpPr>
+      <p:grpSpPr>
+        <a:xfrm>
+          <a:off x="0" y="0"/>
+          <a:ext cx="0" cy="0"/>
+          <a:chOff x="0" y="0"/>
+          <a:chExt cx="0" cy="0"/>
+        </a:xfrm>
+      </p:grpSpPr>
+      <p:sp>
+        <p:nvSpPr>
+          <p:cNvPr id="2" name="Título 1"/>
+          <p:cNvSpPr>
+            <a:spLocks noGrp="1"/>
+          </p:cNvSpPr>
+          <p:nvPr>
+            <p:ph type="title"/>
+          </p:nvPr>
+        </p:nvSpPr>
+        <p:spPr/>
+        <p:txBody>
+          <a:bodyPr/>
+          <a:lstStyle/>
+          <a:p>
+            <a:endParaRPr lang="es-ES"/>
+          </a:p>
+        </p:txBody>
+      </p:sp>
+      <p:sp>
+        <p:nvSpPr>
+          <p:cNvPr id="3" name="Marcador de contenido 2"/>
+          <p:cNvSpPr>
+            <a:spLocks noGrp="1"/>
+          </p:cNvSpPr>
+          <p:nvPr>
+            <p:ph idx="1"/>
+          </p:nvPr>
+        </p:nvSpPr>
+        <p:spPr/>
+        <p:txBody>
+          <a:bodyPr/>
+          <a:lstStyle/>
+          <a:p>
+            <a:endParaRPr lang="es-ES"/>
+          </a:p>
+        </p:txBody>
+      </p:sp>
+    </p:spTree>
+    <p:extLst>
+      <p:ext uri="{BB962C8B-B14F-4D97-AF65-F5344CB8AC3E}">
+        <p14:creationId xmlns:p14="http://schemas.microsoft.com/office/powerpoint/2010/main" val="3413995655"/>
+      </p:ext>
+    </p:extLst>
+  </p:cSld>
+  <p:clrMapOvr>
+    <a:masterClrMapping/>
+  </p:clrMapOvr>
+</p:sld>
+</file>
+
+<file path=ppt/slides/slide8.xml><?xml version="1.0" encoding="utf-8"?>
+<p:sld xmlns:a="http://schemas.openxmlformats.org/drawingml/2006/main" xmlns:r="http://schemas.openxmlformats.org/officeDocument/2006/relationships" xmlns:p="http://schemas.openxmlformats.org/presentationml/2006/main">
+  <p:cSld>
+    <p:spTree>
+      <p:nvGrpSpPr>
+        <p:cNvPr id="1" name=""/>
+        <p:cNvGrpSpPr/>
+        <p:nvPr/>
+      </p:nvGrpSpPr>
+      <p:grpSpPr>
+        <a:xfrm>
+          <a:off x="0" y="0"/>
+          <a:ext cx="0" cy="0"/>
+          <a:chOff x="0" y="0"/>
+          <a:chExt cx="0" cy="0"/>
+        </a:xfrm>
+      </p:grpSpPr>
       <p:pic>
         <p:nvPicPr>
           <p:cNvPr id="4" name="Imagen 3"/>
@@ -26312,16 +28873,15 @@
           </p:cNvPicPr>
           <p:nvPr/>
         </p:nvPicPr>
-        <p:blipFill>
+        <p:blipFill rotWithShape="1">
           <a:blip r:embed="rId2"/>
-          <a:stretch>
-            <a:fillRect/>
-          </a:stretch>
+          <a:srcRect r="7082"/>
+          <a:stretch/>
         </p:blipFill>
         <p:spPr>
           <a:xfrm>
-            <a:off x="5863127" y="2832848"/>
-            <a:ext cx="5704895" cy="3324112"/>
+            <a:off x="6145760" y="2783974"/>
+            <a:ext cx="5300866" cy="3324112"/>
           </a:xfrm>
           <a:prstGeom prst="rect">
             <a:avLst/>
@@ -26337,14 +28897,14 @@
         <p:spPr>
           <a:xfrm>
             <a:off x="5610517" y="1808654"/>
-            <a:ext cx="5538439" cy="646331"/>
+            <a:ext cx="5957505" cy="646331"/>
           </a:xfrm>
           <a:prstGeom prst="rect">
             <a:avLst/>
           </a:prstGeom>
         </p:spPr>
         <p:txBody>
-          <a:bodyPr wrap="none">
+          <a:bodyPr wrap="square">
             <a:spAutoFit/>
           </a:bodyPr>
           <a:lstStyle/>
@@ -26422,39 +28982,9 @@
           </a:p>
         </p:txBody>
       </p:sp>
-    </p:spTree>
-    <p:extLst>
-      <p:ext uri="{BB962C8B-B14F-4D97-AF65-F5344CB8AC3E}">
-        <p14:creationId xmlns:p14="http://schemas.microsoft.com/office/powerpoint/2010/main" val="722017428"/>
-      </p:ext>
-    </p:extLst>
-  </p:cSld>
-  <p:clrMapOvr>
-    <a:masterClrMapping/>
-  </p:clrMapOvr>
-</p:sld>
-</file>
-
-<file path=ppt/slides/slide6.xml><?xml version="1.0" encoding="utf-8"?>
-<p:sld xmlns:a="http://schemas.openxmlformats.org/drawingml/2006/main" xmlns:r="http://schemas.openxmlformats.org/officeDocument/2006/relationships" xmlns:p="http://schemas.openxmlformats.org/presentationml/2006/main">
-  <p:cSld>
-    <p:spTree>
-      <p:nvGrpSpPr>
-        <p:cNvPr id="1" name=""/>
-        <p:cNvGrpSpPr/>
-        <p:nvPr/>
-      </p:nvGrpSpPr>
-      <p:grpSpPr>
-        <a:xfrm>
-          <a:off x="0" y="0"/>
-          <a:ext cx="0" cy="0"/>
-          <a:chOff x="0" y="0"/>
-          <a:chExt cx="0" cy="0"/>
-        </a:xfrm>
-      </p:grpSpPr>
       <p:sp>
         <p:nvSpPr>
-          <p:cNvPr id="2" name="Título 1"/>
+          <p:cNvPr id="7" name="Título 6"/>
           <p:cNvSpPr>
             <a:spLocks noGrp="1"/>
           </p:cNvSpPr>
@@ -26462,256 +28992,57 @@
             <p:ph type="title"/>
           </p:nvPr>
         </p:nvSpPr>
-        <p:spPr/>
+        <p:spPr>
+          <a:xfrm>
+            <a:off x="1024128" y="585216"/>
+            <a:ext cx="4838999" cy="894449"/>
+          </a:xfrm>
+        </p:spPr>
         <p:txBody>
           <a:bodyPr/>
           <a:lstStyle/>
           <a:p>
             <a:r>
               <a:rPr lang="es-ES" dirty="0" smtClean="0"/>
-              <a:t>Estructura organizacional</a:t>
+              <a:t>ubicación</a:t>
             </a:r>
             <a:endParaRPr lang="es-ES" dirty="0"/>
           </a:p>
         </p:txBody>
       </p:sp>
-      <p:graphicFrame>
-        <p:nvGraphicFramePr>
-          <p:cNvPr id="5" name="Marcador de contenido 4"/>
-          <p:cNvGraphicFramePr>
-            <a:graphicFrameLocks noGrp="1"/>
-          </p:cNvGraphicFramePr>
-          <p:nvPr>
-            <p:ph idx="1"/>
-            <p:extLst>
-              <p:ext uri="{D42A27DB-BD31-4B8C-83A1-F6EECF244321}">
-                <p14:modId xmlns:p14="http://schemas.microsoft.com/office/powerpoint/2010/main" val="932580625"/>
-              </p:ext>
-            </p:extLst>
-          </p:nvPr>
-        </p:nvGraphicFramePr>
-        <p:xfrm>
-          <a:off x="1255058" y="2084832"/>
-          <a:ext cx="3424518" cy="3670508"/>
-        </p:xfrm>
-        <a:graphic>
-          <a:graphicData uri="http://schemas.openxmlformats.org/drawingml/2006/diagram">
-            <dgm:relIds xmlns:dgm="http://schemas.openxmlformats.org/drawingml/2006/diagram" xmlns:r="http://schemas.openxmlformats.org/officeDocument/2006/relationships" r:dm="rId2" r:lo="rId3" r:qs="rId4" r:cs="rId5"/>
-          </a:graphicData>
-        </a:graphic>
-      </p:graphicFrame>
+      <p:pic>
+        <p:nvPicPr>
+          <p:cNvPr id="8" name="Imagen 7"/>
+          <p:cNvPicPr/>
+          <p:nvPr/>
+        </p:nvPicPr>
+        <p:blipFill rotWithShape="1">
+          <a:blip r:embed="rId3"/>
+          <a:srcRect l="-1" t="7844" r="21274" b="6505"/>
+          <a:stretch/>
+        </p:blipFill>
+        <p:spPr bwMode="auto">
+          <a:xfrm>
+            <a:off x="813696" y="2759536"/>
+            <a:ext cx="4622828" cy="3372988"/>
+          </a:xfrm>
+          <a:prstGeom prst="rect">
+            <a:avLst/>
+          </a:prstGeom>
+          <a:ln>
+            <a:noFill/>
+          </a:ln>
+          <a:extLst>
+            <a:ext uri="{53640926-AAD7-44D8-BBD7-CCE9431645EC}">
+              <a14:shadowObscured xmlns:a14="http://schemas.microsoft.com/office/drawing/2010/main"/>
+            </a:ext>
+          </a:extLst>
+        </p:spPr>
+      </p:pic>
     </p:spTree>
     <p:extLst>
       <p:ext uri="{BB962C8B-B14F-4D97-AF65-F5344CB8AC3E}">
-        <p14:creationId xmlns:p14="http://schemas.microsoft.com/office/powerpoint/2010/main" val="3471268421"/>
-      </p:ext>
-    </p:extLst>
-  </p:cSld>
-  <p:clrMapOvr>
-    <a:masterClrMapping/>
-  </p:clrMapOvr>
-</p:sld>
-</file>
-
-<file path=ppt/slides/slide7.xml><?xml version="1.0" encoding="utf-8"?>
-<p:sld xmlns:a="http://schemas.openxmlformats.org/drawingml/2006/main" xmlns:r="http://schemas.openxmlformats.org/officeDocument/2006/relationships" xmlns:p="http://schemas.openxmlformats.org/presentationml/2006/main">
-  <p:cSld>
-    <p:spTree>
-      <p:nvGrpSpPr>
-        <p:cNvPr id="1" name=""/>
-        <p:cNvGrpSpPr/>
-        <p:nvPr/>
-      </p:nvGrpSpPr>
-      <p:grpSpPr>
-        <a:xfrm>
-          <a:off x="0" y="0"/>
-          <a:ext cx="0" cy="0"/>
-          <a:chOff x="0" y="0"/>
-          <a:chExt cx="0" cy="0"/>
-        </a:xfrm>
-      </p:grpSpPr>
-      <p:sp>
-        <p:nvSpPr>
-          <p:cNvPr id="2" name="Título 1"/>
-          <p:cNvSpPr>
-            <a:spLocks noGrp="1"/>
-          </p:cNvSpPr>
-          <p:nvPr>
-            <p:ph type="title"/>
-          </p:nvPr>
-        </p:nvSpPr>
-        <p:spPr/>
-        <p:txBody>
-          <a:bodyPr/>
-          <a:lstStyle/>
-          <a:p>
-            <a:r>
-              <a:rPr lang="es-ES" dirty="0" smtClean="0"/>
-              <a:t>Distribución del espacio en el área de trabajo</a:t>
-            </a:r>
-            <a:endParaRPr lang="es-ES" dirty="0"/>
-          </a:p>
-        </p:txBody>
-      </p:sp>
-      <p:sp>
-        <p:nvSpPr>
-          <p:cNvPr id="3" name="Marcador de contenido 2"/>
-          <p:cNvSpPr>
-            <a:spLocks noGrp="1"/>
-          </p:cNvSpPr>
-          <p:nvPr>
-            <p:ph idx="1"/>
-          </p:nvPr>
-        </p:nvSpPr>
-        <p:spPr/>
-        <p:txBody>
-          <a:bodyPr/>
-          <a:lstStyle/>
-          <a:p>
-            <a:endParaRPr lang="es-ES"/>
-          </a:p>
-        </p:txBody>
-      </p:sp>
-    </p:spTree>
-    <p:extLst>
-      <p:ext uri="{BB962C8B-B14F-4D97-AF65-F5344CB8AC3E}">
-        <p14:creationId xmlns:p14="http://schemas.microsoft.com/office/powerpoint/2010/main" val="3653671176"/>
-      </p:ext>
-    </p:extLst>
-  </p:cSld>
-  <p:clrMapOvr>
-    <a:masterClrMapping/>
-  </p:clrMapOvr>
-</p:sld>
-</file>
-
-<file path=ppt/slides/slide8.xml><?xml version="1.0" encoding="utf-8"?>
-<p:sld xmlns:a="http://schemas.openxmlformats.org/drawingml/2006/main" xmlns:r="http://schemas.openxmlformats.org/officeDocument/2006/relationships" xmlns:p="http://schemas.openxmlformats.org/presentationml/2006/main">
-  <p:cSld>
-    <p:spTree>
-      <p:nvGrpSpPr>
-        <p:cNvPr id="1" name=""/>
-        <p:cNvGrpSpPr/>
-        <p:nvPr/>
-      </p:nvGrpSpPr>
-      <p:grpSpPr>
-        <a:xfrm>
-          <a:off x="0" y="0"/>
-          <a:ext cx="0" cy="0"/>
-          <a:chOff x="0" y="0"/>
-          <a:chExt cx="0" cy="0"/>
-        </a:xfrm>
-      </p:grpSpPr>
-      <p:sp>
-        <p:nvSpPr>
-          <p:cNvPr id="2" name="Título 1"/>
-          <p:cNvSpPr>
-            <a:spLocks noGrp="1"/>
-          </p:cNvSpPr>
-          <p:nvPr>
-            <p:ph type="title"/>
-          </p:nvPr>
-        </p:nvSpPr>
-        <p:spPr/>
-        <p:txBody>
-          <a:bodyPr/>
-          <a:lstStyle/>
-          <a:p>
-            <a:r>
-              <a:rPr lang="es-ES" dirty="0" smtClean="0"/>
-              <a:t>Cálculo de materiales</a:t>
-            </a:r>
-            <a:endParaRPr lang="es-ES" dirty="0"/>
-          </a:p>
-        </p:txBody>
-      </p:sp>
-      <p:sp>
-        <p:nvSpPr>
-          <p:cNvPr id="3" name="Marcador de contenido 2"/>
-          <p:cNvSpPr>
-            <a:spLocks noGrp="1"/>
-          </p:cNvSpPr>
-          <p:nvPr>
-            <p:ph idx="1"/>
-          </p:nvPr>
-        </p:nvSpPr>
-        <p:spPr/>
-        <p:txBody>
-          <a:bodyPr/>
-          <a:lstStyle/>
-          <a:p>
-            <a:r>
-              <a:rPr lang="es-ES" dirty="0" smtClean="0"/>
-              <a:t>Determinación de herramientas, maquinas y equipos</a:t>
-            </a:r>
-          </a:p>
-          <a:p>
-            <a:pPr>
-              <a:buFont typeface="Arial" panose="020B0604020202020204" pitchFamily="34" charset="0"/>
-              <a:buChar char="•"/>
-            </a:pPr>
-            <a:r>
-              <a:rPr lang="es-ES" dirty="0"/>
-              <a:t> </a:t>
-            </a:r>
-            <a:r>
-              <a:rPr lang="es-ES" dirty="0" smtClean="0"/>
-              <a:t>Estanterías</a:t>
-            </a:r>
-          </a:p>
-          <a:p>
-            <a:pPr>
-              <a:buFont typeface="Arial" panose="020B0604020202020204" pitchFamily="34" charset="0"/>
-              <a:buChar char="•"/>
-            </a:pPr>
-            <a:r>
-              <a:rPr lang="es-ES" dirty="0" smtClean="0"/>
-              <a:t> Escritorio</a:t>
-            </a:r>
-          </a:p>
-          <a:p>
-            <a:pPr>
-              <a:buFont typeface="Arial" panose="020B0604020202020204" pitchFamily="34" charset="0"/>
-              <a:buChar char="•"/>
-            </a:pPr>
-            <a:r>
-              <a:rPr lang="es-ES" dirty="0" smtClean="0"/>
-              <a:t> PC de escritorio</a:t>
-            </a:r>
-          </a:p>
-          <a:p>
-            <a:pPr>
-              <a:buFont typeface="Arial" panose="020B0604020202020204" pitchFamily="34" charset="0"/>
-              <a:buChar char="•"/>
-            </a:pPr>
-            <a:r>
-              <a:rPr lang="es-ES" dirty="0"/>
-              <a:t> </a:t>
-            </a:r>
-            <a:r>
-              <a:rPr lang="es-ES" dirty="0" smtClean="0"/>
-              <a:t>Herramientas de ensamblado</a:t>
-            </a:r>
-          </a:p>
-          <a:p>
-            <a:pPr marL="0" indent="0">
-              <a:buNone/>
-            </a:pPr>
-            <a:endParaRPr lang="es-ES" dirty="0" smtClean="0"/>
-          </a:p>
-          <a:p>
-            <a:pPr>
-              <a:buFont typeface="Arial" panose="020B0604020202020204" pitchFamily="34" charset="0"/>
-              <a:buChar char="•"/>
-            </a:pPr>
-            <a:endParaRPr lang="es-ES" dirty="0"/>
-          </a:p>
-        </p:txBody>
-      </p:sp>
-    </p:spTree>
-    <p:extLst>
-      <p:ext uri="{BB962C8B-B14F-4D97-AF65-F5344CB8AC3E}">
-        <p14:creationId xmlns:p14="http://schemas.microsoft.com/office/powerpoint/2010/main" val="1342637746"/>
+        <p14:creationId xmlns:p14="http://schemas.microsoft.com/office/powerpoint/2010/main" val="722017428"/>
       </p:ext>
     </p:extLst>
   </p:cSld>
@@ -26740,7 +29071,7 @@
       </p:grpSpPr>
       <p:sp>
         <p:nvSpPr>
-          <p:cNvPr id="2" name="Título 1"/>
+          <p:cNvPr id="7" name="Título 6"/>
           <p:cNvSpPr>
             <a:spLocks noGrp="1"/>
           </p:cNvSpPr>
@@ -26748,1441 +29079,148 @@
             <p:ph type="title"/>
           </p:nvPr>
         </p:nvSpPr>
-        <p:spPr/>
+        <p:spPr>
+          <a:xfrm>
+            <a:off x="1024128" y="585216"/>
+            <a:ext cx="9720072" cy="894449"/>
+          </a:xfrm>
+        </p:spPr>
         <p:txBody>
           <a:bodyPr/>
           <a:lstStyle/>
           <a:p>
             <a:r>
               <a:rPr lang="es-ES" dirty="0" smtClean="0"/>
-              <a:t>Tema 06: Análisis económico</a:t>
+              <a:t>Tema 3: definiendo el negocio</a:t>
             </a:r>
             <a:endParaRPr lang="es-ES" dirty="0"/>
           </a:p>
         </p:txBody>
       </p:sp>
-      <p:graphicFrame>
-        <p:nvGraphicFramePr>
-          <p:cNvPr id="4" name="Marcador de contenido 3"/>
-          <p:cNvGraphicFramePr>
-            <a:graphicFrameLocks noGrp="1"/>
-          </p:cNvGraphicFramePr>
+      <p:sp>
+        <p:nvSpPr>
+          <p:cNvPr id="8" name="Marcador de contenido 7"/>
+          <p:cNvSpPr>
+            <a:spLocks noGrp="1"/>
+          </p:cNvSpPr>
           <p:nvPr>
             <p:ph idx="1"/>
-            <p:extLst>
-              <p:ext uri="{D42A27DB-BD31-4B8C-83A1-F6EECF244321}">
-                <p14:modId xmlns:p14="http://schemas.microsoft.com/office/powerpoint/2010/main" val="2297298805"/>
-              </p:ext>
-            </p:extLst>
           </p:nvPr>
-        </p:nvGraphicFramePr>
-        <p:xfrm>
-          <a:off x="439271" y="3506822"/>
-          <a:ext cx="11358281" cy="2140048"/>
-        </p:xfrm>
-        <a:graphic>
-          <a:graphicData uri="http://schemas.openxmlformats.org/drawingml/2006/table">
-            <a:tbl>
-              <a:tblPr firstRow="1" bandRow="1">
-                <a:tableStyleId>{5C22544A-7EE6-4342-B048-85BDC9FD1C3A}</a:tableStyleId>
-              </a:tblPr>
-              <a:tblGrid>
-                <a:gridCol w="2286000">
-                  <a:extLst>
-                    <a:ext uri="{9D8B030D-6E8A-4147-A177-3AD203B41FA5}">
-                      <a16:colId xmlns:a16="http://schemas.microsoft.com/office/drawing/2014/main" val="1291257362"/>
-                    </a:ext>
-                  </a:extLst>
-                </a:gridCol>
-                <a:gridCol w="627529">
-                  <a:extLst>
-                    <a:ext uri="{9D8B030D-6E8A-4147-A177-3AD203B41FA5}">
-                      <a16:colId xmlns:a16="http://schemas.microsoft.com/office/drawing/2014/main" val="2662128633"/>
-                    </a:ext>
-                  </a:extLst>
-                </a:gridCol>
-                <a:gridCol w="636494">
-                  <a:extLst>
-                    <a:ext uri="{9D8B030D-6E8A-4147-A177-3AD203B41FA5}">
-                      <a16:colId xmlns:a16="http://schemas.microsoft.com/office/drawing/2014/main" val="1204939933"/>
-                    </a:ext>
-                  </a:extLst>
-                </a:gridCol>
-                <a:gridCol w="690282">
-                  <a:extLst>
-                    <a:ext uri="{9D8B030D-6E8A-4147-A177-3AD203B41FA5}">
-                      <a16:colId xmlns:a16="http://schemas.microsoft.com/office/drawing/2014/main" val="2686114110"/>
-                    </a:ext>
-                  </a:extLst>
-                </a:gridCol>
-                <a:gridCol w="636495">
-                  <a:extLst>
-                    <a:ext uri="{9D8B030D-6E8A-4147-A177-3AD203B41FA5}">
-                      <a16:colId xmlns:a16="http://schemas.microsoft.com/office/drawing/2014/main" val="3416871909"/>
-                    </a:ext>
-                  </a:extLst>
-                </a:gridCol>
-                <a:gridCol w="654423">
-                  <a:extLst>
-                    <a:ext uri="{9D8B030D-6E8A-4147-A177-3AD203B41FA5}">
-                      <a16:colId xmlns:a16="http://schemas.microsoft.com/office/drawing/2014/main" val="2733743791"/>
-                    </a:ext>
-                  </a:extLst>
-                </a:gridCol>
-                <a:gridCol w="681318">
-                  <a:extLst>
-                    <a:ext uri="{9D8B030D-6E8A-4147-A177-3AD203B41FA5}">
-                      <a16:colId xmlns:a16="http://schemas.microsoft.com/office/drawing/2014/main" val="3658658888"/>
-                    </a:ext>
-                  </a:extLst>
-                </a:gridCol>
-                <a:gridCol w="699247">
-                  <a:extLst>
-                    <a:ext uri="{9D8B030D-6E8A-4147-A177-3AD203B41FA5}">
-                      <a16:colId xmlns:a16="http://schemas.microsoft.com/office/drawing/2014/main" val="3284166772"/>
-                    </a:ext>
-                  </a:extLst>
-                </a:gridCol>
-                <a:gridCol w="717176">
-                  <a:extLst>
-                    <a:ext uri="{9D8B030D-6E8A-4147-A177-3AD203B41FA5}">
-                      <a16:colId xmlns:a16="http://schemas.microsoft.com/office/drawing/2014/main" val="3337763359"/>
-                    </a:ext>
-                  </a:extLst>
-                </a:gridCol>
-                <a:gridCol w="699247">
-                  <a:extLst>
-                    <a:ext uri="{9D8B030D-6E8A-4147-A177-3AD203B41FA5}">
-                      <a16:colId xmlns:a16="http://schemas.microsoft.com/office/drawing/2014/main" val="4027248321"/>
-                    </a:ext>
-                  </a:extLst>
-                </a:gridCol>
-                <a:gridCol w="842683">
-                  <a:extLst>
-                    <a:ext uri="{9D8B030D-6E8A-4147-A177-3AD203B41FA5}">
-                      <a16:colId xmlns:a16="http://schemas.microsoft.com/office/drawing/2014/main" val="3745468201"/>
-                    </a:ext>
-                  </a:extLst>
-                </a:gridCol>
-                <a:gridCol w="744070">
-                  <a:extLst>
-                    <a:ext uri="{9D8B030D-6E8A-4147-A177-3AD203B41FA5}">
-                      <a16:colId xmlns:a16="http://schemas.microsoft.com/office/drawing/2014/main" val="714048470"/>
-                    </a:ext>
-                  </a:extLst>
-                </a:gridCol>
-                <a:gridCol w="762000">
-                  <a:extLst>
-                    <a:ext uri="{9D8B030D-6E8A-4147-A177-3AD203B41FA5}">
-                      <a16:colId xmlns:a16="http://schemas.microsoft.com/office/drawing/2014/main" val="4209770151"/>
-                    </a:ext>
-                  </a:extLst>
-                </a:gridCol>
-                <a:gridCol w="681317">
-                  <a:extLst>
-                    <a:ext uri="{9D8B030D-6E8A-4147-A177-3AD203B41FA5}">
-                      <a16:colId xmlns:a16="http://schemas.microsoft.com/office/drawing/2014/main" val="195624264"/>
-                    </a:ext>
-                  </a:extLst>
-                </a:gridCol>
-              </a:tblGrid>
-              <a:tr h="509368">
-                <a:tc>
-                  <a:txBody>
-                    <a:bodyPr/>
-                    <a:lstStyle/>
-                    <a:p>
-                      <a:pPr algn="l"/>
-                      <a:r>
-                        <a:rPr lang="es-ES" sz="1400" dirty="0" smtClean="0"/>
-                        <a:t>Producto</a:t>
-                      </a:r>
-                      <a:endParaRPr lang="es-ES" sz="1400" dirty="0"/>
-                    </a:p>
-                  </a:txBody>
-                  <a:tcPr anchor="ctr"/>
-                </a:tc>
-                <a:tc>
-                  <a:txBody>
-                    <a:bodyPr/>
-                    <a:lstStyle/>
-                    <a:p>
-                      <a:pPr algn="l"/>
-                      <a:r>
-                        <a:rPr lang="es-ES" sz="1400" dirty="0" smtClean="0"/>
-                        <a:t>Mes 1</a:t>
-                      </a:r>
-                      <a:endParaRPr lang="es-ES" sz="1400" dirty="0"/>
-                    </a:p>
-                  </a:txBody>
-                  <a:tcPr anchor="ctr"/>
-                </a:tc>
-                <a:tc>
-                  <a:txBody>
-                    <a:bodyPr/>
-                    <a:lstStyle/>
-                    <a:p>
-                      <a:pPr marL="0" marR="0" indent="0" algn="l" defTabSz="914400" rtl="0" eaLnBrk="1" fontAlgn="auto" latinLnBrk="0" hangingPunct="1">
-                        <a:lnSpc>
-                          <a:spcPct val="100000"/>
-                        </a:lnSpc>
-                        <a:spcBef>
-                          <a:spcPts val="0"/>
-                        </a:spcBef>
-                        <a:spcAft>
-                          <a:spcPts val="0"/>
-                        </a:spcAft>
-                        <a:buClrTx/>
-                        <a:buSzTx/>
-                        <a:buFontTx/>
-                        <a:buNone/>
-                        <a:tabLst/>
-                        <a:defRPr/>
-                      </a:pPr>
-                      <a:r>
-                        <a:rPr lang="es-ES" sz="1400" dirty="0" smtClean="0"/>
-                        <a:t>Mes 2</a:t>
-                      </a:r>
-                    </a:p>
-                  </a:txBody>
-                  <a:tcPr anchor="ctr"/>
-                </a:tc>
-                <a:tc>
-                  <a:txBody>
-                    <a:bodyPr/>
-                    <a:lstStyle/>
-                    <a:p>
-                      <a:pPr marL="0" marR="0" indent="0" algn="l" defTabSz="914400" rtl="0" eaLnBrk="1" fontAlgn="auto" latinLnBrk="0" hangingPunct="1">
-                        <a:lnSpc>
-                          <a:spcPct val="100000"/>
-                        </a:lnSpc>
-                        <a:spcBef>
-                          <a:spcPts val="0"/>
-                        </a:spcBef>
-                        <a:spcAft>
-                          <a:spcPts val="0"/>
-                        </a:spcAft>
-                        <a:buClrTx/>
-                        <a:buSzTx/>
-                        <a:buFontTx/>
-                        <a:buNone/>
-                        <a:tabLst/>
-                        <a:defRPr/>
-                      </a:pPr>
-                      <a:r>
-                        <a:rPr lang="es-ES" sz="1400" dirty="0" smtClean="0"/>
-                        <a:t>Mes 3</a:t>
-                      </a:r>
-                    </a:p>
-                  </a:txBody>
-                  <a:tcPr anchor="ctr"/>
-                </a:tc>
-                <a:tc>
-                  <a:txBody>
-                    <a:bodyPr/>
-                    <a:lstStyle/>
-                    <a:p>
-                      <a:pPr marL="0" marR="0" indent="0" algn="l" defTabSz="914400" rtl="0" eaLnBrk="1" fontAlgn="auto" latinLnBrk="0" hangingPunct="1">
-                        <a:lnSpc>
-                          <a:spcPct val="100000"/>
-                        </a:lnSpc>
-                        <a:spcBef>
-                          <a:spcPts val="0"/>
-                        </a:spcBef>
-                        <a:spcAft>
-                          <a:spcPts val="0"/>
-                        </a:spcAft>
-                        <a:buClrTx/>
-                        <a:buSzTx/>
-                        <a:buFontTx/>
-                        <a:buNone/>
-                        <a:tabLst/>
-                        <a:defRPr/>
-                      </a:pPr>
-                      <a:r>
-                        <a:rPr lang="es-ES" sz="1400" dirty="0" smtClean="0"/>
-                        <a:t>Mes 4</a:t>
-                      </a:r>
-                    </a:p>
-                  </a:txBody>
-                  <a:tcPr anchor="ctr"/>
-                </a:tc>
-                <a:tc>
-                  <a:txBody>
-                    <a:bodyPr/>
-                    <a:lstStyle/>
-                    <a:p>
-                      <a:pPr marL="0" marR="0" indent="0" algn="l" defTabSz="914400" rtl="0" eaLnBrk="1" fontAlgn="auto" latinLnBrk="0" hangingPunct="1">
-                        <a:lnSpc>
-                          <a:spcPct val="100000"/>
-                        </a:lnSpc>
-                        <a:spcBef>
-                          <a:spcPts val="0"/>
-                        </a:spcBef>
-                        <a:spcAft>
-                          <a:spcPts val="0"/>
-                        </a:spcAft>
-                        <a:buClrTx/>
-                        <a:buSzTx/>
-                        <a:buFontTx/>
-                        <a:buNone/>
-                        <a:tabLst/>
-                        <a:defRPr/>
-                      </a:pPr>
-                      <a:r>
-                        <a:rPr lang="es-ES" sz="1400" dirty="0" smtClean="0"/>
-                        <a:t>Mes 5</a:t>
-                      </a:r>
-                    </a:p>
-                  </a:txBody>
-                  <a:tcPr anchor="ctr"/>
-                </a:tc>
-                <a:tc>
-                  <a:txBody>
-                    <a:bodyPr/>
-                    <a:lstStyle/>
-                    <a:p>
-                      <a:pPr marL="0" marR="0" indent="0" algn="l" defTabSz="914400" rtl="0" eaLnBrk="1" fontAlgn="auto" latinLnBrk="0" hangingPunct="1">
-                        <a:lnSpc>
-                          <a:spcPct val="100000"/>
-                        </a:lnSpc>
-                        <a:spcBef>
-                          <a:spcPts val="0"/>
-                        </a:spcBef>
-                        <a:spcAft>
-                          <a:spcPts val="0"/>
-                        </a:spcAft>
-                        <a:buClrTx/>
-                        <a:buSzTx/>
-                        <a:buFontTx/>
-                        <a:buNone/>
-                        <a:tabLst/>
-                        <a:defRPr/>
-                      </a:pPr>
-                      <a:r>
-                        <a:rPr lang="es-ES" sz="1400" dirty="0" smtClean="0"/>
-                        <a:t>Mes 6</a:t>
-                      </a:r>
-                    </a:p>
-                  </a:txBody>
-                  <a:tcPr anchor="ctr"/>
-                </a:tc>
-                <a:tc>
-                  <a:txBody>
-                    <a:bodyPr/>
-                    <a:lstStyle/>
-                    <a:p>
-                      <a:pPr marL="0" marR="0" indent="0" algn="l" defTabSz="914400" rtl="0" eaLnBrk="1" fontAlgn="auto" latinLnBrk="0" hangingPunct="1">
-                        <a:lnSpc>
-                          <a:spcPct val="100000"/>
-                        </a:lnSpc>
-                        <a:spcBef>
-                          <a:spcPts val="0"/>
-                        </a:spcBef>
-                        <a:spcAft>
-                          <a:spcPts val="0"/>
-                        </a:spcAft>
-                        <a:buClrTx/>
-                        <a:buSzTx/>
-                        <a:buFontTx/>
-                        <a:buNone/>
-                        <a:tabLst/>
-                        <a:defRPr/>
-                      </a:pPr>
-                      <a:r>
-                        <a:rPr lang="es-ES" sz="1400" dirty="0" smtClean="0"/>
-                        <a:t>Mes 7</a:t>
-                      </a:r>
-                    </a:p>
-                  </a:txBody>
-                  <a:tcPr anchor="ctr"/>
-                </a:tc>
-                <a:tc>
-                  <a:txBody>
-                    <a:bodyPr/>
-                    <a:lstStyle/>
-                    <a:p>
-                      <a:pPr marL="0" marR="0" indent="0" algn="l" defTabSz="914400" rtl="0" eaLnBrk="1" fontAlgn="auto" latinLnBrk="0" hangingPunct="1">
-                        <a:lnSpc>
-                          <a:spcPct val="100000"/>
-                        </a:lnSpc>
-                        <a:spcBef>
-                          <a:spcPts val="0"/>
-                        </a:spcBef>
-                        <a:spcAft>
-                          <a:spcPts val="0"/>
-                        </a:spcAft>
-                        <a:buClrTx/>
-                        <a:buSzTx/>
-                        <a:buFontTx/>
-                        <a:buNone/>
-                        <a:tabLst/>
-                        <a:defRPr/>
-                      </a:pPr>
-                      <a:r>
-                        <a:rPr lang="es-ES" sz="1400" dirty="0" smtClean="0"/>
-                        <a:t>Mes</a:t>
-                      </a:r>
-                      <a:r>
-                        <a:rPr lang="es-ES" sz="1400" baseline="0" dirty="0" smtClean="0"/>
-                        <a:t> 8</a:t>
-                      </a:r>
-                      <a:endParaRPr lang="es-ES" sz="1400" dirty="0" smtClean="0"/>
-                    </a:p>
-                  </a:txBody>
-                  <a:tcPr anchor="ctr"/>
-                </a:tc>
-                <a:tc>
-                  <a:txBody>
-                    <a:bodyPr/>
-                    <a:lstStyle/>
-                    <a:p>
-                      <a:pPr marL="0" marR="0" indent="0" algn="l" defTabSz="914400" rtl="0" eaLnBrk="1" fontAlgn="auto" latinLnBrk="0" hangingPunct="1">
-                        <a:lnSpc>
-                          <a:spcPct val="100000"/>
-                        </a:lnSpc>
-                        <a:spcBef>
-                          <a:spcPts val="0"/>
-                        </a:spcBef>
-                        <a:spcAft>
-                          <a:spcPts val="0"/>
-                        </a:spcAft>
-                        <a:buClrTx/>
-                        <a:buSzTx/>
-                        <a:buFontTx/>
-                        <a:buNone/>
-                        <a:tabLst/>
-                        <a:defRPr/>
-                      </a:pPr>
-                      <a:r>
-                        <a:rPr lang="es-ES" sz="1400" dirty="0" smtClean="0"/>
-                        <a:t>Mes 9</a:t>
-                      </a:r>
-                    </a:p>
-                  </a:txBody>
-                  <a:tcPr anchor="ctr"/>
-                </a:tc>
-                <a:tc>
-                  <a:txBody>
-                    <a:bodyPr/>
-                    <a:lstStyle/>
-                    <a:p>
-                      <a:pPr marL="0" marR="0" indent="0" algn="l" defTabSz="914400" rtl="0" eaLnBrk="1" fontAlgn="auto" latinLnBrk="0" hangingPunct="1">
-                        <a:lnSpc>
-                          <a:spcPct val="100000"/>
-                        </a:lnSpc>
-                        <a:spcBef>
-                          <a:spcPts val="0"/>
-                        </a:spcBef>
-                        <a:spcAft>
-                          <a:spcPts val="0"/>
-                        </a:spcAft>
-                        <a:buClrTx/>
-                        <a:buSzTx/>
-                        <a:buFontTx/>
-                        <a:buNone/>
-                        <a:tabLst/>
-                        <a:defRPr/>
-                      </a:pPr>
-                      <a:r>
-                        <a:rPr lang="es-ES" sz="1400" dirty="0" smtClean="0"/>
-                        <a:t>Mes 10</a:t>
-                      </a:r>
-                    </a:p>
-                  </a:txBody>
-                  <a:tcPr anchor="ctr"/>
-                </a:tc>
-                <a:tc>
-                  <a:txBody>
-                    <a:bodyPr/>
-                    <a:lstStyle/>
-                    <a:p>
-                      <a:pPr marL="0" marR="0" indent="0" algn="l" defTabSz="914400" rtl="0" eaLnBrk="1" fontAlgn="auto" latinLnBrk="0" hangingPunct="1">
-                        <a:lnSpc>
-                          <a:spcPct val="100000"/>
-                        </a:lnSpc>
-                        <a:spcBef>
-                          <a:spcPts val="0"/>
-                        </a:spcBef>
-                        <a:spcAft>
-                          <a:spcPts val="0"/>
-                        </a:spcAft>
-                        <a:buClrTx/>
-                        <a:buSzTx/>
-                        <a:buFontTx/>
-                        <a:buNone/>
-                        <a:tabLst/>
-                        <a:defRPr/>
-                      </a:pPr>
-                      <a:r>
-                        <a:rPr lang="es-ES" sz="1400" dirty="0" smtClean="0"/>
-                        <a:t>Mes</a:t>
-                      </a:r>
-                      <a:r>
-                        <a:rPr lang="es-ES" sz="1400" baseline="0" dirty="0" smtClean="0"/>
-                        <a:t> </a:t>
-                      </a:r>
-                      <a:r>
-                        <a:rPr lang="es-ES" sz="1400" dirty="0" smtClean="0"/>
-                        <a:t>11</a:t>
-                      </a:r>
-                    </a:p>
-                  </a:txBody>
-                  <a:tcPr anchor="ctr"/>
-                </a:tc>
-                <a:tc>
-                  <a:txBody>
-                    <a:bodyPr/>
-                    <a:lstStyle/>
-                    <a:p>
-                      <a:pPr marL="0" marR="0" indent="0" algn="l" defTabSz="914400" rtl="0" eaLnBrk="1" fontAlgn="auto" latinLnBrk="0" hangingPunct="1">
-                        <a:lnSpc>
-                          <a:spcPct val="100000"/>
-                        </a:lnSpc>
-                        <a:spcBef>
-                          <a:spcPts val="0"/>
-                        </a:spcBef>
-                        <a:spcAft>
-                          <a:spcPts val="0"/>
-                        </a:spcAft>
-                        <a:buClrTx/>
-                        <a:buSzTx/>
-                        <a:buFontTx/>
-                        <a:buNone/>
-                        <a:tabLst/>
-                        <a:defRPr/>
-                      </a:pPr>
-                      <a:r>
-                        <a:rPr lang="es-ES" sz="1400" dirty="0" smtClean="0"/>
-                        <a:t>Mes</a:t>
-                      </a:r>
-                      <a:r>
-                        <a:rPr lang="es-ES" sz="1400" baseline="0" dirty="0" smtClean="0"/>
-                        <a:t> 12</a:t>
-                      </a:r>
-                      <a:endParaRPr lang="es-ES" sz="1400" dirty="0" smtClean="0"/>
-                    </a:p>
-                  </a:txBody>
-                  <a:tcPr anchor="ctr"/>
-                </a:tc>
-                <a:tc>
-                  <a:txBody>
-                    <a:bodyPr/>
-                    <a:lstStyle/>
-                    <a:p>
-                      <a:pPr marL="0" marR="0" indent="0" algn="l" defTabSz="914400" rtl="0" eaLnBrk="1" fontAlgn="auto" latinLnBrk="0" hangingPunct="1">
-                        <a:lnSpc>
-                          <a:spcPct val="100000"/>
-                        </a:lnSpc>
-                        <a:spcBef>
-                          <a:spcPts val="0"/>
-                        </a:spcBef>
-                        <a:spcAft>
-                          <a:spcPts val="0"/>
-                        </a:spcAft>
-                        <a:buClrTx/>
-                        <a:buSzTx/>
-                        <a:buFontTx/>
-                        <a:buNone/>
-                        <a:tabLst/>
-                        <a:defRPr/>
-                      </a:pPr>
-                      <a:r>
-                        <a:rPr lang="es-ES" sz="1400" dirty="0" smtClean="0"/>
-                        <a:t>Total</a:t>
-                      </a:r>
-                    </a:p>
-                  </a:txBody>
-                  <a:tcPr anchor="ctr"/>
-                </a:tc>
-                <a:extLst>
-                  <a:ext uri="{0D108BD9-81ED-4DB2-BD59-A6C34878D82A}">
-                    <a16:rowId xmlns:a16="http://schemas.microsoft.com/office/drawing/2014/main" val="3315895873"/>
-                  </a:ext>
-                </a:extLst>
-              </a:tr>
-              <a:tr h="370840">
-                <a:tc>
-                  <a:txBody>
-                    <a:bodyPr/>
-                    <a:lstStyle/>
-                    <a:p>
-                      <a:r>
-                        <a:rPr lang="es-ES" sz="1400" dirty="0" smtClean="0"/>
-                        <a:t>DDR</a:t>
-                      </a:r>
-                      <a:r>
-                        <a:rPr lang="es-ES" sz="1400" baseline="0" dirty="0" smtClean="0"/>
-                        <a:t> EXT 1GB </a:t>
-                      </a:r>
-                      <a:endParaRPr lang="es-ES" sz="1400" dirty="0"/>
-                    </a:p>
-                  </a:txBody>
-                  <a:tcPr/>
-                </a:tc>
-                <a:tc>
-                  <a:txBody>
-                    <a:bodyPr/>
-                    <a:lstStyle/>
-                    <a:p>
-                      <a:r>
-                        <a:rPr lang="es-ES" sz="1400" dirty="0" smtClean="0"/>
-                        <a:t>1</a:t>
-                      </a:r>
-                      <a:endParaRPr lang="es-ES" sz="1400" dirty="0"/>
-                    </a:p>
-                  </a:txBody>
-                  <a:tcPr/>
-                </a:tc>
-                <a:tc>
-                  <a:txBody>
-                    <a:bodyPr/>
-                    <a:lstStyle/>
-                    <a:p>
-                      <a:r>
-                        <a:rPr lang="es-ES" sz="1400" dirty="0" smtClean="0"/>
-                        <a:t>3</a:t>
-                      </a:r>
-                      <a:endParaRPr lang="es-ES" sz="1400" dirty="0"/>
-                    </a:p>
-                  </a:txBody>
-                  <a:tcPr/>
-                </a:tc>
-                <a:tc>
-                  <a:txBody>
-                    <a:bodyPr/>
-                    <a:lstStyle/>
-                    <a:p>
-                      <a:r>
-                        <a:rPr lang="es-ES" sz="1400" dirty="0" smtClean="0"/>
-                        <a:t>3</a:t>
-                      </a:r>
-                      <a:endParaRPr lang="es-ES" sz="1400" dirty="0"/>
-                    </a:p>
-                  </a:txBody>
-                  <a:tcPr/>
-                </a:tc>
-                <a:tc>
-                  <a:txBody>
-                    <a:bodyPr/>
-                    <a:lstStyle/>
-                    <a:p>
-                      <a:r>
-                        <a:rPr lang="es-ES" sz="1400" dirty="0" smtClean="0"/>
-                        <a:t>5</a:t>
-                      </a:r>
-                      <a:endParaRPr lang="es-ES" sz="1400" dirty="0"/>
-                    </a:p>
-                  </a:txBody>
-                  <a:tcPr/>
-                </a:tc>
-                <a:tc>
-                  <a:txBody>
-                    <a:bodyPr/>
-                    <a:lstStyle/>
-                    <a:p>
-                      <a:r>
-                        <a:rPr lang="es-ES" sz="1400" dirty="0" smtClean="0"/>
-                        <a:t>2</a:t>
-                      </a:r>
-                      <a:endParaRPr lang="es-ES" sz="1400" dirty="0"/>
-                    </a:p>
-                  </a:txBody>
-                  <a:tcPr/>
-                </a:tc>
-                <a:tc>
-                  <a:txBody>
-                    <a:bodyPr/>
-                    <a:lstStyle/>
-                    <a:p>
-                      <a:r>
-                        <a:rPr lang="es-ES" sz="1400" dirty="0" smtClean="0"/>
-                        <a:t>3</a:t>
-                      </a:r>
-                      <a:endParaRPr lang="es-ES" sz="1400" dirty="0"/>
-                    </a:p>
-                  </a:txBody>
-                  <a:tcPr/>
-                </a:tc>
-                <a:tc>
-                  <a:txBody>
-                    <a:bodyPr/>
-                    <a:lstStyle/>
-                    <a:p>
-                      <a:r>
-                        <a:rPr lang="es-ES" sz="1400" dirty="0" smtClean="0"/>
-                        <a:t>0</a:t>
-                      </a:r>
-                      <a:endParaRPr lang="es-ES" sz="1400" dirty="0"/>
-                    </a:p>
-                  </a:txBody>
-                  <a:tcPr/>
-                </a:tc>
-                <a:tc>
-                  <a:txBody>
-                    <a:bodyPr/>
-                    <a:lstStyle/>
-                    <a:p>
-                      <a:r>
-                        <a:rPr lang="es-ES" sz="1400" dirty="0" smtClean="0"/>
-                        <a:t>2</a:t>
-                      </a:r>
-                      <a:endParaRPr lang="es-ES" sz="1400" dirty="0"/>
-                    </a:p>
-                  </a:txBody>
-                  <a:tcPr/>
-                </a:tc>
-                <a:tc>
-                  <a:txBody>
-                    <a:bodyPr/>
-                    <a:lstStyle/>
-                    <a:p>
-                      <a:r>
-                        <a:rPr lang="es-ES" sz="1400" dirty="0" smtClean="0"/>
-                        <a:t>7</a:t>
-                      </a:r>
-                      <a:endParaRPr lang="es-ES" sz="1400" dirty="0"/>
-                    </a:p>
-                  </a:txBody>
-                  <a:tcPr/>
-                </a:tc>
-                <a:tc>
-                  <a:txBody>
-                    <a:bodyPr/>
-                    <a:lstStyle/>
-                    <a:p>
-                      <a:r>
-                        <a:rPr lang="es-ES" sz="1400" dirty="0" smtClean="0"/>
-                        <a:t>5</a:t>
-                      </a:r>
-                      <a:endParaRPr lang="es-ES" sz="1400" dirty="0"/>
-                    </a:p>
-                  </a:txBody>
-                  <a:tcPr/>
-                </a:tc>
-                <a:tc>
-                  <a:txBody>
-                    <a:bodyPr/>
-                    <a:lstStyle/>
-                    <a:p>
-                      <a:r>
-                        <a:rPr lang="es-ES" sz="1400" dirty="0" smtClean="0"/>
-                        <a:t>11</a:t>
-                      </a:r>
-                      <a:endParaRPr lang="es-ES" sz="1400" dirty="0"/>
-                    </a:p>
-                  </a:txBody>
-                  <a:tcPr/>
-                </a:tc>
-                <a:tc>
-                  <a:txBody>
-                    <a:bodyPr/>
-                    <a:lstStyle/>
-                    <a:p>
-                      <a:r>
-                        <a:rPr lang="es-ES" sz="1400" dirty="0" smtClean="0"/>
-                        <a:t>6</a:t>
-                      </a:r>
-                      <a:endParaRPr lang="es-ES" sz="1400" dirty="0"/>
-                    </a:p>
-                  </a:txBody>
-                  <a:tcPr/>
-                </a:tc>
-                <a:tc>
-                  <a:txBody>
-                    <a:bodyPr/>
-                    <a:lstStyle/>
-                    <a:p>
-                      <a:r>
-                        <a:rPr lang="es-ES" sz="1400" dirty="0" smtClean="0"/>
-                        <a:t>48</a:t>
-                      </a:r>
-                      <a:endParaRPr lang="es-ES" sz="1400" dirty="0"/>
-                    </a:p>
-                  </a:txBody>
-                  <a:tcPr/>
-                </a:tc>
-                <a:extLst>
-                  <a:ext uri="{0D108BD9-81ED-4DB2-BD59-A6C34878D82A}">
-                    <a16:rowId xmlns:a16="http://schemas.microsoft.com/office/drawing/2014/main" val="3225354097"/>
-                  </a:ext>
-                </a:extLst>
-              </a:tr>
-              <a:tr h="370840">
-                <a:tc>
-                  <a:txBody>
-                    <a:bodyPr/>
-                    <a:lstStyle/>
-                    <a:p>
-                      <a:r>
-                        <a:rPr lang="es-ES" sz="1400" kern="1200" baseline="0" dirty="0" smtClean="0">
-                          <a:solidFill>
-                            <a:schemeClr val="dk1"/>
-                          </a:solidFill>
-                          <a:latin typeface="+mn-lt"/>
-                          <a:ea typeface="+mn-ea"/>
-                          <a:cs typeface="+mn-cs"/>
-                        </a:rPr>
-                        <a:t>KING USB DTSE9H/16GB</a:t>
-                      </a:r>
-                      <a:endParaRPr lang="es-ES" sz="1400" dirty="0"/>
-                    </a:p>
-                  </a:txBody>
-                  <a:tcPr/>
-                </a:tc>
-                <a:tc>
-                  <a:txBody>
-                    <a:bodyPr/>
-                    <a:lstStyle/>
-                    <a:p>
-                      <a:r>
-                        <a:rPr lang="es-ES" sz="1400" dirty="0" smtClean="0"/>
-                        <a:t>10</a:t>
-                      </a:r>
-                      <a:endParaRPr lang="es-ES" sz="1400" dirty="0"/>
-                    </a:p>
-                  </a:txBody>
-                  <a:tcPr/>
-                </a:tc>
-                <a:tc>
-                  <a:txBody>
-                    <a:bodyPr/>
-                    <a:lstStyle/>
-                    <a:p>
-                      <a:r>
-                        <a:rPr lang="es-ES" sz="1400" dirty="0" smtClean="0"/>
-                        <a:t>15</a:t>
-                      </a:r>
-                      <a:endParaRPr lang="es-ES" sz="1400" dirty="0"/>
-                    </a:p>
-                  </a:txBody>
-                  <a:tcPr/>
-                </a:tc>
-                <a:tc>
-                  <a:txBody>
-                    <a:bodyPr/>
-                    <a:lstStyle/>
-                    <a:p>
-                      <a:r>
-                        <a:rPr lang="es-ES" sz="1400" dirty="0" smtClean="0"/>
-                        <a:t>13</a:t>
-                      </a:r>
-                      <a:endParaRPr lang="es-ES" sz="1400" dirty="0"/>
-                    </a:p>
-                  </a:txBody>
-                  <a:tcPr/>
-                </a:tc>
-                <a:tc>
-                  <a:txBody>
-                    <a:bodyPr/>
-                    <a:lstStyle/>
-                    <a:p>
-                      <a:r>
-                        <a:rPr lang="es-ES" sz="1400" dirty="0" smtClean="0"/>
-                        <a:t>30</a:t>
-                      </a:r>
-                      <a:endParaRPr lang="es-ES" sz="1400" dirty="0"/>
-                    </a:p>
-                  </a:txBody>
-                  <a:tcPr/>
-                </a:tc>
-                <a:tc>
-                  <a:txBody>
-                    <a:bodyPr/>
-                    <a:lstStyle/>
-                    <a:p>
-                      <a:r>
-                        <a:rPr lang="es-ES" sz="1400" dirty="0" smtClean="0"/>
-                        <a:t>50</a:t>
-                      </a:r>
-                      <a:endParaRPr lang="es-ES" sz="1400" dirty="0"/>
-                    </a:p>
-                  </a:txBody>
-                  <a:tcPr/>
-                </a:tc>
-                <a:tc>
-                  <a:txBody>
-                    <a:bodyPr/>
-                    <a:lstStyle/>
-                    <a:p>
-                      <a:r>
-                        <a:rPr lang="es-ES" sz="1400" dirty="0" smtClean="0"/>
-                        <a:t>25</a:t>
-                      </a:r>
-                      <a:endParaRPr lang="es-ES" sz="1400" dirty="0"/>
-                    </a:p>
-                  </a:txBody>
-                  <a:tcPr/>
-                </a:tc>
-                <a:tc>
-                  <a:txBody>
-                    <a:bodyPr/>
-                    <a:lstStyle/>
-                    <a:p>
-                      <a:r>
-                        <a:rPr lang="es-ES" sz="1400" dirty="0" smtClean="0"/>
-                        <a:t>27</a:t>
-                      </a:r>
-                      <a:endParaRPr lang="es-ES" sz="1400" dirty="0"/>
-                    </a:p>
-                  </a:txBody>
-                  <a:tcPr/>
-                </a:tc>
-                <a:tc>
-                  <a:txBody>
-                    <a:bodyPr/>
-                    <a:lstStyle/>
-                    <a:p>
-                      <a:r>
-                        <a:rPr lang="es-ES" sz="1400" dirty="0" smtClean="0"/>
-                        <a:t>26</a:t>
-                      </a:r>
-                      <a:endParaRPr lang="es-ES" sz="1400" dirty="0"/>
-                    </a:p>
-                  </a:txBody>
-                  <a:tcPr/>
-                </a:tc>
-                <a:tc>
-                  <a:txBody>
-                    <a:bodyPr/>
-                    <a:lstStyle/>
-                    <a:p>
-                      <a:r>
-                        <a:rPr lang="es-ES" sz="1400" dirty="0" smtClean="0"/>
-                        <a:t>40</a:t>
-                      </a:r>
-                      <a:endParaRPr lang="es-ES" sz="1400" dirty="0"/>
-                    </a:p>
-                  </a:txBody>
-                  <a:tcPr/>
-                </a:tc>
-                <a:tc>
-                  <a:txBody>
-                    <a:bodyPr/>
-                    <a:lstStyle/>
-                    <a:p>
-                      <a:r>
-                        <a:rPr lang="es-ES" sz="1400" dirty="0" smtClean="0"/>
-                        <a:t>35</a:t>
-                      </a:r>
-                      <a:endParaRPr lang="es-ES" sz="1400" dirty="0"/>
-                    </a:p>
-                  </a:txBody>
-                  <a:tcPr/>
-                </a:tc>
-                <a:tc>
-                  <a:txBody>
-                    <a:bodyPr/>
-                    <a:lstStyle/>
-                    <a:p>
-                      <a:r>
-                        <a:rPr lang="es-ES" sz="1400" dirty="0" smtClean="0"/>
-                        <a:t>21</a:t>
-                      </a:r>
-                      <a:endParaRPr lang="es-ES" sz="1400" dirty="0"/>
-                    </a:p>
-                  </a:txBody>
-                  <a:tcPr/>
-                </a:tc>
-                <a:tc>
-                  <a:txBody>
-                    <a:bodyPr/>
-                    <a:lstStyle/>
-                    <a:p>
-                      <a:r>
-                        <a:rPr lang="es-ES" sz="1400" dirty="0" smtClean="0"/>
-                        <a:t>17</a:t>
-                      </a:r>
-                      <a:endParaRPr lang="es-ES" sz="1400" dirty="0"/>
-                    </a:p>
-                  </a:txBody>
-                  <a:tcPr/>
-                </a:tc>
-                <a:tc>
-                  <a:txBody>
-                    <a:bodyPr/>
-                    <a:lstStyle/>
-                    <a:p>
-                      <a:r>
-                        <a:rPr lang="es-ES" sz="1400" dirty="0" smtClean="0"/>
-                        <a:t>309</a:t>
-                      </a:r>
-                    </a:p>
-                  </a:txBody>
-                  <a:tcPr/>
-                </a:tc>
-                <a:extLst>
-                  <a:ext uri="{0D108BD9-81ED-4DB2-BD59-A6C34878D82A}">
-                    <a16:rowId xmlns:a16="http://schemas.microsoft.com/office/drawing/2014/main" val="3471534074"/>
-                  </a:ext>
-                </a:extLst>
-              </a:tr>
-              <a:tr h="370840">
-                <a:tc>
-                  <a:txBody>
-                    <a:bodyPr/>
-                    <a:lstStyle/>
-                    <a:p>
-                      <a:pPr algn="l"/>
-                      <a:r>
-                        <a:rPr lang="es-ES" sz="1400" b="0" i="0" kern="1200" dirty="0" smtClean="0">
-                          <a:solidFill>
-                            <a:schemeClr val="dk1"/>
-                          </a:solidFill>
-                          <a:effectLst/>
-                          <a:latin typeface="+mn-lt"/>
-                          <a:ea typeface="+mn-ea"/>
-                          <a:cs typeface="+mn-cs"/>
-                        </a:rPr>
-                        <a:t>HEADSET TEROS S82 1.8MT</a:t>
-                      </a:r>
-                      <a:endParaRPr lang="es-ES" sz="1400" dirty="0"/>
-                    </a:p>
-                  </a:txBody>
-                  <a:tcPr/>
-                </a:tc>
-                <a:tc>
-                  <a:txBody>
-                    <a:bodyPr/>
-                    <a:lstStyle/>
-                    <a:p>
-                      <a:r>
-                        <a:rPr lang="es-ES" sz="1400" dirty="0" smtClean="0"/>
-                        <a:t>2</a:t>
-                      </a:r>
-                      <a:endParaRPr lang="es-ES" sz="1400" dirty="0"/>
-                    </a:p>
-                  </a:txBody>
-                  <a:tcPr/>
-                </a:tc>
-                <a:tc>
-                  <a:txBody>
-                    <a:bodyPr/>
-                    <a:lstStyle/>
-                    <a:p>
-                      <a:r>
-                        <a:rPr lang="es-ES" sz="1400" dirty="0" smtClean="0"/>
-                        <a:t>5</a:t>
-                      </a:r>
-                      <a:endParaRPr lang="es-ES" sz="1400" dirty="0"/>
-                    </a:p>
-                  </a:txBody>
-                  <a:tcPr/>
-                </a:tc>
-                <a:tc>
-                  <a:txBody>
-                    <a:bodyPr/>
-                    <a:lstStyle/>
-                    <a:p>
-                      <a:r>
-                        <a:rPr lang="es-ES" sz="1400" dirty="0" smtClean="0"/>
-                        <a:t>11</a:t>
-                      </a:r>
-                      <a:endParaRPr lang="es-ES" sz="1400" dirty="0"/>
-                    </a:p>
-                  </a:txBody>
-                  <a:tcPr/>
-                </a:tc>
-                <a:tc>
-                  <a:txBody>
-                    <a:bodyPr/>
-                    <a:lstStyle/>
-                    <a:p>
-                      <a:r>
-                        <a:rPr lang="es-ES" sz="1400" dirty="0" smtClean="0"/>
-                        <a:t>9</a:t>
-                      </a:r>
-                      <a:endParaRPr lang="es-ES" sz="1400" dirty="0"/>
-                    </a:p>
-                  </a:txBody>
-                  <a:tcPr/>
-                </a:tc>
-                <a:tc>
-                  <a:txBody>
-                    <a:bodyPr/>
-                    <a:lstStyle/>
-                    <a:p>
-                      <a:r>
-                        <a:rPr lang="es-ES" sz="1400" dirty="0" smtClean="0"/>
-                        <a:t>12</a:t>
-                      </a:r>
-                      <a:endParaRPr lang="es-ES" sz="1400" dirty="0"/>
-                    </a:p>
-                  </a:txBody>
-                  <a:tcPr/>
-                </a:tc>
-                <a:tc>
-                  <a:txBody>
-                    <a:bodyPr/>
-                    <a:lstStyle/>
-                    <a:p>
-                      <a:r>
-                        <a:rPr lang="es-ES" sz="1400" dirty="0" smtClean="0"/>
-                        <a:t>8</a:t>
-                      </a:r>
-                      <a:endParaRPr lang="es-ES" sz="1400" dirty="0"/>
-                    </a:p>
-                  </a:txBody>
-                  <a:tcPr/>
-                </a:tc>
-                <a:tc>
-                  <a:txBody>
-                    <a:bodyPr/>
-                    <a:lstStyle/>
-                    <a:p>
-                      <a:r>
-                        <a:rPr lang="es-ES" sz="1400" dirty="0" smtClean="0"/>
-                        <a:t>11</a:t>
-                      </a:r>
-                      <a:endParaRPr lang="es-ES" sz="1400" dirty="0"/>
-                    </a:p>
-                  </a:txBody>
-                  <a:tcPr/>
-                </a:tc>
-                <a:tc>
-                  <a:txBody>
-                    <a:bodyPr/>
-                    <a:lstStyle/>
-                    <a:p>
-                      <a:r>
-                        <a:rPr lang="es-ES" sz="1400" dirty="0" smtClean="0"/>
-                        <a:t>14</a:t>
-                      </a:r>
-                      <a:endParaRPr lang="es-ES" sz="1400" dirty="0"/>
-                    </a:p>
-                  </a:txBody>
-                  <a:tcPr/>
-                </a:tc>
-                <a:tc>
-                  <a:txBody>
-                    <a:bodyPr/>
-                    <a:lstStyle/>
-                    <a:p>
-                      <a:r>
-                        <a:rPr lang="es-ES" sz="1400" dirty="0" smtClean="0"/>
-                        <a:t>15</a:t>
-                      </a:r>
-                      <a:endParaRPr lang="es-ES" sz="1400" dirty="0"/>
-                    </a:p>
-                  </a:txBody>
-                  <a:tcPr/>
-                </a:tc>
-                <a:tc>
-                  <a:txBody>
-                    <a:bodyPr/>
-                    <a:lstStyle/>
-                    <a:p>
-                      <a:r>
-                        <a:rPr lang="es-ES" sz="1400" dirty="0" smtClean="0"/>
-                        <a:t>13</a:t>
-                      </a:r>
-                      <a:endParaRPr lang="es-ES" sz="1400" dirty="0"/>
-                    </a:p>
-                  </a:txBody>
-                  <a:tcPr/>
-                </a:tc>
-                <a:tc>
-                  <a:txBody>
-                    <a:bodyPr/>
-                    <a:lstStyle/>
-                    <a:p>
-                      <a:r>
-                        <a:rPr lang="es-ES" sz="1400" dirty="0" smtClean="0"/>
-                        <a:t>15</a:t>
-                      </a:r>
-                      <a:endParaRPr lang="es-ES" sz="1400" dirty="0"/>
-                    </a:p>
-                  </a:txBody>
-                  <a:tcPr/>
-                </a:tc>
-                <a:tc>
-                  <a:txBody>
-                    <a:bodyPr/>
-                    <a:lstStyle/>
-                    <a:p>
-                      <a:r>
-                        <a:rPr lang="es-ES" sz="1400" dirty="0" smtClean="0"/>
-                        <a:t>12</a:t>
-                      </a:r>
-                      <a:endParaRPr lang="es-ES" sz="1400" dirty="0"/>
-                    </a:p>
-                  </a:txBody>
-                  <a:tcPr/>
-                </a:tc>
-                <a:tc>
-                  <a:txBody>
-                    <a:bodyPr/>
-                    <a:lstStyle/>
-                    <a:p>
-                      <a:r>
-                        <a:rPr lang="es-ES" sz="1400" dirty="0" smtClean="0"/>
-                        <a:t>127</a:t>
-                      </a:r>
-                      <a:endParaRPr lang="es-ES" sz="1400" dirty="0"/>
-                    </a:p>
-                  </a:txBody>
-                  <a:tcPr/>
-                </a:tc>
-                <a:extLst>
-                  <a:ext uri="{0D108BD9-81ED-4DB2-BD59-A6C34878D82A}">
-                    <a16:rowId xmlns:a16="http://schemas.microsoft.com/office/drawing/2014/main" val="4069304453"/>
-                  </a:ext>
-                </a:extLst>
-              </a:tr>
-              <a:tr h="370840">
-                <a:tc>
-                  <a:txBody>
-                    <a:bodyPr/>
-                    <a:lstStyle/>
-                    <a:p>
-                      <a:r>
-                        <a:rPr lang="pt-BR" sz="1400" b="0" i="0" kern="1200" dirty="0" smtClean="0">
-                          <a:solidFill>
-                            <a:schemeClr val="dk1"/>
-                          </a:solidFill>
-                          <a:effectLst/>
-                          <a:latin typeface="+mn-lt"/>
-                          <a:ea typeface="+mn-ea"/>
-                          <a:cs typeface="+mn-cs"/>
-                        </a:rPr>
-                        <a:t>KB USB SP COMBO TEROS 3000</a:t>
-                      </a:r>
-                      <a:endParaRPr lang="es-ES" sz="1400" b="0" i="0" kern="1200" dirty="0">
-                        <a:solidFill>
-                          <a:schemeClr val="dk1"/>
-                        </a:solidFill>
-                        <a:effectLst/>
-                        <a:latin typeface="+mn-lt"/>
-                        <a:ea typeface="+mn-ea"/>
-                        <a:cs typeface="+mn-cs"/>
-                      </a:endParaRPr>
-                    </a:p>
-                  </a:txBody>
-                  <a:tcPr/>
-                </a:tc>
-                <a:tc>
-                  <a:txBody>
-                    <a:bodyPr/>
-                    <a:lstStyle/>
-                    <a:p>
-                      <a:r>
-                        <a:rPr lang="es-ES" sz="1400" dirty="0" smtClean="0"/>
-                        <a:t>3</a:t>
-                      </a:r>
-                      <a:endParaRPr lang="es-ES" sz="1400" dirty="0"/>
-                    </a:p>
-                  </a:txBody>
-                  <a:tcPr/>
-                </a:tc>
-                <a:tc>
-                  <a:txBody>
-                    <a:bodyPr/>
-                    <a:lstStyle/>
-                    <a:p>
-                      <a:r>
-                        <a:rPr lang="es-ES" sz="1400" dirty="0" smtClean="0"/>
-                        <a:t>4</a:t>
-                      </a:r>
-                      <a:endParaRPr lang="es-ES" sz="1400" dirty="0"/>
-                    </a:p>
-                  </a:txBody>
-                  <a:tcPr/>
-                </a:tc>
-                <a:tc>
-                  <a:txBody>
-                    <a:bodyPr/>
-                    <a:lstStyle/>
-                    <a:p>
-                      <a:r>
-                        <a:rPr lang="es-ES" sz="1400" dirty="0" smtClean="0"/>
-                        <a:t>7</a:t>
-                      </a:r>
-                      <a:endParaRPr lang="es-ES" sz="1400" dirty="0"/>
-                    </a:p>
-                  </a:txBody>
-                  <a:tcPr/>
-                </a:tc>
-                <a:tc>
-                  <a:txBody>
-                    <a:bodyPr/>
-                    <a:lstStyle/>
-                    <a:p>
-                      <a:r>
-                        <a:rPr lang="es-ES" sz="1400" dirty="0" smtClean="0"/>
-                        <a:t>10</a:t>
-                      </a:r>
-                      <a:endParaRPr lang="es-ES" sz="1400" dirty="0"/>
-                    </a:p>
-                  </a:txBody>
-                  <a:tcPr/>
-                </a:tc>
-                <a:tc>
-                  <a:txBody>
-                    <a:bodyPr/>
-                    <a:lstStyle/>
-                    <a:p>
-                      <a:r>
-                        <a:rPr lang="es-ES" sz="1400" dirty="0" smtClean="0"/>
-                        <a:t>5</a:t>
-                      </a:r>
-                      <a:endParaRPr lang="es-ES" sz="1400" dirty="0"/>
-                    </a:p>
-                  </a:txBody>
-                  <a:tcPr/>
-                </a:tc>
-                <a:tc>
-                  <a:txBody>
-                    <a:bodyPr/>
-                    <a:lstStyle/>
-                    <a:p>
-                      <a:r>
-                        <a:rPr lang="es-ES" sz="1400" dirty="0" smtClean="0"/>
-                        <a:t>6</a:t>
-                      </a:r>
-                      <a:endParaRPr lang="es-ES" sz="1400" dirty="0"/>
-                    </a:p>
-                  </a:txBody>
-                  <a:tcPr/>
-                </a:tc>
-                <a:tc>
-                  <a:txBody>
-                    <a:bodyPr/>
-                    <a:lstStyle/>
-                    <a:p>
-                      <a:r>
-                        <a:rPr lang="es-ES" sz="1400" dirty="0" smtClean="0"/>
-                        <a:t>8</a:t>
-                      </a:r>
-                      <a:endParaRPr lang="es-ES" sz="1400" dirty="0"/>
-                    </a:p>
-                  </a:txBody>
-                  <a:tcPr/>
-                </a:tc>
-                <a:tc>
-                  <a:txBody>
-                    <a:bodyPr/>
-                    <a:lstStyle/>
-                    <a:p>
-                      <a:r>
-                        <a:rPr lang="es-ES" sz="1400" dirty="0" smtClean="0"/>
-                        <a:t>25</a:t>
-                      </a:r>
-                      <a:endParaRPr lang="es-ES" sz="1400" dirty="0"/>
-                    </a:p>
-                  </a:txBody>
-                  <a:tcPr/>
-                </a:tc>
-                <a:tc>
-                  <a:txBody>
-                    <a:bodyPr/>
-                    <a:lstStyle/>
-                    <a:p>
-                      <a:r>
-                        <a:rPr lang="es-ES" sz="1400" dirty="0" smtClean="0"/>
-                        <a:t>56</a:t>
-                      </a:r>
-                      <a:endParaRPr lang="es-ES" sz="1400" dirty="0"/>
-                    </a:p>
-                  </a:txBody>
-                  <a:tcPr/>
-                </a:tc>
-                <a:tc>
-                  <a:txBody>
-                    <a:bodyPr/>
-                    <a:lstStyle/>
-                    <a:p>
-                      <a:r>
-                        <a:rPr lang="es-ES" sz="1400" dirty="0" smtClean="0"/>
-                        <a:t>41</a:t>
-                      </a:r>
-                      <a:endParaRPr lang="es-ES" sz="1400" dirty="0"/>
-                    </a:p>
-                  </a:txBody>
-                  <a:tcPr/>
-                </a:tc>
-                <a:tc>
-                  <a:txBody>
-                    <a:bodyPr/>
-                    <a:lstStyle/>
-                    <a:p>
-                      <a:r>
-                        <a:rPr lang="es-ES" sz="1400" dirty="0" smtClean="0"/>
-                        <a:t>19</a:t>
-                      </a:r>
-                      <a:endParaRPr lang="es-ES" sz="1400" dirty="0"/>
-                    </a:p>
-                  </a:txBody>
-                  <a:tcPr/>
-                </a:tc>
-                <a:tc>
-                  <a:txBody>
-                    <a:bodyPr/>
-                    <a:lstStyle/>
-                    <a:p>
-                      <a:r>
-                        <a:rPr lang="es-ES" sz="1400" dirty="0" smtClean="0"/>
-                        <a:t>21</a:t>
-                      </a:r>
-                      <a:endParaRPr lang="es-ES" sz="1400" dirty="0"/>
-                    </a:p>
-                  </a:txBody>
-                  <a:tcPr/>
-                </a:tc>
-                <a:tc>
-                  <a:txBody>
-                    <a:bodyPr/>
-                    <a:lstStyle/>
-                    <a:p>
-                      <a:r>
-                        <a:rPr lang="es-ES" sz="1400" dirty="0" smtClean="0"/>
-                        <a:t>205</a:t>
-                      </a:r>
-                    </a:p>
-                  </a:txBody>
-                  <a:tcPr/>
-                </a:tc>
-                <a:extLst>
-                  <a:ext uri="{0D108BD9-81ED-4DB2-BD59-A6C34878D82A}">
-                    <a16:rowId xmlns:a16="http://schemas.microsoft.com/office/drawing/2014/main" val="171646272"/>
-                  </a:ext>
-                </a:extLst>
-              </a:tr>
-            </a:tbl>
-          </a:graphicData>
-        </a:graphic>
-      </p:graphicFrame>
-      <p:sp>
-        <p:nvSpPr>
-          <p:cNvPr id="5" name="Rectángulo 4"/>
-          <p:cNvSpPr/>
-          <p:nvPr/>
         </p:nvSpPr>
         <p:spPr>
           <a:xfrm>
-            <a:off x="405374" y="2676698"/>
-            <a:ext cx="3490571" cy="369332"/>
+            <a:off x="1024128" y="1770611"/>
+            <a:ext cx="9720073" cy="4341525"/>
+          </a:xfrm>
+        </p:spPr>
+        <p:txBody>
+          <a:bodyPr>
+            <a:normAutofit fontScale="92500" lnSpcReduction="20000"/>
+          </a:bodyPr>
+          <a:lstStyle/>
+          <a:p>
+            <a:r>
+              <a:rPr lang="es-ES" b="1" dirty="0" smtClean="0"/>
+              <a:t>Razón Social</a:t>
+            </a:r>
+            <a:r>
+              <a:rPr lang="es-ES" b="1" dirty="0" smtClean="0"/>
+              <a:t>:</a:t>
+            </a:r>
+          </a:p>
+          <a:p>
+            <a:endParaRPr lang="es-ES" dirty="0"/>
+          </a:p>
+          <a:p>
+            <a:r>
+              <a:rPr lang="es-ES" b="1" dirty="0" smtClean="0"/>
+              <a:t>Visión del negocio:</a:t>
+            </a:r>
+          </a:p>
+          <a:p>
+            <a:endParaRPr lang="es-ES" b="1" dirty="0" smtClean="0"/>
+          </a:p>
+          <a:p>
+            <a:endParaRPr lang="es-ES" b="1" dirty="0" smtClean="0"/>
+          </a:p>
+          <a:p>
+            <a:r>
+              <a:rPr lang="es-ES" b="1" dirty="0" smtClean="0"/>
+              <a:t>Misión </a:t>
+            </a:r>
+            <a:r>
+              <a:rPr lang="es-ES" b="1" dirty="0"/>
+              <a:t>del negocio:</a:t>
+            </a:r>
+          </a:p>
+          <a:p>
+            <a:pPr marL="0" indent="0">
+              <a:buNone/>
+            </a:pPr>
+            <a:endParaRPr lang="es-ES" dirty="0" smtClean="0"/>
+          </a:p>
+          <a:p>
+            <a:pPr marL="0" indent="0">
+              <a:buNone/>
+            </a:pPr>
+            <a:endParaRPr lang="es-ES" dirty="0"/>
+          </a:p>
+          <a:p>
+            <a:r>
+              <a:rPr lang="es-ES" b="1" dirty="0" smtClean="0"/>
+              <a:t>Objetivos</a:t>
+            </a:r>
+            <a:r>
+              <a:rPr lang="es-ES" dirty="0" smtClean="0"/>
+              <a:t>:</a:t>
+            </a:r>
+          </a:p>
+          <a:p>
+            <a:r>
+              <a:rPr lang="es-ES" dirty="0" smtClean="0"/>
+              <a:t>Entre nuestros objetivos esta en lograr un crecimiento sostenido en la venta de artículos electrónicos y partes, de buena calidad para su mejor desempeño.</a:t>
+            </a:r>
+            <a:endParaRPr lang="es-ES" dirty="0"/>
+          </a:p>
+        </p:txBody>
+      </p:sp>
+      <p:pic>
+        <p:nvPicPr>
+          <p:cNvPr id="4" name="Imagen 3" descr="C:\Users\Alexs\AppData\Local\Microsoft\Windows\INetCache\Content.Word\Logomakr_4fASNX.PNG"/>
+          <p:cNvPicPr/>
+          <p:nvPr/>
+        </p:nvPicPr>
+        <p:blipFill>
+          <a:blip r:embed="rId2">
+            <a:extLst>
+              <a:ext uri="{28A0092B-C50C-407E-A947-70E740481C1C}">
+                <a14:useLocalDpi xmlns:a14="http://schemas.microsoft.com/office/drawing/2010/main" val="0"/>
+              </a:ext>
+            </a:extLst>
+          </a:blip>
+          <a:srcRect/>
+          <a:stretch>
+            <a:fillRect/>
+          </a:stretch>
+        </p:blipFill>
+        <p:spPr bwMode="auto">
+          <a:xfrm>
+            <a:off x="3797098" y="1581341"/>
+            <a:ext cx="4581525" cy="723900"/>
           </a:xfrm>
           <a:prstGeom prst="rect">
             <a:avLst/>
           </a:prstGeom>
+          <a:noFill/>
+          <a:ln>
+            <a:noFill/>
+          </a:ln>
         </p:spPr>
-        <p:txBody>
-          <a:bodyPr wrap="none">
-            <a:spAutoFit/>
-          </a:bodyPr>
-          <a:lstStyle/>
-          <a:p>
-            <a:r>
-              <a:rPr lang="es-ES" b="1" dirty="0"/>
-              <a:t>Proyección de ventas en unidades:</a:t>
-            </a:r>
-          </a:p>
-        </p:txBody>
-      </p:sp>
+      </p:pic>
     </p:spTree>
     <p:extLst>
       <p:ext uri="{BB962C8B-B14F-4D97-AF65-F5344CB8AC3E}">
-        <p14:creationId xmlns:p14="http://schemas.microsoft.com/office/powerpoint/2010/main" val="1060474210"/>
+        <p14:creationId xmlns:p14="http://schemas.microsoft.com/office/powerpoint/2010/main" val="3417813045"/>
       </p:ext>
     </p:extLst>
   </p:cSld>
